--- a/computerVision/proj1_v2/proj1/report_template.pptx
+++ b/computerVision/proj1_v2/proj1/report_template.pptx
@@ -1,30 +1,30 @@
 
 <file path=ppt/presentation.xml><?xml version="1.0" encoding="utf-8"?>
-<p:presentation xmlns:a="http://schemas.openxmlformats.org/drawingml/2006/main" xmlns:r="http://schemas.openxmlformats.org/officeDocument/2006/relationships" xmlns:mc="http://schemas.openxmlformats.org/markup-compatibility/2006" xmlns:mv="urn:schemas-microsoft-com:mac:vml" xmlns:p="http://schemas.openxmlformats.org/presentationml/2006/main" xmlns:c="http://schemas.openxmlformats.org/drawingml/2006/chart" xmlns:dgm="http://schemas.openxmlformats.org/drawingml/2006/diagram" xmlns:o="urn:schemas-microsoft-com:office:office" xmlns:v="urn:schemas-microsoft-com:vml" xmlns:pvml="urn:schemas-microsoft-com:office:powerpoint" xmlns:com="http://schemas.openxmlformats.org/drawingml/2006/compatibility" xmlns:p14="http://schemas.microsoft.com/office/powerpoint/2010/main" xmlns:p15="http://schemas.microsoft.com/office/powerpoint/2012/main" autoCompressPictures="0" strictFirstAndLastChars="0" saveSubsetFonts="1">
+<p:presentation xmlns:a="http://schemas.openxmlformats.org/drawingml/2006/main" xmlns:r="http://schemas.openxmlformats.org/officeDocument/2006/relationships" xmlns:p="http://schemas.openxmlformats.org/presentationml/2006/main" strictFirstAndLastChars="0" saveSubsetFonts="1" autoCompressPictures="0">
   <p:sldMasterIdLst>
-    <p:sldMasterId id="2147483659" r:id="rId4"/>
+    <p:sldMasterId id="2147483659" r:id="rId1"/>
   </p:sldMasterIdLst>
   <p:notesMasterIdLst>
-    <p:notesMasterId r:id="rId5"/>
+    <p:notesMasterId r:id="rId14"/>
   </p:notesMasterIdLst>
   <p:sldIdLst>
-    <p:sldId id="256" r:id="rId6"/>
-    <p:sldId id="257" r:id="rId7"/>
-    <p:sldId id="258" r:id="rId8"/>
-    <p:sldId id="259" r:id="rId9"/>
-    <p:sldId id="260" r:id="rId10"/>
-    <p:sldId id="261" r:id="rId11"/>
-    <p:sldId id="262" r:id="rId12"/>
-    <p:sldId id="263" r:id="rId13"/>
-    <p:sldId id="264" r:id="rId14"/>
-    <p:sldId id="265" r:id="rId15"/>
-    <p:sldId id="266" r:id="rId16"/>
-    <p:sldId id="267" r:id="rId17"/>
+    <p:sldId id="256" r:id="rId2"/>
+    <p:sldId id="257" r:id="rId3"/>
+    <p:sldId id="258" r:id="rId4"/>
+    <p:sldId id="259" r:id="rId5"/>
+    <p:sldId id="260" r:id="rId6"/>
+    <p:sldId id="261" r:id="rId7"/>
+    <p:sldId id="262" r:id="rId8"/>
+    <p:sldId id="263" r:id="rId9"/>
+    <p:sldId id="264" r:id="rId10"/>
+    <p:sldId id="265" r:id="rId11"/>
+    <p:sldId id="266" r:id="rId12"/>
+    <p:sldId id="267" r:id="rId13"/>
   </p:sldIdLst>
-  <p:sldSz cy="5143500" cx="9144000"/>
+  <p:sldSz cx="9144000" cy="5143500" type="screen16x9"/>
   <p:notesSz cx="6858000" cy="9144000"/>
   <p:defaultTextStyle>
-    <a:defPPr lvl="0" marR="0" rtl="0" algn="l">
+    <a:defPPr marR="0" lvl="0" algn="l" rtl="0">
       <a:lnSpc>
         <a:spcPct val="100000"/>
       </a:lnSpc>
@@ -35,7 +35,7 @@
         <a:spcPts val="0"/>
       </a:spcAft>
     </a:defPPr>
-    <a:lvl1pPr lvl="0" marR="0" rtl="0" algn="l">
+    <a:lvl1pPr marR="0" lvl="0" algn="l" rtl="0">
       <a:lnSpc>
         <a:spcPct val="100000"/>
       </a:lnSpc>
@@ -49,7 +49,7 @@
         <a:srgbClr val="000000"/>
       </a:buClr>
       <a:buFont typeface="Arial"/>
-      <a:defRPr b="0" i="0" sz="1400" u="none" cap="none" strike="noStrike">
+      <a:defRPr sz="1400" b="0" i="0" u="none" strike="noStrike" cap="none">
         <a:solidFill>
           <a:srgbClr val="000000"/>
         </a:solidFill>
@@ -59,7 +59,7 @@
         <a:sym typeface="Arial"/>
       </a:defRPr>
     </a:lvl1pPr>
-    <a:lvl2pPr lvl="1" marR="0" rtl="0" algn="l">
+    <a:lvl2pPr marR="0" lvl="1" algn="l" rtl="0">
       <a:lnSpc>
         <a:spcPct val="100000"/>
       </a:lnSpc>
@@ -73,7 +73,7 @@
         <a:srgbClr val="000000"/>
       </a:buClr>
       <a:buFont typeface="Arial"/>
-      <a:defRPr b="0" i="0" sz="1400" u="none" cap="none" strike="noStrike">
+      <a:defRPr sz="1400" b="0" i="0" u="none" strike="noStrike" cap="none">
         <a:solidFill>
           <a:srgbClr val="000000"/>
         </a:solidFill>
@@ -83,7 +83,7 @@
         <a:sym typeface="Arial"/>
       </a:defRPr>
     </a:lvl2pPr>
-    <a:lvl3pPr lvl="2" marR="0" rtl="0" algn="l">
+    <a:lvl3pPr marR="0" lvl="2" algn="l" rtl="0">
       <a:lnSpc>
         <a:spcPct val="100000"/>
       </a:lnSpc>
@@ -97,7 +97,7 @@
         <a:srgbClr val="000000"/>
       </a:buClr>
       <a:buFont typeface="Arial"/>
-      <a:defRPr b="0" i="0" sz="1400" u="none" cap="none" strike="noStrike">
+      <a:defRPr sz="1400" b="0" i="0" u="none" strike="noStrike" cap="none">
         <a:solidFill>
           <a:srgbClr val="000000"/>
         </a:solidFill>
@@ -107,7 +107,7 @@
         <a:sym typeface="Arial"/>
       </a:defRPr>
     </a:lvl3pPr>
-    <a:lvl4pPr lvl="3" marR="0" rtl="0" algn="l">
+    <a:lvl4pPr marR="0" lvl="3" algn="l" rtl="0">
       <a:lnSpc>
         <a:spcPct val="100000"/>
       </a:lnSpc>
@@ -121,7 +121,7 @@
         <a:srgbClr val="000000"/>
       </a:buClr>
       <a:buFont typeface="Arial"/>
-      <a:defRPr b="0" i="0" sz="1400" u="none" cap="none" strike="noStrike">
+      <a:defRPr sz="1400" b="0" i="0" u="none" strike="noStrike" cap="none">
         <a:solidFill>
           <a:srgbClr val="000000"/>
         </a:solidFill>
@@ -131,7 +131,7 @@
         <a:sym typeface="Arial"/>
       </a:defRPr>
     </a:lvl4pPr>
-    <a:lvl5pPr lvl="4" marR="0" rtl="0" algn="l">
+    <a:lvl5pPr marR="0" lvl="4" algn="l" rtl="0">
       <a:lnSpc>
         <a:spcPct val="100000"/>
       </a:lnSpc>
@@ -145,7 +145,7 @@
         <a:srgbClr val="000000"/>
       </a:buClr>
       <a:buFont typeface="Arial"/>
-      <a:defRPr b="0" i="0" sz="1400" u="none" cap="none" strike="noStrike">
+      <a:defRPr sz="1400" b="0" i="0" u="none" strike="noStrike" cap="none">
         <a:solidFill>
           <a:srgbClr val="000000"/>
         </a:solidFill>
@@ -155,7 +155,7 @@
         <a:sym typeface="Arial"/>
       </a:defRPr>
     </a:lvl5pPr>
-    <a:lvl6pPr lvl="5" marR="0" rtl="0" algn="l">
+    <a:lvl6pPr marR="0" lvl="5" algn="l" rtl="0">
       <a:lnSpc>
         <a:spcPct val="100000"/>
       </a:lnSpc>
@@ -169,7 +169,7 @@
         <a:srgbClr val="000000"/>
       </a:buClr>
       <a:buFont typeface="Arial"/>
-      <a:defRPr b="0" i="0" sz="1400" u="none" cap="none" strike="noStrike">
+      <a:defRPr sz="1400" b="0" i="0" u="none" strike="noStrike" cap="none">
         <a:solidFill>
           <a:srgbClr val="000000"/>
         </a:solidFill>
@@ -179,7 +179,7 @@
         <a:sym typeface="Arial"/>
       </a:defRPr>
     </a:lvl6pPr>
-    <a:lvl7pPr lvl="6" marR="0" rtl="0" algn="l">
+    <a:lvl7pPr marR="0" lvl="6" algn="l" rtl="0">
       <a:lnSpc>
         <a:spcPct val="100000"/>
       </a:lnSpc>
@@ -193,7 +193,7 @@
         <a:srgbClr val="000000"/>
       </a:buClr>
       <a:buFont typeface="Arial"/>
-      <a:defRPr b="0" i="0" sz="1400" u="none" cap="none" strike="noStrike">
+      <a:defRPr sz="1400" b="0" i="0" u="none" strike="noStrike" cap="none">
         <a:solidFill>
           <a:srgbClr val="000000"/>
         </a:solidFill>
@@ -203,7 +203,7 @@
         <a:sym typeface="Arial"/>
       </a:defRPr>
     </a:lvl7pPr>
-    <a:lvl8pPr lvl="7" marR="0" rtl="0" algn="l">
+    <a:lvl8pPr marR="0" lvl="7" algn="l" rtl="0">
       <a:lnSpc>
         <a:spcPct val="100000"/>
       </a:lnSpc>
@@ -217,7 +217,7 @@
         <a:srgbClr val="000000"/>
       </a:buClr>
       <a:buFont typeface="Arial"/>
-      <a:defRPr b="0" i="0" sz="1400" u="none" cap="none" strike="noStrike">
+      <a:defRPr sz="1400" b="0" i="0" u="none" strike="noStrike" cap="none">
         <a:solidFill>
           <a:srgbClr val="000000"/>
         </a:solidFill>
@@ -227,7 +227,7 @@
         <a:sym typeface="Arial"/>
       </a:defRPr>
     </a:lvl8pPr>
-    <a:lvl9pPr lvl="8" marR="0" rtl="0" algn="l">
+    <a:lvl9pPr marR="0" lvl="8" algn="l" rtl="0">
       <a:lnSpc>
         <a:spcPct val="100000"/>
       </a:lnSpc>
@@ -241,7 +241,7 @@
         <a:srgbClr val="000000"/>
       </a:buClr>
       <a:buFont typeface="Arial"/>
-      <a:defRPr b="0" i="0" sz="1400" u="none" cap="none" strike="noStrike">
+      <a:defRPr sz="1400" b="0" i="0" u="none" strike="noStrike" cap="none">
         <a:solidFill>
           <a:srgbClr val="000000"/>
         </a:solidFill>
@@ -254,7 +254,7 @@
   </p:defaultTextStyle>
   <p:extLst>
     <p:ext uri="{EFAFB233-063F-42B5-8137-9DF3F51BA10A}">
-      <p15:sldGuideLst>
+      <p15:sldGuideLst xmlns:p15="http://schemas.microsoft.com/office/powerpoint/2012/main">
         <p15:guide id="1" orient="horz" pos="1620">
           <p15:clr>
             <a:srgbClr val="A4A3A4"/>
@@ -272,11 +272,16 @@
 </file>
 
 <file path=ppt/notesMasters/notesMaster1.xml><?xml version="1.0" encoding="utf-8"?>
-<p:notesMaster xmlns:a="http://schemas.openxmlformats.org/drawingml/2006/main" xmlns:r="http://schemas.openxmlformats.org/officeDocument/2006/relationships" xmlns:mc="http://schemas.openxmlformats.org/markup-compatibility/2006" xmlns:mv="urn:schemas-microsoft-com:mac:vml" xmlns:p="http://schemas.openxmlformats.org/presentationml/2006/main" xmlns:c="http://schemas.openxmlformats.org/drawingml/2006/chart" xmlns:dgm="http://schemas.openxmlformats.org/drawingml/2006/diagram" xmlns:o="urn:schemas-microsoft-com:office:office" xmlns:v="urn:schemas-microsoft-com:vml" xmlns:pvml="urn:schemas-microsoft-com:office:powerpoint" xmlns:com="http://schemas.openxmlformats.org/drawingml/2006/compatibility" xmlns:p14="http://schemas.microsoft.com/office/powerpoint/2010/main" xmlns:p15="http://schemas.microsoft.com/office/powerpoint/2012/main">
+<p:notesMaster xmlns:a="http://schemas.openxmlformats.org/drawingml/2006/main" xmlns:r="http://schemas.openxmlformats.org/officeDocument/2006/relationships" xmlns:p="http://schemas.openxmlformats.org/presentationml/2006/main">
   <p:cSld>
+    <p:bg>
+      <p:bgRef idx="1001">
+        <a:schemeClr val="bg1"/>
+      </p:bgRef>
+    </p:bg>
     <p:spTree>
       <p:nvGrpSpPr>
-        <p:cNvPr id="2" name="Shape 2"/>
+        <p:cNvPr id="1" name="Shape 2"/>
         <p:cNvGrpSpPr/>
         <p:nvPr/>
       </p:nvGrpSpPr>
@@ -291,9 +296,11 @@
       <p:sp>
         <p:nvSpPr>
           <p:cNvPr id="3" name="Google Shape;3;n"/>
-          <p:cNvSpPr/>
+          <p:cNvSpPr>
+            <a:spLocks noGrp="1" noRot="1" noChangeAspect="1"/>
+          </p:cNvSpPr>
           <p:nvPr>
-            <p:ph idx="2" type="sldImg"/>
+            <p:ph type="sldImg" idx="2"/>
           </p:nvPr>
         </p:nvSpPr>
         <p:spPr>
@@ -302,9 +309,13 @@
             <a:ext cx="6096075" cy="3429000"/>
           </a:xfrm>
           <a:custGeom>
-            <a:rect b="b" l="l" r="r" t="t"/>
+            <a:avLst/>
+            <a:gdLst/>
+            <a:ahLst/>
+            <a:cxnLst/>
+            <a:rect l="l" t="t" r="r" b="b"/>
             <a:pathLst>
-              <a:path extrusionOk="0" h="120000" w="120000">
+              <a:path w="120000" h="120000" extrusionOk="0">
                 <a:moveTo>
                   <a:pt x="0" y="0"/>
                 </a:moveTo>
@@ -322,23 +333,25 @@
             </a:pathLst>
           </a:custGeom>
           <a:noFill/>
-          <a:ln cap="flat" cmpd="sng" w="9525">
+          <a:ln w="9525" cap="flat" cmpd="sng">
             <a:solidFill>
               <a:srgbClr val="000000"/>
             </a:solidFill>
             <a:prstDash val="solid"/>
             <a:round/>
-            <a:headEnd len="sm" w="sm" type="none"/>
-            <a:tailEnd len="sm" w="sm" type="none"/>
+            <a:headEnd type="none" w="sm" len="sm"/>
+            <a:tailEnd type="none" w="sm" len="sm"/>
           </a:ln>
         </p:spPr>
       </p:sp>
       <p:sp>
         <p:nvSpPr>
           <p:cNvPr id="4" name="Google Shape;4;n"/>
-          <p:cNvSpPr txBox="1"/>
+          <p:cNvSpPr txBox="1">
+            <a:spLocks noGrp="1"/>
+          </p:cNvSpPr>
           <p:nvPr>
-            <p:ph idx="1" type="body"/>
+            <p:ph type="body" idx="1"/>
           </p:nvPr>
         </p:nvSpPr>
         <p:spPr>
@@ -355,11 +368,11 @@
           </a:ln>
         </p:spPr>
         <p:txBody>
-          <a:bodyPr anchorCtr="0" anchor="t" bIns="91425" lIns="91425" spcFirstLastPara="1" rIns="91425" wrap="square" tIns="91425">
+          <a:bodyPr spcFirstLastPara="1" wrap="square" lIns="91425" tIns="91425" rIns="91425" bIns="91425" anchor="t" anchorCtr="0">
             <a:noAutofit/>
           </a:bodyPr>
           <a:lstStyle>
-            <a:lvl1pPr indent="-298450" lvl="0" marL="457200">
+            <a:lvl1pPr marL="457200" lvl="0" indent="-298450">
               <a:spcBef>
                 <a:spcPts val="0"/>
               </a:spcBef>
@@ -370,7 +383,7 @@
               <a:buChar char="●"/>
               <a:defRPr sz="1100"/>
             </a:lvl1pPr>
-            <a:lvl2pPr indent="-298450" lvl="1" marL="914400">
+            <a:lvl2pPr marL="914400" lvl="1" indent="-298450">
               <a:spcBef>
                 <a:spcPts val="0"/>
               </a:spcBef>
@@ -381,7 +394,7 @@
               <a:buChar char="○"/>
               <a:defRPr sz="1100"/>
             </a:lvl2pPr>
-            <a:lvl3pPr indent="-298450" lvl="2" marL="1371600">
+            <a:lvl3pPr marL="1371600" lvl="2" indent="-298450">
               <a:spcBef>
                 <a:spcPts val="0"/>
               </a:spcBef>
@@ -392,7 +405,7 @@
               <a:buChar char="■"/>
               <a:defRPr sz="1100"/>
             </a:lvl3pPr>
-            <a:lvl4pPr indent="-298450" lvl="3" marL="1828800">
+            <a:lvl4pPr marL="1828800" lvl="3" indent="-298450">
               <a:spcBef>
                 <a:spcPts val="0"/>
               </a:spcBef>
@@ -403,7 +416,7 @@
               <a:buChar char="●"/>
               <a:defRPr sz="1100"/>
             </a:lvl4pPr>
-            <a:lvl5pPr indent="-298450" lvl="4" marL="2286000">
+            <a:lvl5pPr marL="2286000" lvl="4" indent="-298450">
               <a:spcBef>
                 <a:spcPts val="0"/>
               </a:spcBef>
@@ -414,7 +427,7 @@
               <a:buChar char="○"/>
               <a:defRPr sz="1100"/>
             </a:lvl5pPr>
-            <a:lvl6pPr indent="-298450" lvl="5" marL="2743200">
+            <a:lvl6pPr marL="2743200" lvl="5" indent="-298450">
               <a:spcBef>
                 <a:spcPts val="0"/>
               </a:spcBef>
@@ -425,7 +438,7 @@
               <a:buChar char="■"/>
               <a:defRPr sz="1100"/>
             </a:lvl6pPr>
-            <a:lvl7pPr indent="-298450" lvl="6" marL="3200400">
+            <a:lvl7pPr marL="3200400" lvl="6" indent="-298450">
               <a:spcBef>
                 <a:spcPts val="0"/>
               </a:spcBef>
@@ -436,7 +449,7 @@
               <a:buChar char="●"/>
               <a:defRPr sz="1100"/>
             </a:lvl7pPr>
-            <a:lvl8pPr indent="-298450" lvl="7" marL="3657600">
+            <a:lvl8pPr marL="3657600" lvl="7" indent="-298450">
               <a:spcBef>
                 <a:spcPts val="0"/>
               </a:spcBef>
@@ -447,7 +460,7 @@
               <a:buChar char="○"/>
               <a:defRPr sz="1100"/>
             </a:lvl8pPr>
-            <a:lvl9pPr indent="-298450" lvl="8" marL="4114800">
+            <a:lvl9pPr marL="4114800" lvl="8" indent="-298450">
               <a:spcBef>
                 <a:spcPts val="0"/>
               </a:spcBef>
@@ -459,14 +472,16 @@
               <a:defRPr sz="1100"/>
             </a:lvl9pPr>
           </a:lstStyle>
-          <a:p/>
+          <a:p>
+            <a:endParaRPr/>
+          </a:p>
         </p:txBody>
       </p:sp>
     </p:spTree>
   </p:cSld>
-  <p:clrMap accent1="accent1" accent2="accent2" accent3="accent3" accent4="accent4" accent5="accent5" accent6="accent6" bg1="lt1" bg2="dk2" tx1="dk1" tx2="lt2" folHlink="folHlink" hlink="hlink"/>
+  <p:clrMap bg1="lt1" tx1="dk1" bg2="dk2" tx2="lt2" accent1="accent1" accent2="accent2" accent3="accent3" accent4="accent4" accent5="accent5" accent6="accent6" hlink="hlink" folHlink="folHlink"/>
   <p:notesStyle>
-    <a:defPPr lvl="0" marR="0" rtl="0" algn="l">
+    <a:defPPr marR="0" lvl="0" algn="l" rtl="0">
       <a:lnSpc>
         <a:spcPct val="100000"/>
       </a:lnSpc>
@@ -477,7 +492,7 @@
         <a:spcPts val="0"/>
       </a:spcAft>
     </a:defPPr>
-    <a:lvl1pPr lvl="0" marR="0" rtl="0" algn="l">
+    <a:lvl1pPr marR="0" lvl="0" algn="l" rtl="0">
       <a:lnSpc>
         <a:spcPct val="100000"/>
       </a:lnSpc>
@@ -491,7 +506,7 @@
         <a:srgbClr val="000000"/>
       </a:buClr>
       <a:buFont typeface="Arial"/>
-      <a:defRPr b="0" i="0" sz="1400" u="none" cap="none" strike="noStrike">
+      <a:defRPr sz="1400" b="0" i="0" u="none" strike="noStrike" cap="none">
         <a:solidFill>
           <a:srgbClr val="000000"/>
         </a:solidFill>
@@ -501,7 +516,7 @@
         <a:sym typeface="Arial"/>
       </a:defRPr>
     </a:lvl1pPr>
-    <a:lvl2pPr lvl="1" marR="0" rtl="0" algn="l">
+    <a:lvl2pPr marR="0" lvl="1" algn="l" rtl="0">
       <a:lnSpc>
         <a:spcPct val="100000"/>
       </a:lnSpc>
@@ -515,7 +530,7 @@
         <a:srgbClr val="000000"/>
       </a:buClr>
       <a:buFont typeface="Arial"/>
-      <a:defRPr b="0" i="0" sz="1400" u="none" cap="none" strike="noStrike">
+      <a:defRPr sz="1400" b="0" i="0" u="none" strike="noStrike" cap="none">
         <a:solidFill>
           <a:srgbClr val="000000"/>
         </a:solidFill>
@@ -525,7 +540,7 @@
         <a:sym typeface="Arial"/>
       </a:defRPr>
     </a:lvl2pPr>
-    <a:lvl3pPr lvl="2" marR="0" rtl="0" algn="l">
+    <a:lvl3pPr marR="0" lvl="2" algn="l" rtl="0">
       <a:lnSpc>
         <a:spcPct val="100000"/>
       </a:lnSpc>
@@ -539,7 +554,7 @@
         <a:srgbClr val="000000"/>
       </a:buClr>
       <a:buFont typeface="Arial"/>
-      <a:defRPr b="0" i="0" sz="1400" u="none" cap="none" strike="noStrike">
+      <a:defRPr sz="1400" b="0" i="0" u="none" strike="noStrike" cap="none">
         <a:solidFill>
           <a:srgbClr val="000000"/>
         </a:solidFill>
@@ -549,7 +564,7 @@
         <a:sym typeface="Arial"/>
       </a:defRPr>
     </a:lvl3pPr>
-    <a:lvl4pPr lvl="3" marR="0" rtl="0" algn="l">
+    <a:lvl4pPr marR="0" lvl="3" algn="l" rtl="0">
       <a:lnSpc>
         <a:spcPct val="100000"/>
       </a:lnSpc>
@@ -563,7 +578,7 @@
         <a:srgbClr val="000000"/>
       </a:buClr>
       <a:buFont typeface="Arial"/>
-      <a:defRPr b="0" i="0" sz="1400" u="none" cap="none" strike="noStrike">
+      <a:defRPr sz="1400" b="0" i="0" u="none" strike="noStrike" cap="none">
         <a:solidFill>
           <a:srgbClr val="000000"/>
         </a:solidFill>
@@ -573,7 +588,7 @@
         <a:sym typeface="Arial"/>
       </a:defRPr>
     </a:lvl4pPr>
-    <a:lvl5pPr lvl="4" marR="0" rtl="0" algn="l">
+    <a:lvl5pPr marR="0" lvl="4" algn="l" rtl="0">
       <a:lnSpc>
         <a:spcPct val="100000"/>
       </a:lnSpc>
@@ -587,7 +602,7 @@
         <a:srgbClr val="000000"/>
       </a:buClr>
       <a:buFont typeface="Arial"/>
-      <a:defRPr b="0" i="0" sz="1400" u="none" cap="none" strike="noStrike">
+      <a:defRPr sz="1400" b="0" i="0" u="none" strike="noStrike" cap="none">
         <a:solidFill>
           <a:srgbClr val="000000"/>
         </a:solidFill>
@@ -597,7 +612,7 @@
         <a:sym typeface="Arial"/>
       </a:defRPr>
     </a:lvl5pPr>
-    <a:lvl6pPr lvl="5" marR="0" rtl="0" algn="l">
+    <a:lvl6pPr marR="0" lvl="5" algn="l" rtl="0">
       <a:lnSpc>
         <a:spcPct val="100000"/>
       </a:lnSpc>
@@ -611,7 +626,7 @@
         <a:srgbClr val="000000"/>
       </a:buClr>
       <a:buFont typeface="Arial"/>
-      <a:defRPr b="0" i="0" sz="1400" u="none" cap="none" strike="noStrike">
+      <a:defRPr sz="1400" b="0" i="0" u="none" strike="noStrike" cap="none">
         <a:solidFill>
           <a:srgbClr val="000000"/>
         </a:solidFill>
@@ -621,7 +636,7 @@
         <a:sym typeface="Arial"/>
       </a:defRPr>
     </a:lvl6pPr>
-    <a:lvl7pPr lvl="6" marR="0" rtl="0" algn="l">
+    <a:lvl7pPr marR="0" lvl="6" algn="l" rtl="0">
       <a:lnSpc>
         <a:spcPct val="100000"/>
       </a:lnSpc>
@@ -635,7 +650,7 @@
         <a:srgbClr val="000000"/>
       </a:buClr>
       <a:buFont typeface="Arial"/>
-      <a:defRPr b="0" i="0" sz="1400" u="none" cap="none" strike="noStrike">
+      <a:defRPr sz="1400" b="0" i="0" u="none" strike="noStrike" cap="none">
         <a:solidFill>
           <a:srgbClr val="000000"/>
         </a:solidFill>
@@ -645,7 +660,7 @@
         <a:sym typeface="Arial"/>
       </a:defRPr>
     </a:lvl7pPr>
-    <a:lvl8pPr lvl="7" marR="0" rtl="0" algn="l">
+    <a:lvl8pPr marR="0" lvl="7" algn="l" rtl="0">
       <a:lnSpc>
         <a:spcPct val="100000"/>
       </a:lnSpc>
@@ -659,7 +674,7 @@
         <a:srgbClr val="000000"/>
       </a:buClr>
       <a:buFont typeface="Arial"/>
-      <a:defRPr b="0" i="0" sz="1400" u="none" cap="none" strike="noStrike">
+      <a:defRPr sz="1400" b="0" i="0" u="none" strike="noStrike" cap="none">
         <a:solidFill>
           <a:srgbClr val="000000"/>
         </a:solidFill>
@@ -669,7 +684,7 @@
         <a:sym typeface="Arial"/>
       </a:defRPr>
     </a:lvl8pPr>
-    <a:lvl9pPr lvl="8" marR="0" rtl="0" algn="l">
+    <a:lvl9pPr marR="0" lvl="8" algn="l" rtl="0">
       <a:lnSpc>
         <a:spcPct val="100000"/>
       </a:lnSpc>
@@ -683,7 +698,7 @@
         <a:srgbClr val="000000"/>
       </a:buClr>
       <a:buFont typeface="Arial"/>
-      <a:defRPr b="0" i="0" sz="1400" u="none" cap="none" strike="noStrike">
+      <a:defRPr sz="1400" b="0" i="0" u="none" strike="noStrike" cap="none">
         <a:solidFill>
           <a:srgbClr val="000000"/>
         </a:solidFill>
@@ -698,11 +713,11 @@
 </file>
 
 <file path=ppt/notesSlides/notesSlide1.xml><?xml version="1.0" encoding="utf-8"?>
-<p:notes xmlns:a="http://schemas.openxmlformats.org/drawingml/2006/main" xmlns:r="http://schemas.openxmlformats.org/officeDocument/2006/relationships" xmlns:mc="http://schemas.openxmlformats.org/markup-compatibility/2006" xmlns:mv="urn:schemas-microsoft-com:mac:vml" xmlns:p="http://schemas.openxmlformats.org/presentationml/2006/main" xmlns:c="http://schemas.openxmlformats.org/drawingml/2006/chart" xmlns:dgm="http://schemas.openxmlformats.org/drawingml/2006/diagram" xmlns:o="urn:schemas-microsoft-com:office:office" xmlns:v="urn:schemas-microsoft-com:vml" xmlns:pvml="urn:schemas-microsoft-com:office:powerpoint" xmlns:com="http://schemas.openxmlformats.org/drawingml/2006/compatibility" xmlns:p14="http://schemas.microsoft.com/office/powerpoint/2010/main" xmlns:p15="http://schemas.microsoft.com/office/powerpoint/2012/main" showMasterPhAnim="0" showMasterSp="0">
+<p:notes xmlns:a="http://schemas.openxmlformats.org/drawingml/2006/main" xmlns:r="http://schemas.openxmlformats.org/officeDocument/2006/relationships" xmlns:p="http://schemas.openxmlformats.org/presentationml/2006/main" showMasterSp="0" showMasterPhAnim="0">
   <p:cSld>
     <p:spTree>
       <p:nvGrpSpPr>
-        <p:cNvPr id="50" name="Shape 50"/>
+        <p:cNvPr id="1" name="Shape 50"/>
         <p:cNvGrpSpPr/>
         <p:nvPr/>
       </p:nvGrpSpPr>
@@ -717,20 +732,26 @@
       <p:sp>
         <p:nvSpPr>
           <p:cNvPr id="51" name="Google Shape;51;p:notes"/>
-          <p:cNvSpPr/>
+          <p:cNvSpPr>
+            <a:spLocks noGrp="1" noRot="1" noChangeAspect="1"/>
+          </p:cNvSpPr>
           <p:nvPr>
-            <p:ph idx="2" type="sldImg"/>
+            <p:ph type="sldImg" idx="2"/>
           </p:nvPr>
         </p:nvSpPr>
         <p:spPr>
           <a:xfrm>
-            <a:off x="381300" y="685800"/>
-            <a:ext cx="6096075" cy="3429000"/>
+            <a:off x="381000" y="685800"/>
+            <a:ext cx="6096000" cy="3429000"/>
           </a:xfrm>
           <a:custGeom>
-            <a:rect b="b" l="l" r="r" t="t"/>
+            <a:avLst/>
+            <a:gdLst/>
+            <a:ahLst/>
+            <a:cxnLst/>
+            <a:rect l="l" t="t" r="r" b="b"/>
             <a:pathLst>
-              <a:path extrusionOk="0" h="120000" w="120000">
+              <a:path w="120000" h="120000" extrusionOk="0">
                 <a:moveTo>
                   <a:pt x="0" y="0"/>
                 </a:moveTo>
@@ -752,9 +773,11 @@
       <p:sp>
         <p:nvSpPr>
           <p:cNvPr id="52" name="Google Shape;52;p:notes"/>
-          <p:cNvSpPr txBox="1"/>
+          <p:cNvSpPr txBox="1">
+            <a:spLocks noGrp="1"/>
+          </p:cNvSpPr>
           <p:nvPr>
-            <p:ph idx="1" type="body"/>
+            <p:ph type="body" idx="1"/>
           </p:nvPr>
         </p:nvSpPr>
         <p:spPr>
@@ -767,23 +790,20 @@
           </a:prstGeom>
         </p:spPr>
         <p:txBody>
-          <a:bodyPr anchorCtr="0" anchor="t" bIns="91425" lIns="91425" spcFirstLastPara="1" rIns="91425" wrap="square" tIns="91425">
+          <a:bodyPr spcFirstLastPara="1" wrap="square" lIns="91425" tIns="91425" rIns="91425" bIns="91425" anchor="t" anchorCtr="0">
             <a:noAutofit/>
           </a:bodyPr>
           <a:lstStyle/>
           <a:p>
-            <a:pPr indent="0" lvl="0" marL="0" rtl="0" algn="l">
-              <a:spcBef>
-                <a:spcPts val="0"/>
-              </a:spcBef>
-              <a:spcAft>
-                <a:spcPts val="0"/>
-              </a:spcAft>
-              <a:buNone/>
-            </a:pPr>
-            <a:r>
-              <a:t/>
-            </a:r>
+            <a:pPr marL="0" lvl="0" indent="0" algn="l" rtl="0">
+              <a:spcBef>
+                <a:spcPts val="0"/>
+              </a:spcBef>
+              <a:spcAft>
+                <a:spcPts val="0"/>
+              </a:spcAft>
+              <a:buNone/>
+            </a:pPr>
             <a:endParaRPr/>
           </a:p>
         </p:txBody>
@@ -797,11 +817,11 @@
 </file>
 
 <file path=ppt/notesSlides/notesSlide10.xml><?xml version="1.0" encoding="utf-8"?>
-<p:notes xmlns:a="http://schemas.openxmlformats.org/drawingml/2006/main" xmlns:r="http://schemas.openxmlformats.org/officeDocument/2006/relationships" xmlns:mc="http://schemas.openxmlformats.org/markup-compatibility/2006" xmlns:mv="urn:schemas-microsoft-com:mac:vml" xmlns:p="http://schemas.openxmlformats.org/presentationml/2006/main" xmlns:c="http://schemas.openxmlformats.org/drawingml/2006/chart" xmlns:dgm="http://schemas.openxmlformats.org/drawingml/2006/diagram" xmlns:o="urn:schemas-microsoft-com:office:office" xmlns:v="urn:schemas-microsoft-com:vml" xmlns:pvml="urn:schemas-microsoft-com:office:powerpoint" xmlns:com="http://schemas.openxmlformats.org/drawingml/2006/compatibility" xmlns:p14="http://schemas.microsoft.com/office/powerpoint/2010/main" xmlns:p15="http://schemas.microsoft.com/office/powerpoint/2012/main" showMasterPhAnim="0" showMasterSp="0">
+<p:notes xmlns:a="http://schemas.openxmlformats.org/drawingml/2006/main" xmlns:r="http://schemas.openxmlformats.org/officeDocument/2006/relationships" xmlns:p="http://schemas.openxmlformats.org/presentationml/2006/main" showMasterSp="0" showMasterPhAnim="0">
   <p:cSld>
     <p:spTree>
       <p:nvGrpSpPr>
-        <p:cNvPr id="112" name="Shape 112"/>
+        <p:cNvPr id="1" name="Shape 112"/>
         <p:cNvGrpSpPr/>
         <p:nvPr/>
       </p:nvGrpSpPr>
@@ -816,20 +836,26 @@
       <p:sp>
         <p:nvSpPr>
           <p:cNvPr id="113" name="Google Shape;113;g33e7246047_0_46:notes"/>
-          <p:cNvSpPr/>
+          <p:cNvSpPr>
+            <a:spLocks noGrp="1" noRot="1" noChangeAspect="1"/>
+          </p:cNvSpPr>
           <p:nvPr>
-            <p:ph idx="2" type="sldImg"/>
+            <p:ph type="sldImg" idx="2"/>
           </p:nvPr>
         </p:nvSpPr>
         <p:spPr>
           <a:xfrm>
-            <a:off x="381300" y="685800"/>
+            <a:off x="381000" y="685800"/>
             <a:ext cx="6096000" cy="3429000"/>
           </a:xfrm>
           <a:custGeom>
-            <a:rect b="b" l="l" r="r" t="t"/>
+            <a:avLst/>
+            <a:gdLst/>
+            <a:ahLst/>
+            <a:cxnLst/>
+            <a:rect l="l" t="t" r="r" b="b"/>
             <a:pathLst>
-              <a:path extrusionOk="0" h="120000" w="120000">
+              <a:path w="120000" h="120000" extrusionOk="0">
                 <a:moveTo>
                   <a:pt x="0" y="0"/>
                 </a:moveTo>
@@ -851,9 +877,11 @@
       <p:sp>
         <p:nvSpPr>
           <p:cNvPr id="114" name="Google Shape;114;g33e7246047_0_46:notes"/>
-          <p:cNvSpPr txBox="1"/>
+          <p:cNvSpPr txBox="1">
+            <a:spLocks noGrp="1"/>
+          </p:cNvSpPr>
           <p:nvPr>
-            <p:ph idx="1" type="body"/>
+            <p:ph type="body" idx="1"/>
           </p:nvPr>
         </p:nvSpPr>
         <p:spPr>
@@ -866,23 +894,20 @@
           </a:prstGeom>
         </p:spPr>
         <p:txBody>
-          <a:bodyPr anchorCtr="0" anchor="t" bIns="91425" lIns="91425" spcFirstLastPara="1" rIns="91425" wrap="square" tIns="91425">
+          <a:bodyPr spcFirstLastPara="1" wrap="square" lIns="91425" tIns="91425" rIns="91425" bIns="91425" anchor="t" anchorCtr="0">
             <a:noAutofit/>
           </a:bodyPr>
           <a:lstStyle/>
           <a:p>
-            <a:pPr indent="0" lvl="0" marL="0" rtl="0" algn="l">
-              <a:spcBef>
-                <a:spcPts val="0"/>
-              </a:spcBef>
-              <a:spcAft>
-                <a:spcPts val="0"/>
-              </a:spcAft>
-              <a:buNone/>
-            </a:pPr>
-            <a:r>
-              <a:t/>
-            </a:r>
+            <a:pPr marL="0" lvl="0" indent="0" algn="l" rtl="0">
+              <a:spcBef>
+                <a:spcPts val="0"/>
+              </a:spcBef>
+              <a:spcAft>
+                <a:spcPts val="0"/>
+              </a:spcAft>
+              <a:buNone/>
+            </a:pPr>
             <a:endParaRPr/>
           </a:p>
         </p:txBody>
@@ -896,11 +921,11 @@
 </file>
 
 <file path=ppt/notesSlides/notesSlide11.xml><?xml version="1.0" encoding="utf-8"?>
-<p:notes xmlns:a="http://schemas.openxmlformats.org/drawingml/2006/main" xmlns:r="http://schemas.openxmlformats.org/officeDocument/2006/relationships" xmlns:mc="http://schemas.openxmlformats.org/markup-compatibility/2006" xmlns:mv="urn:schemas-microsoft-com:mac:vml" xmlns:p="http://schemas.openxmlformats.org/presentationml/2006/main" xmlns:c="http://schemas.openxmlformats.org/drawingml/2006/chart" xmlns:dgm="http://schemas.openxmlformats.org/drawingml/2006/diagram" xmlns:o="urn:schemas-microsoft-com:office:office" xmlns:v="urn:schemas-microsoft-com:vml" xmlns:pvml="urn:schemas-microsoft-com:office:powerpoint" xmlns:com="http://schemas.openxmlformats.org/drawingml/2006/compatibility" xmlns:p14="http://schemas.microsoft.com/office/powerpoint/2010/main" xmlns:p15="http://schemas.microsoft.com/office/powerpoint/2012/main" showMasterPhAnim="0" showMasterSp="0">
+<p:notes xmlns:a="http://schemas.openxmlformats.org/drawingml/2006/main" xmlns:r="http://schemas.openxmlformats.org/officeDocument/2006/relationships" xmlns:p="http://schemas.openxmlformats.org/presentationml/2006/main" showMasterSp="0" showMasterPhAnim="0">
   <p:cSld>
     <p:spTree>
       <p:nvGrpSpPr>
-        <p:cNvPr id="119" name="Shape 119"/>
+        <p:cNvPr id="1" name="Shape 119"/>
         <p:cNvGrpSpPr/>
         <p:nvPr/>
       </p:nvGrpSpPr>
@@ -915,20 +940,26 @@
       <p:sp>
         <p:nvSpPr>
           <p:cNvPr id="120" name="Google Shape;120;g33e7246047_0_64:notes"/>
-          <p:cNvSpPr/>
+          <p:cNvSpPr>
+            <a:spLocks noGrp="1" noRot="1" noChangeAspect="1"/>
+          </p:cNvSpPr>
           <p:nvPr>
-            <p:ph idx="2" type="sldImg"/>
+            <p:ph type="sldImg" idx="2"/>
           </p:nvPr>
         </p:nvSpPr>
         <p:spPr>
           <a:xfrm>
-            <a:off x="381300" y="685800"/>
+            <a:off x="381000" y="685800"/>
             <a:ext cx="6096000" cy="3429000"/>
           </a:xfrm>
           <a:custGeom>
-            <a:rect b="b" l="l" r="r" t="t"/>
+            <a:avLst/>
+            <a:gdLst/>
+            <a:ahLst/>
+            <a:cxnLst/>
+            <a:rect l="l" t="t" r="r" b="b"/>
             <a:pathLst>
-              <a:path extrusionOk="0" h="120000" w="120000">
+              <a:path w="120000" h="120000" extrusionOk="0">
                 <a:moveTo>
                   <a:pt x="0" y="0"/>
                 </a:moveTo>
@@ -950,9 +981,11 @@
       <p:sp>
         <p:nvSpPr>
           <p:cNvPr id="121" name="Google Shape;121;g33e7246047_0_64:notes"/>
-          <p:cNvSpPr txBox="1"/>
+          <p:cNvSpPr txBox="1">
+            <a:spLocks noGrp="1"/>
+          </p:cNvSpPr>
           <p:nvPr>
-            <p:ph idx="1" type="body"/>
+            <p:ph type="body" idx="1"/>
           </p:nvPr>
         </p:nvSpPr>
         <p:spPr>
@@ -965,23 +998,20 @@
           </a:prstGeom>
         </p:spPr>
         <p:txBody>
-          <a:bodyPr anchorCtr="0" anchor="t" bIns="91425" lIns="91425" spcFirstLastPara="1" rIns="91425" wrap="square" tIns="91425">
+          <a:bodyPr spcFirstLastPara="1" wrap="square" lIns="91425" tIns="91425" rIns="91425" bIns="91425" anchor="t" anchorCtr="0">
             <a:noAutofit/>
           </a:bodyPr>
           <a:lstStyle/>
           <a:p>
-            <a:pPr indent="0" lvl="0" marL="0" rtl="0" algn="l">
-              <a:spcBef>
-                <a:spcPts val="0"/>
-              </a:spcBef>
-              <a:spcAft>
-                <a:spcPts val="0"/>
-              </a:spcAft>
-              <a:buNone/>
-            </a:pPr>
-            <a:r>
-              <a:t/>
-            </a:r>
+            <a:pPr marL="0" lvl="0" indent="0" algn="l" rtl="0">
+              <a:spcBef>
+                <a:spcPts val="0"/>
+              </a:spcBef>
+              <a:spcAft>
+                <a:spcPts val="0"/>
+              </a:spcAft>
+              <a:buNone/>
+            </a:pPr>
             <a:endParaRPr/>
           </a:p>
         </p:txBody>
@@ -995,11 +1025,11 @@
 </file>
 
 <file path=ppt/notesSlides/notesSlide12.xml><?xml version="1.0" encoding="utf-8"?>
-<p:notes xmlns:a="http://schemas.openxmlformats.org/drawingml/2006/main" xmlns:r="http://schemas.openxmlformats.org/officeDocument/2006/relationships" xmlns:mc="http://schemas.openxmlformats.org/markup-compatibility/2006" xmlns:mv="urn:schemas-microsoft-com:mac:vml" xmlns:p="http://schemas.openxmlformats.org/presentationml/2006/main" xmlns:c="http://schemas.openxmlformats.org/drawingml/2006/chart" xmlns:dgm="http://schemas.openxmlformats.org/drawingml/2006/diagram" xmlns:o="urn:schemas-microsoft-com:office:office" xmlns:v="urn:schemas-microsoft-com:vml" xmlns:pvml="urn:schemas-microsoft-com:office:powerpoint" xmlns:com="http://schemas.openxmlformats.org/drawingml/2006/compatibility" xmlns:p14="http://schemas.microsoft.com/office/powerpoint/2010/main" xmlns:p15="http://schemas.microsoft.com/office/powerpoint/2012/main" showMasterPhAnim="0" showMasterSp="0">
+<p:notes xmlns:a="http://schemas.openxmlformats.org/drawingml/2006/main" xmlns:r="http://schemas.openxmlformats.org/officeDocument/2006/relationships" xmlns:p="http://schemas.openxmlformats.org/presentationml/2006/main" showMasterSp="0" showMasterPhAnim="0">
   <p:cSld>
     <p:spTree>
       <p:nvGrpSpPr>
-        <p:cNvPr id="125" name="Shape 125"/>
+        <p:cNvPr id="1" name="Shape 125"/>
         <p:cNvGrpSpPr/>
         <p:nvPr/>
       </p:nvGrpSpPr>
@@ -1014,20 +1044,26 @@
       <p:sp>
         <p:nvSpPr>
           <p:cNvPr id="126" name="Google Shape;126;g33e7246047_0_58:notes"/>
-          <p:cNvSpPr/>
+          <p:cNvSpPr>
+            <a:spLocks noGrp="1" noRot="1" noChangeAspect="1"/>
+          </p:cNvSpPr>
           <p:nvPr>
-            <p:ph idx="2" type="sldImg"/>
+            <p:ph type="sldImg" idx="2"/>
           </p:nvPr>
         </p:nvSpPr>
         <p:spPr>
           <a:xfrm>
-            <a:off x="381300" y="685800"/>
+            <a:off x="381000" y="685800"/>
             <a:ext cx="6096000" cy="3429000"/>
           </a:xfrm>
           <a:custGeom>
-            <a:rect b="b" l="l" r="r" t="t"/>
+            <a:avLst/>
+            <a:gdLst/>
+            <a:ahLst/>
+            <a:cxnLst/>
+            <a:rect l="l" t="t" r="r" b="b"/>
             <a:pathLst>
-              <a:path extrusionOk="0" h="120000" w="120000">
+              <a:path w="120000" h="120000" extrusionOk="0">
                 <a:moveTo>
                   <a:pt x="0" y="0"/>
                 </a:moveTo>
@@ -1049,9 +1085,11 @@
       <p:sp>
         <p:nvSpPr>
           <p:cNvPr id="127" name="Google Shape;127;g33e7246047_0_58:notes"/>
-          <p:cNvSpPr txBox="1"/>
+          <p:cNvSpPr txBox="1">
+            <a:spLocks noGrp="1"/>
+          </p:cNvSpPr>
           <p:nvPr>
-            <p:ph idx="1" type="body"/>
+            <p:ph type="body" idx="1"/>
           </p:nvPr>
         </p:nvSpPr>
         <p:spPr>
@@ -1064,23 +1102,20 @@
           </a:prstGeom>
         </p:spPr>
         <p:txBody>
-          <a:bodyPr anchorCtr="0" anchor="t" bIns="91425" lIns="91425" spcFirstLastPara="1" rIns="91425" wrap="square" tIns="91425">
+          <a:bodyPr spcFirstLastPara="1" wrap="square" lIns="91425" tIns="91425" rIns="91425" bIns="91425" anchor="t" anchorCtr="0">
             <a:noAutofit/>
           </a:bodyPr>
           <a:lstStyle/>
           <a:p>
-            <a:pPr indent="0" lvl="0" marL="0" rtl="0" algn="l">
-              <a:spcBef>
-                <a:spcPts val="0"/>
-              </a:spcBef>
-              <a:spcAft>
-                <a:spcPts val="0"/>
-              </a:spcAft>
-              <a:buNone/>
-            </a:pPr>
-            <a:r>
-              <a:t/>
-            </a:r>
+            <a:pPr marL="0" lvl="0" indent="0" algn="l" rtl="0">
+              <a:spcBef>
+                <a:spcPts val="0"/>
+              </a:spcBef>
+              <a:spcAft>
+                <a:spcPts val="0"/>
+              </a:spcAft>
+              <a:buNone/>
+            </a:pPr>
             <a:endParaRPr/>
           </a:p>
         </p:txBody>
@@ -1094,11 +1129,11 @@
 </file>
 
 <file path=ppt/notesSlides/notesSlide2.xml><?xml version="1.0" encoding="utf-8"?>
-<p:notes xmlns:a="http://schemas.openxmlformats.org/drawingml/2006/main" xmlns:r="http://schemas.openxmlformats.org/officeDocument/2006/relationships" xmlns:mc="http://schemas.openxmlformats.org/markup-compatibility/2006" xmlns:mv="urn:schemas-microsoft-com:mac:vml" xmlns:p="http://schemas.openxmlformats.org/presentationml/2006/main" xmlns:c="http://schemas.openxmlformats.org/drawingml/2006/chart" xmlns:dgm="http://schemas.openxmlformats.org/drawingml/2006/diagram" xmlns:o="urn:schemas-microsoft-com:office:office" xmlns:v="urn:schemas-microsoft-com:vml" xmlns:pvml="urn:schemas-microsoft-com:office:powerpoint" xmlns:com="http://schemas.openxmlformats.org/drawingml/2006/compatibility" xmlns:p14="http://schemas.microsoft.com/office/powerpoint/2010/main" xmlns:p15="http://schemas.microsoft.com/office/powerpoint/2012/main" showMasterPhAnim="0" showMasterSp="0">
+<p:notes xmlns:a="http://schemas.openxmlformats.org/drawingml/2006/main" xmlns:r="http://schemas.openxmlformats.org/officeDocument/2006/relationships" xmlns:p="http://schemas.openxmlformats.org/presentationml/2006/main" showMasterSp="0" showMasterPhAnim="0">
   <p:cSld>
     <p:spTree>
       <p:nvGrpSpPr>
-        <p:cNvPr id="56" name="Shape 56"/>
+        <p:cNvPr id="1" name="Shape 56"/>
         <p:cNvGrpSpPr/>
         <p:nvPr/>
       </p:nvGrpSpPr>
@@ -1113,20 +1148,26 @@
       <p:sp>
         <p:nvSpPr>
           <p:cNvPr id="57" name="Google Shape;57;g33e7246047_0_15:notes"/>
-          <p:cNvSpPr/>
+          <p:cNvSpPr>
+            <a:spLocks noGrp="1" noRot="1" noChangeAspect="1"/>
+          </p:cNvSpPr>
           <p:nvPr>
-            <p:ph idx="2" type="sldImg"/>
+            <p:ph type="sldImg" idx="2"/>
           </p:nvPr>
         </p:nvSpPr>
         <p:spPr>
           <a:xfrm>
-            <a:off x="381300" y="685800"/>
+            <a:off x="381000" y="685800"/>
             <a:ext cx="6096000" cy="3429000"/>
           </a:xfrm>
           <a:custGeom>
-            <a:rect b="b" l="l" r="r" t="t"/>
+            <a:avLst/>
+            <a:gdLst/>
+            <a:ahLst/>
+            <a:cxnLst/>
+            <a:rect l="l" t="t" r="r" b="b"/>
             <a:pathLst>
-              <a:path extrusionOk="0" h="120000" w="120000">
+              <a:path w="120000" h="120000" extrusionOk="0">
                 <a:moveTo>
                   <a:pt x="0" y="0"/>
                 </a:moveTo>
@@ -1148,9 +1189,11 @@
       <p:sp>
         <p:nvSpPr>
           <p:cNvPr id="58" name="Google Shape;58;g33e7246047_0_15:notes"/>
-          <p:cNvSpPr txBox="1"/>
+          <p:cNvSpPr txBox="1">
+            <a:spLocks noGrp="1"/>
+          </p:cNvSpPr>
           <p:nvPr>
-            <p:ph idx="1" type="body"/>
+            <p:ph type="body" idx="1"/>
           </p:nvPr>
         </p:nvSpPr>
         <p:spPr>
@@ -1163,23 +1206,20 @@
           </a:prstGeom>
         </p:spPr>
         <p:txBody>
-          <a:bodyPr anchorCtr="0" anchor="t" bIns="91425" lIns="91425" spcFirstLastPara="1" rIns="91425" wrap="square" tIns="91425">
+          <a:bodyPr spcFirstLastPara="1" wrap="square" lIns="91425" tIns="91425" rIns="91425" bIns="91425" anchor="t" anchorCtr="0">
             <a:noAutofit/>
           </a:bodyPr>
           <a:lstStyle/>
           <a:p>
-            <a:pPr indent="0" lvl="0" marL="0" rtl="0" algn="l">
-              <a:spcBef>
-                <a:spcPts val="0"/>
-              </a:spcBef>
-              <a:spcAft>
-                <a:spcPts val="0"/>
-              </a:spcAft>
-              <a:buNone/>
-            </a:pPr>
-            <a:r>
-              <a:t/>
-            </a:r>
+            <a:pPr marL="0" lvl="0" indent="0" algn="l" rtl="0">
+              <a:spcBef>
+                <a:spcPts val="0"/>
+              </a:spcBef>
+              <a:spcAft>
+                <a:spcPts val="0"/>
+              </a:spcAft>
+              <a:buNone/>
+            </a:pPr>
             <a:endParaRPr/>
           </a:p>
         </p:txBody>
@@ -1193,11 +1233,11 @@
 </file>
 
 <file path=ppt/notesSlides/notesSlide3.xml><?xml version="1.0" encoding="utf-8"?>
-<p:notes xmlns:a="http://schemas.openxmlformats.org/drawingml/2006/main" xmlns:r="http://schemas.openxmlformats.org/officeDocument/2006/relationships" xmlns:mc="http://schemas.openxmlformats.org/markup-compatibility/2006" xmlns:mv="urn:schemas-microsoft-com:mac:vml" xmlns:p="http://schemas.openxmlformats.org/presentationml/2006/main" xmlns:c="http://schemas.openxmlformats.org/drawingml/2006/chart" xmlns:dgm="http://schemas.openxmlformats.org/drawingml/2006/diagram" xmlns:o="urn:schemas-microsoft-com:office:office" xmlns:v="urn:schemas-microsoft-com:vml" xmlns:pvml="urn:schemas-microsoft-com:office:powerpoint" xmlns:com="http://schemas.openxmlformats.org/drawingml/2006/compatibility" xmlns:p14="http://schemas.microsoft.com/office/powerpoint/2010/main" xmlns:p15="http://schemas.microsoft.com/office/powerpoint/2012/main" showMasterPhAnim="0" showMasterSp="0">
+<p:notes xmlns:a="http://schemas.openxmlformats.org/drawingml/2006/main" xmlns:r="http://schemas.openxmlformats.org/officeDocument/2006/relationships" xmlns:p="http://schemas.openxmlformats.org/presentationml/2006/main" showMasterSp="0" showMasterPhAnim="0">
   <p:cSld>
     <p:spTree>
       <p:nvGrpSpPr>
-        <p:cNvPr id="63" name="Shape 63"/>
+        <p:cNvPr id="1" name="Shape 63"/>
         <p:cNvGrpSpPr/>
         <p:nvPr/>
       </p:nvGrpSpPr>
@@ -1212,20 +1252,26 @@
       <p:sp>
         <p:nvSpPr>
           <p:cNvPr id="64" name="Google Shape;64;g33e7246047_0_0:notes"/>
-          <p:cNvSpPr/>
+          <p:cNvSpPr>
+            <a:spLocks noGrp="1" noRot="1" noChangeAspect="1"/>
+          </p:cNvSpPr>
           <p:nvPr>
-            <p:ph idx="2" type="sldImg"/>
+            <p:ph type="sldImg" idx="2"/>
           </p:nvPr>
         </p:nvSpPr>
         <p:spPr>
           <a:xfrm>
-            <a:off x="381300" y="685800"/>
+            <a:off x="381000" y="685800"/>
             <a:ext cx="6096000" cy="3429000"/>
           </a:xfrm>
           <a:custGeom>
-            <a:rect b="b" l="l" r="r" t="t"/>
+            <a:avLst/>
+            <a:gdLst/>
+            <a:ahLst/>
+            <a:cxnLst/>
+            <a:rect l="l" t="t" r="r" b="b"/>
             <a:pathLst>
-              <a:path extrusionOk="0" h="120000" w="120000">
+              <a:path w="120000" h="120000" extrusionOk="0">
                 <a:moveTo>
                   <a:pt x="0" y="0"/>
                 </a:moveTo>
@@ -1247,9 +1293,11 @@
       <p:sp>
         <p:nvSpPr>
           <p:cNvPr id="65" name="Google Shape;65;g33e7246047_0_0:notes"/>
-          <p:cNvSpPr txBox="1"/>
+          <p:cNvSpPr txBox="1">
+            <a:spLocks noGrp="1"/>
+          </p:cNvSpPr>
           <p:nvPr>
-            <p:ph idx="1" type="body"/>
+            <p:ph type="body" idx="1"/>
           </p:nvPr>
         </p:nvSpPr>
         <p:spPr>
@@ -1262,23 +1310,20 @@
           </a:prstGeom>
         </p:spPr>
         <p:txBody>
-          <a:bodyPr anchorCtr="0" anchor="t" bIns="91425" lIns="91425" spcFirstLastPara="1" rIns="91425" wrap="square" tIns="91425">
+          <a:bodyPr spcFirstLastPara="1" wrap="square" lIns="91425" tIns="91425" rIns="91425" bIns="91425" anchor="t" anchorCtr="0">
             <a:noAutofit/>
           </a:bodyPr>
           <a:lstStyle/>
           <a:p>
-            <a:pPr indent="0" lvl="0" marL="0" rtl="0" algn="l">
-              <a:spcBef>
-                <a:spcPts val="0"/>
-              </a:spcBef>
-              <a:spcAft>
-                <a:spcPts val="0"/>
-              </a:spcAft>
-              <a:buNone/>
-            </a:pPr>
-            <a:r>
-              <a:t/>
-            </a:r>
+            <a:pPr marL="0" lvl="0" indent="0" algn="l" rtl="0">
+              <a:spcBef>
+                <a:spcPts val="0"/>
+              </a:spcBef>
+              <a:spcAft>
+                <a:spcPts val="0"/>
+              </a:spcAft>
+              <a:buNone/>
+            </a:pPr>
             <a:endParaRPr/>
           </a:p>
         </p:txBody>
@@ -1292,11 +1337,11 @@
 </file>
 
 <file path=ppt/notesSlides/notesSlide4.xml><?xml version="1.0" encoding="utf-8"?>
-<p:notes xmlns:a="http://schemas.openxmlformats.org/drawingml/2006/main" xmlns:r="http://schemas.openxmlformats.org/officeDocument/2006/relationships" xmlns:mc="http://schemas.openxmlformats.org/markup-compatibility/2006" xmlns:mv="urn:schemas-microsoft-com:mac:vml" xmlns:p="http://schemas.openxmlformats.org/presentationml/2006/main" xmlns:c="http://schemas.openxmlformats.org/drawingml/2006/chart" xmlns:dgm="http://schemas.openxmlformats.org/drawingml/2006/diagram" xmlns:o="urn:schemas-microsoft-com:office:office" xmlns:v="urn:schemas-microsoft-com:vml" xmlns:pvml="urn:schemas-microsoft-com:office:powerpoint" xmlns:com="http://schemas.openxmlformats.org/drawingml/2006/compatibility" xmlns:p14="http://schemas.microsoft.com/office/powerpoint/2010/main" xmlns:p15="http://schemas.microsoft.com/office/powerpoint/2012/main" showMasterPhAnim="0" showMasterSp="0">
+<p:notes xmlns:a="http://schemas.openxmlformats.org/drawingml/2006/main" xmlns:r="http://schemas.openxmlformats.org/officeDocument/2006/relationships" xmlns:p="http://schemas.openxmlformats.org/presentationml/2006/main" showMasterSp="0" showMasterPhAnim="0">
   <p:cSld>
     <p:spTree>
       <p:nvGrpSpPr>
-        <p:cNvPr id="70" name="Shape 70"/>
+        <p:cNvPr id="1" name="Shape 70"/>
         <p:cNvGrpSpPr/>
         <p:nvPr/>
       </p:nvGrpSpPr>
@@ -1311,20 +1356,26 @@
       <p:sp>
         <p:nvSpPr>
           <p:cNvPr id="71" name="Google Shape;71;g33e7246047_0_70:notes"/>
-          <p:cNvSpPr/>
+          <p:cNvSpPr>
+            <a:spLocks noGrp="1" noRot="1" noChangeAspect="1"/>
+          </p:cNvSpPr>
           <p:nvPr>
-            <p:ph idx="2" type="sldImg"/>
+            <p:ph type="sldImg" idx="2"/>
           </p:nvPr>
         </p:nvSpPr>
         <p:spPr>
           <a:xfrm>
-            <a:off x="381300" y="685800"/>
+            <a:off x="381000" y="685800"/>
             <a:ext cx="6096000" cy="3429000"/>
           </a:xfrm>
           <a:custGeom>
-            <a:rect b="b" l="l" r="r" t="t"/>
+            <a:avLst/>
+            <a:gdLst/>
+            <a:ahLst/>
+            <a:cxnLst/>
+            <a:rect l="l" t="t" r="r" b="b"/>
             <a:pathLst>
-              <a:path extrusionOk="0" h="120000" w="120000">
+              <a:path w="120000" h="120000" extrusionOk="0">
                 <a:moveTo>
                   <a:pt x="0" y="0"/>
                 </a:moveTo>
@@ -1346,9 +1397,11 @@
       <p:sp>
         <p:nvSpPr>
           <p:cNvPr id="72" name="Google Shape;72;g33e7246047_0_70:notes"/>
-          <p:cNvSpPr txBox="1"/>
+          <p:cNvSpPr txBox="1">
+            <a:spLocks noGrp="1"/>
+          </p:cNvSpPr>
           <p:nvPr>
-            <p:ph idx="1" type="body"/>
+            <p:ph type="body" idx="1"/>
           </p:nvPr>
         </p:nvSpPr>
         <p:spPr>
@@ -1361,23 +1414,20 @@
           </a:prstGeom>
         </p:spPr>
         <p:txBody>
-          <a:bodyPr anchorCtr="0" anchor="t" bIns="91425" lIns="91425" spcFirstLastPara="1" rIns="91425" wrap="square" tIns="91425">
+          <a:bodyPr spcFirstLastPara="1" wrap="square" lIns="91425" tIns="91425" rIns="91425" bIns="91425" anchor="t" anchorCtr="0">
             <a:noAutofit/>
           </a:bodyPr>
           <a:lstStyle/>
           <a:p>
-            <a:pPr indent="0" lvl="0" marL="0" rtl="0" algn="l">
-              <a:spcBef>
-                <a:spcPts val="0"/>
-              </a:spcBef>
-              <a:spcAft>
-                <a:spcPts val="0"/>
-              </a:spcAft>
-              <a:buNone/>
-            </a:pPr>
-            <a:r>
-              <a:t/>
-            </a:r>
+            <a:pPr marL="0" lvl="0" indent="0" algn="l" rtl="0">
+              <a:spcBef>
+                <a:spcPts val="0"/>
+              </a:spcBef>
+              <a:spcAft>
+                <a:spcPts val="0"/>
+              </a:spcAft>
+              <a:buNone/>
+            </a:pPr>
             <a:endParaRPr/>
           </a:p>
         </p:txBody>
@@ -1391,11 +1441,11 @@
 </file>
 
 <file path=ppt/notesSlides/notesSlide5.xml><?xml version="1.0" encoding="utf-8"?>
-<p:notes xmlns:a="http://schemas.openxmlformats.org/drawingml/2006/main" xmlns:r="http://schemas.openxmlformats.org/officeDocument/2006/relationships" xmlns:mc="http://schemas.openxmlformats.org/markup-compatibility/2006" xmlns:mv="urn:schemas-microsoft-com:mac:vml" xmlns:p="http://schemas.openxmlformats.org/presentationml/2006/main" xmlns:c="http://schemas.openxmlformats.org/drawingml/2006/chart" xmlns:dgm="http://schemas.openxmlformats.org/drawingml/2006/diagram" xmlns:o="urn:schemas-microsoft-com:office:office" xmlns:v="urn:schemas-microsoft-com:vml" xmlns:pvml="urn:schemas-microsoft-com:office:powerpoint" xmlns:com="http://schemas.openxmlformats.org/drawingml/2006/compatibility" xmlns:p14="http://schemas.microsoft.com/office/powerpoint/2010/main" xmlns:p15="http://schemas.microsoft.com/office/powerpoint/2012/main" showMasterPhAnim="0" showMasterSp="0">
+<p:notes xmlns:a="http://schemas.openxmlformats.org/drawingml/2006/main" xmlns:r="http://schemas.openxmlformats.org/officeDocument/2006/relationships" xmlns:p="http://schemas.openxmlformats.org/presentationml/2006/main" showMasterSp="0" showMasterPhAnim="0">
   <p:cSld>
     <p:spTree>
       <p:nvGrpSpPr>
-        <p:cNvPr id="77" name="Shape 77"/>
+        <p:cNvPr id="1" name="Shape 77"/>
         <p:cNvGrpSpPr/>
         <p:nvPr/>
       </p:nvGrpSpPr>
@@ -1410,20 +1460,26 @@
       <p:sp>
         <p:nvSpPr>
           <p:cNvPr id="78" name="Google Shape;78;g33e7246047_0_5:notes"/>
-          <p:cNvSpPr/>
+          <p:cNvSpPr>
+            <a:spLocks noGrp="1" noRot="1" noChangeAspect="1"/>
+          </p:cNvSpPr>
           <p:nvPr>
-            <p:ph idx="2" type="sldImg"/>
+            <p:ph type="sldImg" idx="2"/>
           </p:nvPr>
         </p:nvSpPr>
         <p:spPr>
           <a:xfrm>
-            <a:off x="381300" y="685800"/>
+            <a:off x="381000" y="685800"/>
             <a:ext cx="6096000" cy="3429000"/>
           </a:xfrm>
           <a:custGeom>
-            <a:rect b="b" l="l" r="r" t="t"/>
+            <a:avLst/>
+            <a:gdLst/>
+            <a:ahLst/>
+            <a:cxnLst/>
+            <a:rect l="l" t="t" r="r" b="b"/>
             <a:pathLst>
-              <a:path extrusionOk="0" h="120000" w="120000">
+              <a:path w="120000" h="120000" extrusionOk="0">
                 <a:moveTo>
                   <a:pt x="0" y="0"/>
                 </a:moveTo>
@@ -1445,9 +1501,11 @@
       <p:sp>
         <p:nvSpPr>
           <p:cNvPr id="79" name="Google Shape;79;g33e7246047_0_5:notes"/>
-          <p:cNvSpPr txBox="1"/>
+          <p:cNvSpPr txBox="1">
+            <a:spLocks noGrp="1"/>
+          </p:cNvSpPr>
           <p:nvPr>
-            <p:ph idx="1" type="body"/>
+            <p:ph type="body" idx="1"/>
           </p:nvPr>
         </p:nvSpPr>
         <p:spPr>
@@ -1460,23 +1518,20 @@
           </a:prstGeom>
         </p:spPr>
         <p:txBody>
-          <a:bodyPr anchorCtr="0" anchor="t" bIns="91425" lIns="91425" spcFirstLastPara="1" rIns="91425" wrap="square" tIns="91425">
+          <a:bodyPr spcFirstLastPara="1" wrap="square" lIns="91425" tIns="91425" rIns="91425" bIns="91425" anchor="t" anchorCtr="0">
             <a:noAutofit/>
           </a:bodyPr>
           <a:lstStyle/>
           <a:p>
-            <a:pPr indent="0" lvl="0" marL="0" rtl="0" algn="l">
-              <a:spcBef>
-                <a:spcPts val="0"/>
-              </a:spcBef>
-              <a:spcAft>
-                <a:spcPts val="0"/>
-              </a:spcAft>
-              <a:buNone/>
-            </a:pPr>
-            <a:r>
-              <a:t/>
-            </a:r>
+            <a:pPr marL="0" lvl="0" indent="0" algn="l" rtl="0">
+              <a:spcBef>
+                <a:spcPts val="0"/>
+              </a:spcBef>
+              <a:spcAft>
+                <a:spcPts val="0"/>
+              </a:spcAft>
+              <a:buNone/>
+            </a:pPr>
             <a:endParaRPr/>
           </a:p>
         </p:txBody>
@@ -1490,11 +1545,11 @@
 </file>
 
 <file path=ppt/notesSlides/notesSlide6.xml><?xml version="1.0" encoding="utf-8"?>
-<p:notes xmlns:a="http://schemas.openxmlformats.org/drawingml/2006/main" xmlns:r="http://schemas.openxmlformats.org/officeDocument/2006/relationships" xmlns:mc="http://schemas.openxmlformats.org/markup-compatibility/2006" xmlns:mv="urn:schemas-microsoft-com:mac:vml" xmlns:p="http://schemas.openxmlformats.org/presentationml/2006/main" xmlns:c="http://schemas.openxmlformats.org/drawingml/2006/chart" xmlns:dgm="http://schemas.openxmlformats.org/drawingml/2006/diagram" xmlns:o="urn:schemas-microsoft-com:office:office" xmlns:v="urn:schemas-microsoft-com:vml" xmlns:pvml="urn:schemas-microsoft-com:office:powerpoint" xmlns:com="http://schemas.openxmlformats.org/drawingml/2006/compatibility" xmlns:p14="http://schemas.microsoft.com/office/powerpoint/2010/main" xmlns:p15="http://schemas.microsoft.com/office/powerpoint/2012/main" showMasterPhAnim="0" showMasterSp="0">
+<p:notes xmlns:a="http://schemas.openxmlformats.org/drawingml/2006/main" xmlns:r="http://schemas.openxmlformats.org/officeDocument/2006/relationships" xmlns:p="http://schemas.openxmlformats.org/presentationml/2006/main" showMasterSp="0" showMasterPhAnim="0">
   <p:cSld>
     <p:spTree>
       <p:nvGrpSpPr>
-        <p:cNvPr id="84" name="Shape 84"/>
+        <p:cNvPr id="1" name="Shape 84"/>
         <p:cNvGrpSpPr/>
         <p:nvPr/>
       </p:nvGrpSpPr>
@@ -1509,20 +1564,26 @@
       <p:sp>
         <p:nvSpPr>
           <p:cNvPr id="85" name="Google Shape;85;g33e7246047_0_10:notes"/>
-          <p:cNvSpPr/>
+          <p:cNvSpPr>
+            <a:spLocks noGrp="1" noRot="1" noChangeAspect="1"/>
+          </p:cNvSpPr>
           <p:nvPr>
-            <p:ph idx="2" type="sldImg"/>
+            <p:ph type="sldImg" idx="2"/>
           </p:nvPr>
         </p:nvSpPr>
         <p:spPr>
           <a:xfrm>
-            <a:off x="381300" y="685800"/>
+            <a:off x="381000" y="685800"/>
             <a:ext cx="6096000" cy="3429000"/>
           </a:xfrm>
           <a:custGeom>
-            <a:rect b="b" l="l" r="r" t="t"/>
+            <a:avLst/>
+            <a:gdLst/>
+            <a:ahLst/>
+            <a:cxnLst/>
+            <a:rect l="l" t="t" r="r" b="b"/>
             <a:pathLst>
-              <a:path extrusionOk="0" h="120000" w="120000">
+              <a:path w="120000" h="120000" extrusionOk="0">
                 <a:moveTo>
                   <a:pt x="0" y="0"/>
                 </a:moveTo>
@@ -1544,9 +1605,11 @@
       <p:sp>
         <p:nvSpPr>
           <p:cNvPr id="86" name="Google Shape;86;g33e7246047_0_10:notes"/>
-          <p:cNvSpPr txBox="1"/>
+          <p:cNvSpPr txBox="1">
+            <a:spLocks noGrp="1"/>
+          </p:cNvSpPr>
           <p:nvPr>
-            <p:ph idx="1" type="body"/>
+            <p:ph type="body" idx="1"/>
           </p:nvPr>
         </p:nvSpPr>
         <p:spPr>
@@ -1559,23 +1622,20 @@
           </a:prstGeom>
         </p:spPr>
         <p:txBody>
-          <a:bodyPr anchorCtr="0" anchor="t" bIns="91425" lIns="91425" spcFirstLastPara="1" rIns="91425" wrap="square" tIns="91425">
+          <a:bodyPr spcFirstLastPara="1" wrap="square" lIns="91425" tIns="91425" rIns="91425" bIns="91425" anchor="t" anchorCtr="0">
             <a:noAutofit/>
           </a:bodyPr>
           <a:lstStyle/>
           <a:p>
-            <a:pPr indent="0" lvl="0" marL="0" rtl="0" algn="l">
-              <a:spcBef>
-                <a:spcPts val="0"/>
-              </a:spcBef>
-              <a:spcAft>
-                <a:spcPts val="0"/>
-              </a:spcAft>
-              <a:buNone/>
-            </a:pPr>
-            <a:r>
-              <a:t/>
-            </a:r>
+            <a:pPr marL="0" lvl="0" indent="0" algn="l" rtl="0">
+              <a:spcBef>
+                <a:spcPts val="0"/>
+              </a:spcBef>
+              <a:spcAft>
+                <a:spcPts val="0"/>
+              </a:spcAft>
+              <a:buNone/>
+            </a:pPr>
             <a:endParaRPr/>
           </a:p>
         </p:txBody>
@@ -1589,11 +1649,11 @@
 </file>
 
 <file path=ppt/notesSlides/notesSlide7.xml><?xml version="1.0" encoding="utf-8"?>
-<p:notes xmlns:a="http://schemas.openxmlformats.org/drawingml/2006/main" xmlns:r="http://schemas.openxmlformats.org/officeDocument/2006/relationships" xmlns:mc="http://schemas.openxmlformats.org/markup-compatibility/2006" xmlns:mv="urn:schemas-microsoft-com:mac:vml" xmlns:p="http://schemas.openxmlformats.org/presentationml/2006/main" xmlns:c="http://schemas.openxmlformats.org/drawingml/2006/chart" xmlns:dgm="http://schemas.openxmlformats.org/drawingml/2006/diagram" xmlns:o="urn:schemas-microsoft-com:office:office" xmlns:v="urn:schemas-microsoft-com:vml" xmlns:pvml="urn:schemas-microsoft-com:office:powerpoint" xmlns:com="http://schemas.openxmlformats.org/drawingml/2006/compatibility" xmlns:p14="http://schemas.microsoft.com/office/powerpoint/2010/main" xmlns:p15="http://schemas.microsoft.com/office/powerpoint/2012/main" showMasterPhAnim="0" showMasterSp="0">
+<p:notes xmlns:a="http://schemas.openxmlformats.org/drawingml/2006/main" xmlns:r="http://schemas.openxmlformats.org/officeDocument/2006/relationships" xmlns:p="http://schemas.openxmlformats.org/presentationml/2006/main" showMasterSp="0" showMasterPhAnim="0">
   <p:cSld>
     <p:spTree>
       <p:nvGrpSpPr>
-        <p:cNvPr id="91" name="Shape 91"/>
+        <p:cNvPr id="1" name="Shape 91"/>
         <p:cNvGrpSpPr/>
         <p:nvPr/>
       </p:nvGrpSpPr>
@@ -1608,20 +1668,26 @@
       <p:sp>
         <p:nvSpPr>
           <p:cNvPr id="92" name="Google Shape;92;g33e7246047_0_27:notes"/>
-          <p:cNvSpPr/>
+          <p:cNvSpPr>
+            <a:spLocks noGrp="1" noRot="1" noChangeAspect="1"/>
+          </p:cNvSpPr>
           <p:nvPr>
-            <p:ph idx="2" type="sldImg"/>
+            <p:ph type="sldImg" idx="2"/>
           </p:nvPr>
         </p:nvSpPr>
         <p:spPr>
           <a:xfrm>
-            <a:off x="381300" y="685800"/>
+            <a:off x="381000" y="685800"/>
             <a:ext cx="6096000" cy="3429000"/>
           </a:xfrm>
           <a:custGeom>
-            <a:rect b="b" l="l" r="r" t="t"/>
+            <a:avLst/>
+            <a:gdLst/>
+            <a:ahLst/>
+            <a:cxnLst/>
+            <a:rect l="l" t="t" r="r" b="b"/>
             <a:pathLst>
-              <a:path extrusionOk="0" h="120000" w="120000">
+              <a:path w="120000" h="120000" extrusionOk="0">
                 <a:moveTo>
                   <a:pt x="0" y="0"/>
                 </a:moveTo>
@@ -1643,9 +1709,11 @@
       <p:sp>
         <p:nvSpPr>
           <p:cNvPr id="93" name="Google Shape;93;g33e7246047_0_27:notes"/>
-          <p:cNvSpPr txBox="1"/>
+          <p:cNvSpPr txBox="1">
+            <a:spLocks noGrp="1"/>
+          </p:cNvSpPr>
           <p:nvPr>
-            <p:ph idx="1" type="body"/>
+            <p:ph type="body" idx="1"/>
           </p:nvPr>
         </p:nvSpPr>
         <p:spPr>
@@ -1658,23 +1726,20 @@
           </a:prstGeom>
         </p:spPr>
         <p:txBody>
-          <a:bodyPr anchorCtr="0" anchor="t" bIns="91425" lIns="91425" spcFirstLastPara="1" rIns="91425" wrap="square" tIns="91425">
+          <a:bodyPr spcFirstLastPara="1" wrap="square" lIns="91425" tIns="91425" rIns="91425" bIns="91425" anchor="t" anchorCtr="0">
             <a:noAutofit/>
           </a:bodyPr>
           <a:lstStyle/>
           <a:p>
-            <a:pPr indent="0" lvl="0" marL="0" rtl="0" algn="l">
-              <a:spcBef>
-                <a:spcPts val="0"/>
-              </a:spcBef>
-              <a:spcAft>
-                <a:spcPts val="0"/>
-              </a:spcAft>
-              <a:buNone/>
-            </a:pPr>
-            <a:r>
-              <a:t/>
-            </a:r>
+            <a:pPr marL="0" lvl="0" indent="0" algn="l" rtl="0">
+              <a:spcBef>
+                <a:spcPts val="0"/>
+              </a:spcBef>
+              <a:spcAft>
+                <a:spcPts val="0"/>
+              </a:spcAft>
+              <a:buNone/>
+            </a:pPr>
             <a:endParaRPr/>
           </a:p>
         </p:txBody>
@@ -1688,11 +1753,11 @@
 </file>
 
 <file path=ppt/notesSlides/notesSlide8.xml><?xml version="1.0" encoding="utf-8"?>
-<p:notes xmlns:a="http://schemas.openxmlformats.org/drawingml/2006/main" xmlns:r="http://schemas.openxmlformats.org/officeDocument/2006/relationships" xmlns:mc="http://schemas.openxmlformats.org/markup-compatibility/2006" xmlns:mv="urn:schemas-microsoft-com:mac:vml" xmlns:p="http://schemas.openxmlformats.org/presentationml/2006/main" xmlns:c="http://schemas.openxmlformats.org/drawingml/2006/chart" xmlns:dgm="http://schemas.openxmlformats.org/drawingml/2006/diagram" xmlns:o="urn:schemas-microsoft-com:office:office" xmlns:v="urn:schemas-microsoft-com:vml" xmlns:pvml="urn:schemas-microsoft-com:office:powerpoint" xmlns:com="http://schemas.openxmlformats.org/drawingml/2006/compatibility" xmlns:p14="http://schemas.microsoft.com/office/powerpoint/2010/main" xmlns:p15="http://schemas.microsoft.com/office/powerpoint/2012/main" showMasterPhAnim="0" showMasterSp="0">
+<p:notes xmlns:a="http://schemas.openxmlformats.org/drawingml/2006/main" xmlns:r="http://schemas.openxmlformats.org/officeDocument/2006/relationships" xmlns:p="http://schemas.openxmlformats.org/presentationml/2006/main" showMasterSp="0" showMasterPhAnim="0">
   <p:cSld>
     <p:spTree>
       <p:nvGrpSpPr>
-        <p:cNvPr id="98" name="Shape 98"/>
+        <p:cNvPr id="1" name="Shape 98"/>
         <p:cNvGrpSpPr/>
         <p:nvPr/>
       </p:nvGrpSpPr>
@@ -1707,20 +1772,26 @@
       <p:sp>
         <p:nvSpPr>
           <p:cNvPr id="99" name="Google Shape;99;g33e7246047_0_33:notes"/>
-          <p:cNvSpPr/>
+          <p:cNvSpPr>
+            <a:spLocks noGrp="1" noRot="1" noChangeAspect="1"/>
+          </p:cNvSpPr>
           <p:nvPr>
-            <p:ph idx="2" type="sldImg"/>
+            <p:ph type="sldImg" idx="2"/>
           </p:nvPr>
         </p:nvSpPr>
         <p:spPr>
           <a:xfrm>
-            <a:off x="381300" y="685800"/>
+            <a:off x="381000" y="685800"/>
             <a:ext cx="6096000" cy="3429000"/>
           </a:xfrm>
           <a:custGeom>
-            <a:rect b="b" l="l" r="r" t="t"/>
+            <a:avLst/>
+            <a:gdLst/>
+            <a:ahLst/>
+            <a:cxnLst/>
+            <a:rect l="l" t="t" r="r" b="b"/>
             <a:pathLst>
-              <a:path extrusionOk="0" h="120000" w="120000">
+              <a:path w="120000" h="120000" extrusionOk="0">
                 <a:moveTo>
                   <a:pt x="0" y="0"/>
                 </a:moveTo>
@@ -1742,9 +1813,11 @@
       <p:sp>
         <p:nvSpPr>
           <p:cNvPr id="100" name="Google Shape;100;g33e7246047_0_33:notes"/>
-          <p:cNvSpPr txBox="1"/>
+          <p:cNvSpPr txBox="1">
+            <a:spLocks noGrp="1"/>
+          </p:cNvSpPr>
           <p:nvPr>
-            <p:ph idx="1" type="body"/>
+            <p:ph type="body" idx="1"/>
           </p:nvPr>
         </p:nvSpPr>
         <p:spPr>
@@ -1757,23 +1830,20 @@
           </a:prstGeom>
         </p:spPr>
         <p:txBody>
-          <a:bodyPr anchorCtr="0" anchor="t" bIns="91425" lIns="91425" spcFirstLastPara="1" rIns="91425" wrap="square" tIns="91425">
+          <a:bodyPr spcFirstLastPara="1" wrap="square" lIns="91425" tIns="91425" rIns="91425" bIns="91425" anchor="t" anchorCtr="0">
             <a:noAutofit/>
           </a:bodyPr>
           <a:lstStyle/>
           <a:p>
-            <a:pPr indent="0" lvl="0" marL="0" rtl="0" algn="l">
-              <a:spcBef>
-                <a:spcPts val="0"/>
-              </a:spcBef>
-              <a:spcAft>
-                <a:spcPts val="0"/>
-              </a:spcAft>
-              <a:buNone/>
-            </a:pPr>
-            <a:r>
-              <a:t/>
-            </a:r>
+            <a:pPr marL="0" lvl="0" indent="0" algn="l" rtl="0">
+              <a:spcBef>
+                <a:spcPts val="0"/>
+              </a:spcBef>
+              <a:spcAft>
+                <a:spcPts val="0"/>
+              </a:spcAft>
+              <a:buNone/>
+            </a:pPr>
             <a:endParaRPr/>
           </a:p>
         </p:txBody>
@@ -1787,11 +1857,11 @@
 </file>
 
 <file path=ppt/notesSlides/notesSlide9.xml><?xml version="1.0" encoding="utf-8"?>
-<p:notes xmlns:a="http://schemas.openxmlformats.org/drawingml/2006/main" xmlns:r="http://schemas.openxmlformats.org/officeDocument/2006/relationships" xmlns:mc="http://schemas.openxmlformats.org/markup-compatibility/2006" xmlns:mv="urn:schemas-microsoft-com:mac:vml" xmlns:p="http://schemas.openxmlformats.org/presentationml/2006/main" xmlns:c="http://schemas.openxmlformats.org/drawingml/2006/chart" xmlns:dgm="http://schemas.openxmlformats.org/drawingml/2006/diagram" xmlns:o="urn:schemas-microsoft-com:office:office" xmlns:v="urn:schemas-microsoft-com:vml" xmlns:pvml="urn:schemas-microsoft-com:office:powerpoint" xmlns:com="http://schemas.openxmlformats.org/drawingml/2006/compatibility" xmlns:p14="http://schemas.microsoft.com/office/powerpoint/2010/main" xmlns:p15="http://schemas.microsoft.com/office/powerpoint/2012/main" showMasterPhAnim="0" showMasterSp="0">
+<p:notes xmlns:a="http://schemas.openxmlformats.org/drawingml/2006/main" xmlns:r="http://schemas.openxmlformats.org/officeDocument/2006/relationships" xmlns:p="http://schemas.openxmlformats.org/presentationml/2006/main" showMasterSp="0" showMasterPhAnim="0">
   <p:cSld>
     <p:spTree>
       <p:nvGrpSpPr>
-        <p:cNvPr id="105" name="Shape 105"/>
+        <p:cNvPr id="1" name="Shape 105"/>
         <p:cNvGrpSpPr/>
         <p:nvPr/>
       </p:nvGrpSpPr>
@@ -1806,20 +1876,26 @@
       <p:sp>
         <p:nvSpPr>
           <p:cNvPr id="106" name="Google Shape;106;g33e7246047_0_40:notes"/>
-          <p:cNvSpPr/>
+          <p:cNvSpPr>
+            <a:spLocks noGrp="1" noRot="1" noChangeAspect="1"/>
+          </p:cNvSpPr>
           <p:nvPr>
-            <p:ph idx="2" type="sldImg"/>
+            <p:ph type="sldImg" idx="2"/>
           </p:nvPr>
         </p:nvSpPr>
         <p:spPr>
           <a:xfrm>
-            <a:off x="381300" y="685800"/>
+            <a:off x="381000" y="685800"/>
             <a:ext cx="6096000" cy="3429000"/>
           </a:xfrm>
           <a:custGeom>
-            <a:rect b="b" l="l" r="r" t="t"/>
+            <a:avLst/>
+            <a:gdLst/>
+            <a:ahLst/>
+            <a:cxnLst/>
+            <a:rect l="l" t="t" r="r" b="b"/>
             <a:pathLst>
-              <a:path extrusionOk="0" h="120000" w="120000">
+              <a:path w="120000" h="120000" extrusionOk="0">
                 <a:moveTo>
                   <a:pt x="0" y="0"/>
                 </a:moveTo>
@@ -1841,9 +1917,11 @@
       <p:sp>
         <p:nvSpPr>
           <p:cNvPr id="107" name="Google Shape;107;g33e7246047_0_40:notes"/>
-          <p:cNvSpPr txBox="1"/>
+          <p:cNvSpPr txBox="1">
+            <a:spLocks noGrp="1"/>
+          </p:cNvSpPr>
           <p:nvPr>
-            <p:ph idx="1" type="body"/>
+            <p:ph type="body" idx="1"/>
           </p:nvPr>
         </p:nvSpPr>
         <p:spPr>
@@ -1856,23 +1934,20 @@
           </a:prstGeom>
         </p:spPr>
         <p:txBody>
-          <a:bodyPr anchorCtr="0" anchor="t" bIns="91425" lIns="91425" spcFirstLastPara="1" rIns="91425" wrap="square" tIns="91425">
+          <a:bodyPr spcFirstLastPara="1" wrap="square" lIns="91425" tIns="91425" rIns="91425" bIns="91425" anchor="t" anchorCtr="0">
             <a:noAutofit/>
           </a:bodyPr>
           <a:lstStyle/>
           <a:p>
-            <a:pPr indent="0" lvl="0" marL="0" rtl="0" algn="l">
-              <a:spcBef>
-                <a:spcPts val="0"/>
-              </a:spcBef>
-              <a:spcAft>
-                <a:spcPts val="0"/>
-              </a:spcAft>
-              <a:buNone/>
-            </a:pPr>
-            <a:r>
-              <a:t/>
-            </a:r>
+            <a:pPr marL="0" lvl="0" indent="0" algn="l" rtl="0">
+              <a:spcBef>
+                <a:spcPts val="0"/>
+              </a:spcBef>
+              <a:spcAft>
+                <a:spcPts val="0"/>
+              </a:spcAft>
+              <a:buNone/>
+            </a:pPr>
             <a:endParaRPr/>
           </a:p>
         </p:txBody>
@@ -1886,11 +1961,11 @@
 </file>
 
 <file path=ppt/slideLayouts/slideLayout1.xml><?xml version="1.0" encoding="utf-8"?>
-<p:sldLayout xmlns:a="http://schemas.openxmlformats.org/drawingml/2006/main" xmlns:r="http://schemas.openxmlformats.org/officeDocument/2006/relationships" xmlns:mc="http://schemas.openxmlformats.org/markup-compatibility/2006" xmlns:mv="urn:schemas-microsoft-com:mac:vml" xmlns:p="http://schemas.openxmlformats.org/presentationml/2006/main" xmlns:c="http://schemas.openxmlformats.org/drawingml/2006/chart" xmlns:dgm="http://schemas.openxmlformats.org/drawingml/2006/diagram" xmlns:o="urn:schemas-microsoft-com:office:office" xmlns:v="urn:schemas-microsoft-com:vml" xmlns:pvml="urn:schemas-microsoft-com:office:powerpoint" xmlns:com="http://schemas.openxmlformats.org/drawingml/2006/compatibility" xmlns:p14="http://schemas.microsoft.com/office/powerpoint/2010/main" xmlns:p15="http://schemas.microsoft.com/office/powerpoint/2012/main" matchingName="Title slide" type="title">
+<p:sldLayout xmlns:a="http://schemas.openxmlformats.org/drawingml/2006/main" xmlns:r="http://schemas.openxmlformats.org/officeDocument/2006/relationships" xmlns:p="http://schemas.openxmlformats.org/presentationml/2006/main" matchingName="Title slide" type="title">
   <p:cSld name="TITLE">
     <p:spTree>
       <p:nvGrpSpPr>
-        <p:cNvPr id="9" name="Shape 9"/>
+        <p:cNvPr id="1" name="Shape 9"/>
         <p:cNvGrpSpPr/>
         <p:nvPr/>
       </p:nvGrpSpPr>
@@ -1905,7 +1980,9 @@
       <p:sp>
         <p:nvSpPr>
           <p:cNvPr id="10" name="Google Shape;10;p2"/>
-          <p:cNvSpPr txBox="1"/>
+          <p:cNvSpPr txBox="1">
+            <a:spLocks noGrp="1"/>
+          </p:cNvSpPr>
           <p:nvPr>
             <p:ph type="ctrTitle"/>
           </p:nvPr>
@@ -1920,7 +1997,7 @@
           </a:prstGeom>
         </p:spPr>
         <p:txBody>
-          <a:bodyPr anchorCtr="0" anchor="b" bIns="91425" lIns="91425" spcFirstLastPara="1" rIns="91425" wrap="square" tIns="91425">
+          <a:bodyPr spcFirstLastPara="1" wrap="square" lIns="91425" tIns="91425" rIns="91425" bIns="91425" anchor="b" anchorCtr="0">
             <a:noAutofit/>
           </a:bodyPr>
           <a:lstStyle>
@@ -2024,15 +2101,19 @@
               <a:defRPr sz="5200"/>
             </a:lvl9pPr>
           </a:lstStyle>
-          <a:p/>
+          <a:p>
+            <a:endParaRPr/>
+          </a:p>
         </p:txBody>
       </p:sp>
       <p:sp>
         <p:nvSpPr>
           <p:cNvPr id="11" name="Google Shape;11;p2"/>
-          <p:cNvSpPr txBox="1"/>
+          <p:cNvSpPr txBox="1">
+            <a:spLocks noGrp="1"/>
+          </p:cNvSpPr>
           <p:nvPr>
-            <p:ph idx="1" type="subTitle"/>
+            <p:ph type="subTitle" idx="1"/>
           </p:nvPr>
         </p:nvSpPr>
         <p:spPr>
@@ -2045,7 +2126,7 @@
           </a:prstGeom>
         </p:spPr>
         <p:txBody>
-          <a:bodyPr anchorCtr="0" anchor="t" bIns="91425" lIns="91425" spcFirstLastPara="1" rIns="91425" wrap="square" tIns="91425">
+          <a:bodyPr spcFirstLastPara="1" wrap="square" lIns="91425" tIns="91425" rIns="91425" bIns="91425" anchor="t" anchorCtr="0">
             <a:noAutofit/>
           </a:bodyPr>
           <a:lstStyle>
@@ -2176,15 +2257,19 @@
               <a:defRPr sz="2800"/>
             </a:lvl9pPr>
           </a:lstStyle>
-          <a:p/>
+          <a:p>
+            <a:endParaRPr/>
+          </a:p>
         </p:txBody>
       </p:sp>
       <p:sp>
         <p:nvSpPr>
           <p:cNvPr id="12" name="Google Shape;12;p2"/>
-          <p:cNvSpPr txBox="1"/>
+          <p:cNvSpPr txBox="1">
+            <a:spLocks noGrp="1"/>
+          </p:cNvSpPr>
           <p:nvPr>
-            <p:ph idx="12" type="sldNum"/>
+            <p:ph type="sldNum" idx="12"/>
           </p:nvPr>
         </p:nvSpPr>
         <p:spPr>
@@ -2197,7 +2282,7 @@
           </a:prstGeom>
         </p:spPr>
         <p:txBody>
-          <a:bodyPr anchorCtr="0" anchor="ctr" bIns="91425" lIns="91425" spcFirstLastPara="1" rIns="91425" wrap="square" tIns="91425">
+          <a:bodyPr spcFirstLastPara="1" wrap="square" lIns="91425" tIns="91425" rIns="91425" bIns="91425" anchor="ctr" anchorCtr="0">
             <a:noAutofit/>
           </a:bodyPr>
           <a:lstStyle>
@@ -2239,7 +2324,7 @@
             </a:lvl9pPr>
           </a:lstStyle>
           <a:p>
-            <a:pPr indent="0" lvl="0" marL="0" rtl="0" algn="r">
+            <a:pPr marL="0" lvl="0" indent="0" algn="r" rtl="0">
               <a:spcBef>
                 <a:spcPts val="0"/>
               </a:spcBef>
@@ -2265,11 +2350,11 @@
 </file>
 
 <file path=ppt/slideLayouts/slideLayout10.xml><?xml version="1.0" encoding="utf-8"?>
-<p:sldLayout xmlns:a="http://schemas.openxmlformats.org/drawingml/2006/main" xmlns:r="http://schemas.openxmlformats.org/officeDocument/2006/relationships" xmlns:mc="http://schemas.openxmlformats.org/markup-compatibility/2006" xmlns:mv="urn:schemas-microsoft-com:mac:vml" xmlns:p="http://schemas.openxmlformats.org/presentationml/2006/main" xmlns:c="http://schemas.openxmlformats.org/drawingml/2006/chart" xmlns:dgm="http://schemas.openxmlformats.org/drawingml/2006/diagram" xmlns:o="urn:schemas-microsoft-com:office:office" xmlns:v="urn:schemas-microsoft-com:vml" xmlns:pvml="urn:schemas-microsoft-com:office:powerpoint" xmlns:com="http://schemas.openxmlformats.org/drawingml/2006/compatibility" xmlns:p14="http://schemas.microsoft.com/office/powerpoint/2010/main" xmlns:p15="http://schemas.microsoft.com/office/powerpoint/2012/main" matchingName="Big number">
+<p:sldLayout xmlns:a="http://schemas.openxmlformats.org/drawingml/2006/main" xmlns:r="http://schemas.openxmlformats.org/officeDocument/2006/relationships" xmlns:p="http://schemas.openxmlformats.org/presentationml/2006/main" matchingName="Big number">
   <p:cSld name="BIG_NUMBER">
     <p:spTree>
       <p:nvGrpSpPr>
-        <p:cNvPr id="44" name="Shape 44"/>
+        <p:cNvPr id="1" name="Shape 44"/>
         <p:cNvGrpSpPr/>
         <p:nvPr/>
       </p:nvGrpSpPr>
@@ -2284,9 +2369,11 @@
       <p:sp>
         <p:nvSpPr>
           <p:cNvPr id="45" name="Google Shape;45;p11"/>
-          <p:cNvSpPr txBox="1"/>
+          <p:cNvSpPr txBox="1">
+            <a:spLocks noGrp="1"/>
+          </p:cNvSpPr>
           <p:nvPr>
-            <p:ph hasCustomPrompt="1" type="title"/>
+            <p:ph type="title" hasCustomPrompt="1"/>
           </p:nvPr>
         </p:nvSpPr>
         <p:spPr>
@@ -2299,7 +2386,7 @@
           </a:prstGeom>
         </p:spPr>
         <p:txBody>
-          <a:bodyPr anchorCtr="0" anchor="b" bIns="91425" lIns="91425" spcFirstLastPara="1" rIns="91425" wrap="square" tIns="91425">
+          <a:bodyPr spcFirstLastPara="1" wrap="square" lIns="91425" tIns="91425" rIns="91425" bIns="91425" anchor="b" anchorCtr="0">
             <a:noAutofit/>
           </a:bodyPr>
           <a:lstStyle>
@@ -2413,9 +2500,11 @@
       <p:sp>
         <p:nvSpPr>
           <p:cNvPr id="46" name="Google Shape;46;p11"/>
-          <p:cNvSpPr txBox="1"/>
+          <p:cNvSpPr txBox="1">
+            <a:spLocks noGrp="1"/>
+          </p:cNvSpPr>
           <p:nvPr>
-            <p:ph idx="1" type="body"/>
+            <p:ph type="body" idx="1"/>
           </p:nvPr>
         </p:nvSpPr>
         <p:spPr>
@@ -2428,11 +2517,11 @@
           </a:prstGeom>
         </p:spPr>
         <p:txBody>
-          <a:bodyPr anchorCtr="0" anchor="t" bIns="91425" lIns="91425" spcFirstLastPara="1" rIns="91425" wrap="square" tIns="91425">
+          <a:bodyPr spcFirstLastPara="1" wrap="square" lIns="91425" tIns="91425" rIns="91425" bIns="91425" anchor="t" anchorCtr="0">
             <a:noAutofit/>
           </a:bodyPr>
           <a:lstStyle>
-            <a:lvl1pPr indent="-342900" lvl="0" marL="457200" algn="ctr">
+            <a:lvl1pPr marL="457200" lvl="0" indent="-342900" algn="ctr">
               <a:spcBef>
                 <a:spcPts val="0"/>
               </a:spcBef>
@@ -2443,7 +2532,7 @@
               <a:buChar char="●"/>
               <a:defRPr/>
             </a:lvl1pPr>
-            <a:lvl2pPr indent="-317500" lvl="1" marL="914400" algn="ctr">
+            <a:lvl2pPr marL="914400" lvl="1" indent="-317500" algn="ctr">
               <a:spcBef>
                 <a:spcPts val="1600"/>
               </a:spcBef>
@@ -2454,7 +2543,7 @@
               <a:buChar char="○"/>
               <a:defRPr/>
             </a:lvl2pPr>
-            <a:lvl3pPr indent="-317500" lvl="2" marL="1371600" algn="ctr">
+            <a:lvl3pPr marL="1371600" lvl="2" indent="-317500" algn="ctr">
               <a:spcBef>
                 <a:spcPts val="1600"/>
               </a:spcBef>
@@ -2465,7 +2554,7 @@
               <a:buChar char="■"/>
               <a:defRPr/>
             </a:lvl3pPr>
-            <a:lvl4pPr indent="-317500" lvl="3" marL="1828800" algn="ctr">
+            <a:lvl4pPr marL="1828800" lvl="3" indent="-317500" algn="ctr">
               <a:spcBef>
                 <a:spcPts val="1600"/>
               </a:spcBef>
@@ -2476,7 +2565,7 @@
               <a:buChar char="●"/>
               <a:defRPr/>
             </a:lvl4pPr>
-            <a:lvl5pPr indent="-317500" lvl="4" marL="2286000" algn="ctr">
+            <a:lvl5pPr marL="2286000" lvl="4" indent="-317500" algn="ctr">
               <a:spcBef>
                 <a:spcPts val="1600"/>
               </a:spcBef>
@@ -2487,7 +2576,7 @@
               <a:buChar char="○"/>
               <a:defRPr/>
             </a:lvl5pPr>
-            <a:lvl6pPr indent="-317500" lvl="5" marL="2743200" algn="ctr">
+            <a:lvl6pPr marL="2743200" lvl="5" indent="-317500" algn="ctr">
               <a:spcBef>
                 <a:spcPts val="1600"/>
               </a:spcBef>
@@ -2498,7 +2587,7 @@
               <a:buChar char="■"/>
               <a:defRPr/>
             </a:lvl6pPr>
-            <a:lvl7pPr indent="-317500" lvl="6" marL="3200400" algn="ctr">
+            <a:lvl7pPr marL="3200400" lvl="6" indent="-317500" algn="ctr">
               <a:spcBef>
                 <a:spcPts val="1600"/>
               </a:spcBef>
@@ -2509,7 +2598,7 @@
               <a:buChar char="●"/>
               <a:defRPr/>
             </a:lvl7pPr>
-            <a:lvl8pPr indent="-317500" lvl="7" marL="3657600" algn="ctr">
+            <a:lvl8pPr marL="3657600" lvl="7" indent="-317500" algn="ctr">
               <a:spcBef>
                 <a:spcPts val="1600"/>
               </a:spcBef>
@@ -2520,7 +2609,7 @@
               <a:buChar char="○"/>
               <a:defRPr/>
             </a:lvl8pPr>
-            <a:lvl9pPr indent="-317500" lvl="8" marL="4114800" algn="ctr">
+            <a:lvl9pPr marL="4114800" lvl="8" indent="-317500" algn="ctr">
               <a:spcBef>
                 <a:spcPts val="1600"/>
               </a:spcBef>
@@ -2532,15 +2621,19 @@
               <a:defRPr/>
             </a:lvl9pPr>
           </a:lstStyle>
-          <a:p/>
+          <a:p>
+            <a:endParaRPr/>
+          </a:p>
         </p:txBody>
       </p:sp>
       <p:sp>
         <p:nvSpPr>
           <p:cNvPr id="47" name="Google Shape;47;p11"/>
-          <p:cNvSpPr txBox="1"/>
+          <p:cNvSpPr txBox="1">
+            <a:spLocks noGrp="1"/>
+          </p:cNvSpPr>
           <p:nvPr>
-            <p:ph idx="12" type="sldNum"/>
+            <p:ph type="sldNum" idx="12"/>
           </p:nvPr>
         </p:nvSpPr>
         <p:spPr>
@@ -2553,7 +2646,7 @@
           </a:prstGeom>
         </p:spPr>
         <p:txBody>
-          <a:bodyPr anchorCtr="0" anchor="ctr" bIns="91425" lIns="91425" spcFirstLastPara="1" rIns="91425" wrap="square" tIns="91425">
+          <a:bodyPr spcFirstLastPara="1" wrap="square" lIns="91425" tIns="91425" rIns="91425" bIns="91425" anchor="ctr" anchorCtr="0">
             <a:noAutofit/>
           </a:bodyPr>
           <a:lstStyle>
@@ -2595,7 +2688,7 @@
             </a:lvl9pPr>
           </a:lstStyle>
           <a:p>
-            <a:pPr indent="0" lvl="0" marL="0" rtl="0" algn="r">
+            <a:pPr marL="0" lvl="0" indent="0" algn="r" rtl="0">
               <a:spcBef>
                 <a:spcPts val="0"/>
               </a:spcBef>
@@ -2621,11 +2714,11 @@
 </file>
 
 <file path=ppt/slideLayouts/slideLayout11.xml><?xml version="1.0" encoding="utf-8"?>
-<p:sldLayout xmlns:a="http://schemas.openxmlformats.org/drawingml/2006/main" xmlns:r="http://schemas.openxmlformats.org/officeDocument/2006/relationships" xmlns:mc="http://schemas.openxmlformats.org/markup-compatibility/2006" xmlns:mv="urn:schemas-microsoft-com:mac:vml" xmlns:p="http://schemas.openxmlformats.org/presentationml/2006/main" xmlns:c="http://schemas.openxmlformats.org/drawingml/2006/chart" xmlns:dgm="http://schemas.openxmlformats.org/drawingml/2006/diagram" xmlns:o="urn:schemas-microsoft-com:office:office" xmlns:v="urn:schemas-microsoft-com:vml" xmlns:pvml="urn:schemas-microsoft-com:office:powerpoint" xmlns:com="http://schemas.openxmlformats.org/drawingml/2006/compatibility" xmlns:p14="http://schemas.microsoft.com/office/powerpoint/2010/main" xmlns:p15="http://schemas.microsoft.com/office/powerpoint/2012/main" matchingName="Blank" type="blank">
+<p:sldLayout xmlns:a="http://schemas.openxmlformats.org/drawingml/2006/main" xmlns:r="http://schemas.openxmlformats.org/officeDocument/2006/relationships" xmlns:p="http://schemas.openxmlformats.org/presentationml/2006/main" matchingName="Blank" type="blank">
   <p:cSld name="BLANK">
     <p:spTree>
       <p:nvGrpSpPr>
-        <p:cNvPr id="48" name="Shape 48"/>
+        <p:cNvPr id="1" name="Shape 48"/>
         <p:cNvGrpSpPr/>
         <p:nvPr/>
       </p:nvGrpSpPr>
@@ -2640,9 +2733,11 @@
       <p:sp>
         <p:nvSpPr>
           <p:cNvPr id="49" name="Google Shape;49;p12"/>
-          <p:cNvSpPr txBox="1"/>
+          <p:cNvSpPr txBox="1">
+            <a:spLocks noGrp="1"/>
+          </p:cNvSpPr>
           <p:nvPr>
-            <p:ph idx="12" type="sldNum"/>
+            <p:ph type="sldNum" idx="12"/>
           </p:nvPr>
         </p:nvSpPr>
         <p:spPr>
@@ -2655,7 +2750,7 @@
           </a:prstGeom>
         </p:spPr>
         <p:txBody>
-          <a:bodyPr anchorCtr="0" anchor="ctr" bIns="91425" lIns="91425" spcFirstLastPara="1" rIns="91425" wrap="square" tIns="91425">
+          <a:bodyPr spcFirstLastPara="1" wrap="square" lIns="91425" tIns="91425" rIns="91425" bIns="91425" anchor="ctr" anchorCtr="0">
             <a:noAutofit/>
           </a:bodyPr>
           <a:lstStyle>
@@ -2697,7 +2792,7 @@
             </a:lvl9pPr>
           </a:lstStyle>
           <a:p>
-            <a:pPr indent="0" lvl="0" marL="0" rtl="0" algn="r">
+            <a:pPr marL="0" lvl="0" indent="0" algn="r" rtl="0">
               <a:spcBef>
                 <a:spcPts val="0"/>
               </a:spcBef>
@@ -2723,11 +2818,11 @@
 </file>
 
 <file path=ppt/slideLayouts/slideLayout2.xml><?xml version="1.0" encoding="utf-8"?>
-<p:sldLayout xmlns:a="http://schemas.openxmlformats.org/drawingml/2006/main" xmlns:r="http://schemas.openxmlformats.org/officeDocument/2006/relationships" xmlns:mc="http://schemas.openxmlformats.org/markup-compatibility/2006" xmlns:mv="urn:schemas-microsoft-com:mac:vml" xmlns:p="http://schemas.openxmlformats.org/presentationml/2006/main" xmlns:c="http://schemas.openxmlformats.org/drawingml/2006/chart" xmlns:dgm="http://schemas.openxmlformats.org/drawingml/2006/diagram" xmlns:o="urn:schemas-microsoft-com:office:office" xmlns:v="urn:schemas-microsoft-com:vml" xmlns:pvml="urn:schemas-microsoft-com:office:powerpoint" xmlns:com="http://schemas.openxmlformats.org/drawingml/2006/compatibility" xmlns:p14="http://schemas.microsoft.com/office/powerpoint/2010/main" xmlns:p15="http://schemas.microsoft.com/office/powerpoint/2012/main" matchingName="Section header" type="secHead">
+<p:sldLayout xmlns:a="http://schemas.openxmlformats.org/drawingml/2006/main" xmlns:r="http://schemas.openxmlformats.org/officeDocument/2006/relationships" xmlns:p="http://schemas.openxmlformats.org/presentationml/2006/main" matchingName="Section header" type="secHead">
   <p:cSld name="SECTION_HEADER">
     <p:spTree>
       <p:nvGrpSpPr>
-        <p:cNvPr id="13" name="Shape 13"/>
+        <p:cNvPr id="1" name="Shape 13"/>
         <p:cNvGrpSpPr/>
         <p:nvPr/>
       </p:nvGrpSpPr>
@@ -2742,7 +2837,9 @@
       <p:sp>
         <p:nvSpPr>
           <p:cNvPr id="14" name="Google Shape;14;p3"/>
-          <p:cNvSpPr txBox="1"/>
+          <p:cNvSpPr txBox="1">
+            <a:spLocks noGrp="1"/>
+          </p:cNvSpPr>
           <p:nvPr>
             <p:ph type="title"/>
           </p:nvPr>
@@ -2757,7 +2854,7 @@
           </a:prstGeom>
         </p:spPr>
         <p:txBody>
-          <a:bodyPr anchorCtr="0" anchor="ctr" bIns="91425" lIns="91425" spcFirstLastPara="1" rIns="91425" wrap="square" tIns="91425">
+          <a:bodyPr spcFirstLastPara="1" wrap="square" lIns="91425" tIns="91425" rIns="91425" bIns="91425" anchor="ctr" anchorCtr="0">
             <a:noAutofit/>
           </a:bodyPr>
           <a:lstStyle>
@@ -2861,15 +2958,19 @@
               <a:defRPr sz="3600"/>
             </a:lvl9pPr>
           </a:lstStyle>
-          <a:p/>
+          <a:p>
+            <a:endParaRPr/>
+          </a:p>
         </p:txBody>
       </p:sp>
       <p:sp>
         <p:nvSpPr>
           <p:cNvPr id="15" name="Google Shape;15;p3"/>
-          <p:cNvSpPr txBox="1"/>
+          <p:cNvSpPr txBox="1">
+            <a:spLocks noGrp="1"/>
+          </p:cNvSpPr>
           <p:nvPr>
-            <p:ph idx="12" type="sldNum"/>
+            <p:ph type="sldNum" idx="12"/>
           </p:nvPr>
         </p:nvSpPr>
         <p:spPr>
@@ -2882,7 +2983,7 @@
           </a:prstGeom>
         </p:spPr>
         <p:txBody>
-          <a:bodyPr anchorCtr="0" anchor="ctr" bIns="91425" lIns="91425" spcFirstLastPara="1" rIns="91425" wrap="square" tIns="91425">
+          <a:bodyPr spcFirstLastPara="1" wrap="square" lIns="91425" tIns="91425" rIns="91425" bIns="91425" anchor="ctr" anchorCtr="0">
             <a:noAutofit/>
           </a:bodyPr>
           <a:lstStyle>
@@ -2924,7 +3025,7 @@
             </a:lvl9pPr>
           </a:lstStyle>
           <a:p>
-            <a:pPr indent="0" lvl="0" marL="0" rtl="0" algn="r">
+            <a:pPr marL="0" lvl="0" indent="0" algn="r" rtl="0">
               <a:spcBef>
                 <a:spcPts val="0"/>
               </a:spcBef>
@@ -2950,11 +3051,11 @@
 </file>
 
 <file path=ppt/slideLayouts/slideLayout3.xml><?xml version="1.0" encoding="utf-8"?>
-<p:sldLayout xmlns:a="http://schemas.openxmlformats.org/drawingml/2006/main" xmlns:r="http://schemas.openxmlformats.org/officeDocument/2006/relationships" xmlns:mc="http://schemas.openxmlformats.org/markup-compatibility/2006" xmlns:mv="urn:schemas-microsoft-com:mac:vml" xmlns:p="http://schemas.openxmlformats.org/presentationml/2006/main" xmlns:c="http://schemas.openxmlformats.org/drawingml/2006/chart" xmlns:dgm="http://schemas.openxmlformats.org/drawingml/2006/diagram" xmlns:o="urn:schemas-microsoft-com:office:office" xmlns:v="urn:schemas-microsoft-com:vml" xmlns:pvml="urn:schemas-microsoft-com:office:powerpoint" xmlns:com="http://schemas.openxmlformats.org/drawingml/2006/compatibility" xmlns:p14="http://schemas.microsoft.com/office/powerpoint/2010/main" xmlns:p15="http://schemas.microsoft.com/office/powerpoint/2012/main" matchingName="Title and body" type="tx">
+<p:sldLayout xmlns:a="http://schemas.openxmlformats.org/drawingml/2006/main" xmlns:r="http://schemas.openxmlformats.org/officeDocument/2006/relationships" xmlns:p="http://schemas.openxmlformats.org/presentationml/2006/main" matchingName="Title and body" type="tx">
   <p:cSld name="TITLE_AND_BODY">
     <p:spTree>
       <p:nvGrpSpPr>
-        <p:cNvPr id="16" name="Shape 16"/>
+        <p:cNvPr id="1" name="Shape 16"/>
         <p:cNvGrpSpPr/>
         <p:nvPr/>
       </p:nvGrpSpPr>
@@ -2969,7 +3070,9 @@
       <p:sp>
         <p:nvSpPr>
           <p:cNvPr id="17" name="Google Shape;17;p4"/>
-          <p:cNvSpPr txBox="1"/>
+          <p:cNvSpPr txBox="1">
+            <a:spLocks noGrp="1"/>
+          </p:cNvSpPr>
           <p:nvPr>
             <p:ph type="title"/>
           </p:nvPr>
@@ -2984,7 +3087,7 @@
           </a:prstGeom>
         </p:spPr>
         <p:txBody>
-          <a:bodyPr anchorCtr="0" anchor="t" bIns="91425" lIns="91425" spcFirstLastPara="1" rIns="91425" wrap="square" tIns="91425">
+          <a:bodyPr spcFirstLastPara="1" wrap="square" lIns="91425" tIns="91425" rIns="91425" bIns="91425" anchor="t" anchorCtr="0">
             <a:noAutofit/>
           </a:bodyPr>
           <a:lstStyle>
@@ -3088,15 +3191,19 @@
               <a:defRPr/>
             </a:lvl9pPr>
           </a:lstStyle>
-          <a:p/>
+          <a:p>
+            <a:endParaRPr/>
+          </a:p>
         </p:txBody>
       </p:sp>
       <p:sp>
         <p:nvSpPr>
           <p:cNvPr id="18" name="Google Shape;18;p4"/>
-          <p:cNvSpPr txBox="1"/>
+          <p:cNvSpPr txBox="1">
+            <a:spLocks noGrp="1"/>
+          </p:cNvSpPr>
           <p:nvPr>
-            <p:ph idx="1" type="body"/>
+            <p:ph type="body" idx="1"/>
           </p:nvPr>
         </p:nvSpPr>
         <p:spPr>
@@ -3109,11 +3216,11 @@
           </a:prstGeom>
         </p:spPr>
         <p:txBody>
-          <a:bodyPr anchorCtr="0" anchor="t" bIns="91425" lIns="91425" spcFirstLastPara="1" rIns="91425" wrap="square" tIns="91425">
+          <a:bodyPr spcFirstLastPara="1" wrap="square" lIns="91425" tIns="91425" rIns="91425" bIns="91425" anchor="t" anchorCtr="0">
             <a:noAutofit/>
           </a:bodyPr>
           <a:lstStyle>
-            <a:lvl1pPr indent="-342900" lvl="0" marL="457200">
+            <a:lvl1pPr marL="457200" lvl="0" indent="-342900">
               <a:spcBef>
                 <a:spcPts val="0"/>
               </a:spcBef>
@@ -3124,7 +3231,7 @@
               <a:buChar char="●"/>
               <a:defRPr/>
             </a:lvl1pPr>
-            <a:lvl2pPr indent="-317500" lvl="1" marL="914400">
+            <a:lvl2pPr marL="914400" lvl="1" indent="-317500">
               <a:spcBef>
                 <a:spcPts val="1600"/>
               </a:spcBef>
@@ -3135,7 +3242,7 @@
               <a:buChar char="○"/>
               <a:defRPr/>
             </a:lvl2pPr>
-            <a:lvl3pPr indent="-317500" lvl="2" marL="1371600">
+            <a:lvl3pPr marL="1371600" lvl="2" indent="-317500">
               <a:spcBef>
                 <a:spcPts val="1600"/>
               </a:spcBef>
@@ -3146,7 +3253,7 @@
               <a:buChar char="■"/>
               <a:defRPr/>
             </a:lvl3pPr>
-            <a:lvl4pPr indent="-317500" lvl="3" marL="1828800">
+            <a:lvl4pPr marL="1828800" lvl="3" indent="-317500">
               <a:spcBef>
                 <a:spcPts val="1600"/>
               </a:spcBef>
@@ -3157,7 +3264,7 @@
               <a:buChar char="●"/>
               <a:defRPr/>
             </a:lvl4pPr>
-            <a:lvl5pPr indent="-317500" lvl="4" marL="2286000">
+            <a:lvl5pPr marL="2286000" lvl="4" indent="-317500">
               <a:spcBef>
                 <a:spcPts val="1600"/>
               </a:spcBef>
@@ -3168,7 +3275,7 @@
               <a:buChar char="○"/>
               <a:defRPr/>
             </a:lvl5pPr>
-            <a:lvl6pPr indent="-317500" lvl="5" marL="2743200">
+            <a:lvl6pPr marL="2743200" lvl="5" indent="-317500">
               <a:spcBef>
                 <a:spcPts val="1600"/>
               </a:spcBef>
@@ -3179,7 +3286,7 @@
               <a:buChar char="■"/>
               <a:defRPr/>
             </a:lvl6pPr>
-            <a:lvl7pPr indent="-317500" lvl="6" marL="3200400">
+            <a:lvl7pPr marL="3200400" lvl="6" indent="-317500">
               <a:spcBef>
                 <a:spcPts val="1600"/>
               </a:spcBef>
@@ -3190,7 +3297,7 @@
               <a:buChar char="●"/>
               <a:defRPr/>
             </a:lvl7pPr>
-            <a:lvl8pPr indent="-317500" lvl="7" marL="3657600">
+            <a:lvl8pPr marL="3657600" lvl="7" indent="-317500">
               <a:spcBef>
                 <a:spcPts val="1600"/>
               </a:spcBef>
@@ -3201,7 +3308,7 @@
               <a:buChar char="○"/>
               <a:defRPr/>
             </a:lvl8pPr>
-            <a:lvl9pPr indent="-317500" lvl="8" marL="4114800">
+            <a:lvl9pPr marL="4114800" lvl="8" indent="-317500">
               <a:spcBef>
                 <a:spcPts val="1600"/>
               </a:spcBef>
@@ -3213,15 +3320,19 @@
               <a:defRPr/>
             </a:lvl9pPr>
           </a:lstStyle>
-          <a:p/>
+          <a:p>
+            <a:endParaRPr/>
+          </a:p>
         </p:txBody>
       </p:sp>
       <p:sp>
         <p:nvSpPr>
           <p:cNvPr id="19" name="Google Shape;19;p4"/>
-          <p:cNvSpPr txBox="1"/>
+          <p:cNvSpPr txBox="1">
+            <a:spLocks noGrp="1"/>
+          </p:cNvSpPr>
           <p:nvPr>
-            <p:ph idx="12" type="sldNum"/>
+            <p:ph type="sldNum" idx="12"/>
           </p:nvPr>
         </p:nvSpPr>
         <p:spPr>
@@ -3234,7 +3345,7 @@
           </a:prstGeom>
         </p:spPr>
         <p:txBody>
-          <a:bodyPr anchorCtr="0" anchor="ctr" bIns="91425" lIns="91425" spcFirstLastPara="1" rIns="91425" wrap="square" tIns="91425">
+          <a:bodyPr spcFirstLastPara="1" wrap="square" lIns="91425" tIns="91425" rIns="91425" bIns="91425" anchor="ctr" anchorCtr="0">
             <a:noAutofit/>
           </a:bodyPr>
           <a:lstStyle>
@@ -3276,7 +3387,7 @@
             </a:lvl9pPr>
           </a:lstStyle>
           <a:p>
-            <a:pPr indent="0" lvl="0" marL="0" rtl="0" algn="r">
+            <a:pPr marL="0" lvl="0" indent="0" algn="r" rtl="0">
               <a:spcBef>
                 <a:spcPts val="0"/>
               </a:spcBef>
@@ -3302,11 +3413,11 @@
 </file>
 
 <file path=ppt/slideLayouts/slideLayout4.xml><?xml version="1.0" encoding="utf-8"?>
-<p:sldLayout xmlns:a="http://schemas.openxmlformats.org/drawingml/2006/main" xmlns:r="http://schemas.openxmlformats.org/officeDocument/2006/relationships" xmlns:mc="http://schemas.openxmlformats.org/markup-compatibility/2006" xmlns:mv="urn:schemas-microsoft-com:mac:vml" xmlns:p="http://schemas.openxmlformats.org/presentationml/2006/main" xmlns:c="http://schemas.openxmlformats.org/drawingml/2006/chart" xmlns:dgm="http://schemas.openxmlformats.org/drawingml/2006/diagram" xmlns:o="urn:schemas-microsoft-com:office:office" xmlns:v="urn:schemas-microsoft-com:vml" xmlns:pvml="urn:schemas-microsoft-com:office:powerpoint" xmlns:com="http://schemas.openxmlformats.org/drawingml/2006/compatibility" xmlns:p14="http://schemas.microsoft.com/office/powerpoint/2010/main" xmlns:p15="http://schemas.microsoft.com/office/powerpoint/2012/main" matchingName="Title and two columns" type="twoColTx">
+<p:sldLayout xmlns:a="http://schemas.openxmlformats.org/drawingml/2006/main" xmlns:r="http://schemas.openxmlformats.org/officeDocument/2006/relationships" xmlns:p="http://schemas.openxmlformats.org/presentationml/2006/main" matchingName="Title and two columns" type="twoColTx">
   <p:cSld name="TITLE_AND_TWO_COLUMNS">
     <p:spTree>
       <p:nvGrpSpPr>
-        <p:cNvPr id="20" name="Shape 20"/>
+        <p:cNvPr id="1" name="Shape 20"/>
         <p:cNvGrpSpPr/>
         <p:nvPr/>
       </p:nvGrpSpPr>
@@ -3321,7 +3432,9 @@
       <p:sp>
         <p:nvSpPr>
           <p:cNvPr id="21" name="Google Shape;21;p5"/>
-          <p:cNvSpPr txBox="1"/>
+          <p:cNvSpPr txBox="1">
+            <a:spLocks noGrp="1"/>
+          </p:cNvSpPr>
           <p:nvPr>
             <p:ph type="title"/>
           </p:nvPr>
@@ -3336,7 +3449,7 @@
           </a:prstGeom>
         </p:spPr>
         <p:txBody>
-          <a:bodyPr anchorCtr="0" anchor="t" bIns="91425" lIns="91425" spcFirstLastPara="1" rIns="91425" wrap="square" tIns="91425">
+          <a:bodyPr spcFirstLastPara="1" wrap="square" lIns="91425" tIns="91425" rIns="91425" bIns="91425" anchor="t" anchorCtr="0">
             <a:noAutofit/>
           </a:bodyPr>
           <a:lstStyle>
@@ -3440,15 +3553,19 @@
               <a:defRPr/>
             </a:lvl9pPr>
           </a:lstStyle>
-          <a:p/>
+          <a:p>
+            <a:endParaRPr/>
+          </a:p>
         </p:txBody>
       </p:sp>
       <p:sp>
         <p:nvSpPr>
           <p:cNvPr id="22" name="Google Shape;22;p5"/>
-          <p:cNvSpPr txBox="1"/>
+          <p:cNvSpPr txBox="1">
+            <a:spLocks noGrp="1"/>
+          </p:cNvSpPr>
           <p:nvPr>
-            <p:ph idx="1" type="body"/>
+            <p:ph type="body" idx="1"/>
           </p:nvPr>
         </p:nvSpPr>
         <p:spPr>
@@ -3461,11 +3578,11 @@
           </a:prstGeom>
         </p:spPr>
         <p:txBody>
-          <a:bodyPr anchorCtr="0" anchor="t" bIns="91425" lIns="91425" spcFirstLastPara="1" rIns="91425" wrap="square" tIns="91425">
+          <a:bodyPr spcFirstLastPara="1" wrap="square" lIns="91425" tIns="91425" rIns="91425" bIns="91425" anchor="t" anchorCtr="0">
             <a:noAutofit/>
           </a:bodyPr>
           <a:lstStyle>
-            <a:lvl1pPr indent="-317500" lvl="0" marL="457200">
+            <a:lvl1pPr marL="457200" lvl="0" indent="-317500">
               <a:spcBef>
                 <a:spcPts val="0"/>
               </a:spcBef>
@@ -3476,7 +3593,7 @@
               <a:buChar char="●"/>
               <a:defRPr sz="1400"/>
             </a:lvl1pPr>
-            <a:lvl2pPr indent="-304800" lvl="1" marL="914400">
+            <a:lvl2pPr marL="914400" lvl="1" indent="-304800">
               <a:spcBef>
                 <a:spcPts val="1600"/>
               </a:spcBef>
@@ -3487,7 +3604,7 @@
               <a:buChar char="○"/>
               <a:defRPr sz="1200"/>
             </a:lvl2pPr>
-            <a:lvl3pPr indent="-304800" lvl="2" marL="1371600">
+            <a:lvl3pPr marL="1371600" lvl="2" indent="-304800">
               <a:spcBef>
                 <a:spcPts val="1600"/>
               </a:spcBef>
@@ -3498,7 +3615,7 @@
               <a:buChar char="■"/>
               <a:defRPr sz="1200"/>
             </a:lvl3pPr>
-            <a:lvl4pPr indent="-304800" lvl="3" marL="1828800">
+            <a:lvl4pPr marL="1828800" lvl="3" indent="-304800">
               <a:spcBef>
                 <a:spcPts val="1600"/>
               </a:spcBef>
@@ -3509,7 +3626,7 @@
               <a:buChar char="●"/>
               <a:defRPr sz="1200"/>
             </a:lvl4pPr>
-            <a:lvl5pPr indent="-304800" lvl="4" marL="2286000">
+            <a:lvl5pPr marL="2286000" lvl="4" indent="-304800">
               <a:spcBef>
                 <a:spcPts val="1600"/>
               </a:spcBef>
@@ -3520,7 +3637,7 @@
               <a:buChar char="○"/>
               <a:defRPr sz="1200"/>
             </a:lvl5pPr>
-            <a:lvl6pPr indent="-304800" lvl="5" marL="2743200">
+            <a:lvl6pPr marL="2743200" lvl="5" indent="-304800">
               <a:spcBef>
                 <a:spcPts val="1600"/>
               </a:spcBef>
@@ -3531,7 +3648,7 @@
               <a:buChar char="■"/>
               <a:defRPr sz="1200"/>
             </a:lvl6pPr>
-            <a:lvl7pPr indent="-304800" lvl="6" marL="3200400">
+            <a:lvl7pPr marL="3200400" lvl="6" indent="-304800">
               <a:spcBef>
                 <a:spcPts val="1600"/>
               </a:spcBef>
@@ -3542,7 +3659,7 @@
               <a:buChar char="●"/>
               <a:defRPr sz="1200"/>
             </a:lvl7pPr>
-            <a:lvl8pPr indent="-304800" lvl="7" marL="3657600">
+            <a:lvl8pPr marL="3657600" lvl="7" indent="-304800">
               <a:spcBef>
                 <a:spcPts val="1600"/>
               </a:spcBef>
@@ -3553,7 +3670,7 @@
               <a:buChar char="○"/>
               <a:defRPr sz="1200"/>
             </a:lvl8pPr>
-            <a:lvl9pPr indent="-304800" lvl="8" marL="4114800">
+            <a:lvl9pPr marL="4114800" lvl="8" indent="-304800">
               <a:spcBef>
                 <a:spcPts val="1600"/>
               </a:spcBef>
@@ -3565,15 +3682,19 @@
               <a:defRPr sz="1200"/>
             </a:lvl9pPr>
           </a:lstStyle>
-          <a:p/>
+          <a:p>
+            <a:endParaRPr/>
+          </a:p>
         </p:txBody>
       </p:sp>
       <p:sp>
         <p:nvSpPr>
           <p:cNvPr id="23" name="Google Shape;23;p5"/>
-          <p:cNvSpPr txBox="1"/>
+          <p:cNvSpPr txBox="1">
+            <a:spLocks noGrp="1"/>
+          </p:cNvSpPr>
           <p:nvPr>
-            <p:ph idx="2" type="body"/>
+            <p:ph type="body" idx="2"/>
           </p:nvPr>
         </p:nvSpPr>
         <p:spPr>
@@ -3586,11 +3707,11 @@
           </a:prstGeom>
         </p:spPr>
         <p:txBody>
-          <a:bodyPr anchorCtr="0" anchor="t" bIns="91425" lIns="91425" spcFirstLastPara="1" rIns="91425" wrap="square" tIns="91425">
+          <a:bodyPr spcFirstLastPara="1" wrap="square" lIns="91425" tIns="91425" rIns="91425" bIns="91425" anchor="t" anchorCtr="0">
             <a:noAutofit/>
           </a:bodyPr>
           <a:lstStyle>
-            <a:lvl1pPr indent="-317500" lvl="0" marL="457200">
+            <a:lvl1pPr marL="457200" lvl="0" indent="-317500">
               <a:spcBef>
                 <a:spcPts val="0"/>
               </a:spcBef>
@@ -3601,7 +3722,7 @@
               <a:buChar char="●"/>
               <a:defRPr sz="1400"/>
             </a:lvl1pPr>
-            <a:lvl2pPr indent="-304800" lvl="1" marL="914400">
+            <a:lvl2pPr marL="914400" lvl="1" indent="-304800">
               <a:spcBef>
                 <a:spcPts val="1600"/>
               </a:spcBef>
@@ -3612,7 +3733,7 @@
               <a:buChar char="○"/>
               <a:defRPr sz="1200"/>
             </a:lvl2pPr>
-            <a:lvl3pPr indent="-304800" lvl="2" marL="1371600">
+            <a:lvl3pPr marL="1371600" lvl="2" indent="-304800">
               <a:spcBef>
                 <a:spcPts val="1600"/>
               </a:spcBef>
@@ -3623,7 +3744,7 @@
               <a:buChar char="■"/>
               <a:defRPr sz="1200"/>
             </a:lvl3pPr>
-            <a:lvl4pPr indent="-304800" lvl="3" marL="1828800">
+            <a:lvl4pPr marL="1828800" lvl="3" indent="-304800">
               <a:spcBef>
                 <a:spcPts val="1600"/>
               </a:spcBef>
@@ -3634,7 +3755,7 @@
               <a:buChar char="●"/>
               <a:defRPr sz="1200"/>
             </a:lvl4pPr>
-            <a:lvl5pPr indent="-304800" lvl="4" marL="2286000">
+            <a:lvl5pPr marL="2286000" lvl="4" indent="-304800">
               <a:spcBef>
                 <a:spcPts val="1600"/>
               </a:spcBef>
@@ -3645,7 +3766,7 @@
               <a:buChar char="○"/>
               <a:defRPr sz="1200"/>
             </a:lvl5pPr>
-            <a:lvl6pPr indent="-304800" lvl="5" marL="2743200">
+            <a:lvl6pPr marL="2743200" lvl="5" indent="-304800">
               <a:spcBef>
                 <a:spcPts val="1600"/>
               </a:spcBef>
@@ -3656,7 +3777,7 @@
               <a:buChar char="■"/>
               <a:defRPr sz="1200"/>
             </a:lvl6pPr>
-            <a:lvl7pPr indent="-304800" lvl="6" marL="3200400">
+            <a:lvl7pPr marL="3200400" lvl="6" indent="-304800">
               <a:spcBef>
                 <a:spcPts val="1600"/>
               </a:spcBef>
@@ -3667,7 +3788,7 @@
               <a:buChar char="●"/>
               <a:defRPr sz="1200"/>
             </a:lvl7pPr>
-            <a:lvl8pPr indent="-304800" lvl="7" marL="3657600">
+            <a:lvl8pPr marL="3657600" lvl="7" indent="-304800">
               <a:spcBef>
                 <a:spcPts val="1600"/>
               </a:spcBef>
@@ -3678,7 +3799,7 @@
               <a:buChar char="○"/>
               <a:defRPr sz="1200"/>
             </a:lvl8pPr>
-            <a:lvl9pPr indent="-304800" lvl="8" marL="4114800">
+            <a:lvl9pPr marL="4114800" lvl="8" indent="-304800">
               <a:spcBef>
                 <a:spcPts val="1600"/>
               </a:spcBef>
@@ -3690,15 +3811,19 @@
               <a:defRPr sz="1200"/>
             </a:lvl9pPr>
           </a:lstStyle>
-          <a:p/>
+          <a:p>
+            <a:endParaRPr/>
+          </a:p>
         </p:txBody>
       </p:sp>
       <p:sp>
         <p:nvSpPr>
           <p:cNvPr id="24" name="Google Shape;24;p5"/>
-          <p:cNvSpPr txBox="1"/>
+          <p:cNvSpPr txBox="1">
+            <a:spLocks noGrp="1"/>
+          </p:cNvSpPr>
           <p:nvPr>
-            <p:ph idx="12" type="sldNum"/>
+            <p:ph type="sldNum" idx="12"/>
           </p:nvPr>
         </p:nvSpPr>
         <p:spPr>
@@ -3711,7 +3836,7 @@
           </a:prstGeom>
         </p:spPr>
         <p:txBody>
-          <a:bodyPr anchorCtr="0" anchor="ctr" bIns="91425" lIns="91425" spcFirstLastPara="1" rIns="91425" wrap="square" tIns="91425">
+          <a:bodyPr spcFirstLastPara="1" wrap="square" lIns="91425" tIns="91425" rIns="91425" bIns="91425" anchor="ctr" anchorCtr="0">
             <a:noAutofit/>
           </a:bodyPr>
           <a:lstStyle>
@@ -3753,7 +3878,7 @@
             </a:lvl9pPr>
           </a:lstStyle>
           <a:p>
-            <a:pPr indent="0" lvl="0" marL="0" rtl="0" algn="r">
+            <a:pPr marL="0" lvl="0" indent="0" algn="r" rtl="0">
               <a:spcBef>
                 <a:spcPts val="0"/>
               </a:spcBef>
@@ -3779,11 +3904,11 @@
 </file>
 
 <file path=ppt/slideLayouts/slideLayout5.xml><?xml version="1.0" encoding="utf-8"?>
-<p:sldLayout xmlns:a="http://schemas.openxmlformats.org/drawingml/2006/main" xmlns:r="http://schemas.openxmlformats.org/officeDocument/2006/relationships" xmlns:mc="http://schemas.openxmlformats.org/markup-compatibility/2006" xmlns:mv="urn:schemas-microsoft-com:mac:vml" xmlns:p="http://schemas.openxmlformats.org/presentationml/2006/main" xmlns:c="http://schemas.openxmlformats.org/drawingml/2006/chart" xmlns:dgm="http://schemas.openxmlformats.org/drawingml/2006/diagram" xmlns:o="urn:schemas-microsoft-com:office:office" xmlns:v="urn:schemas-microsoft-com:vml" xmlns:pvml="urn:schemas-microsoft-com:office:powerpoint" xmlns:com="http://schemas.openxmlformats.org/drawingml/2006/compatibility" xmlns:p14="http://schemas.microsoft.com/office/powerpoint/2010/main" xmlns:p15="http://schemas.microsoft.com/office/powerpoint/2012/main" matchingName="Title only" type="titleOnly">
+<p:sldLayout xmlns:a="http://schemas.openxmlformats.org/drawingml/2006/main" xmlns:r="http://schemas.openxmlformats.org/officeDocument/2006/relationships" xmlns:p="http://schemas.openxmlformats.org/presentationml/2006/main" matchingName="Title only" type="titleOnly">
   <p:cSld name="TITLE_ONLY">
     <p:spTree>
       <p:nvGrpSpPr>
-        <p:cNvPr id="25" name="Shape 25"/>
+        <p:cNvPr id="1" name="Shape 25"/>
         <p:cNvGrpSpPr/>
         <p:nvPr/>
       </p:nvGrpSpPr>
@@ -3798,7 +3923,9 @@
       <p:sp>
         <p:nvSpPr>
           <p:cNvPr id="26" name="Google Shape;26;p6"/>
-          <p:cNvSpPr txBox="1"/>
+          <p:cNvSpPr txBox="1">
+            <a:spLocks noGrp="1"/>
+          </p:cNvSpPr>
           <p:nvPr>
             <p:ph type="title"/>
           </p:nvPr>
@@ -3813,7 +3940,7 @@
           </a:prstGeom>
         </p:spPr>
         <p:txBody>
-          <a:bodyPr anchorCtr="0" anchor="t" bIns="91425" lIns="91425" spcFirstLastPara="1" rIns="91425" wrap="square" tIns="91425">
+          <a:bodyPr spcFirstLastPara="1" wrap="square" lIns="91425" tIns="91425" rIns="91425" bIns="91425" anchor="t" anchorCtr="0">
             <a:noAutofit/>
           </a:bodyPr>
           <a:lstStyle>
@@ -3917,15 +4044,19 @@
               <a:defRPr/>
             </a:lvl9pPr>
           </a:lstStyle>
-          <a:p/>
+          <a:p>
+            <a:endParaRPr/>
+          </a:p>
         </p:txBody>
       </p:sp>
       <p:sp>
         <p:nvSpPr>
           <p:cNvPr id="27" name="Google Shape;27;p6"/>
-          <p:cNvSpPr txBox="1"/>
+          <p:cNvSpPr txBox="1">
+            <a:spLocks noGrp="1"/>
+          </p:cNvSpPr>
           <p:nvPr>
-            <p:ph idx="12" type="sldNum"/>
+            <p:ph type="sldNum" idx="12"/>
           </p:nvPr>
         </p:nvSpPr>
         <p:spPr>
@@ -3938,7 +4069,7 @@
           </a:prstGeom>
         </p:spPr>
         <p:txBody>
-          <a:bodyPr anchorCtr="0" anchor="ctr" bIns="91425" lIns="91425" spcFirstLastPara="1" rIns="91425" wrap="square" tIns="91425">
+          <a:bodyPr spcFirstLastPara="1" wrap="square" lIns="91425" tIns="91425" rIns="91425" bIns="91425" anchor="ctr" anchorCtr="0">
             <a:noAutofit/>
           </a:bodyPr>
           <a:lstStyle>
@@ -3980,7 +4111,7 @@
             </a:lvl9pPr>
           </a:lstStyle>
           <a:p>
-            <a:pPr indent="0" lvl="0" marL="0" rtl="0" algn="r">
+            <a:pPr marL="0" lvl="0" indent="0" algn="r" rtl="0">
               <a:spcBef>
                 <a:spcPts val="0"/>
               </a:spcBef>
@@ -4006,11 +4137,11 @@
 </file>
 
 <file path=ppt/slideLayouts/slideLayout6.xml><?xml version="1.0" encoding="utf-8"?>
-<p:sldLayout xmlns:a="http://schemas.openxmlformats.org/drawingml/2006/main" xmlns:r="http://schemas.openxmlformats.org/officeDocument/2006/relationships" xmlns:mc="http://schemas.openxmlformats.org/markup-compatibility/2006" xmlns:mv="urn:schemas-microsoft-com:mac:vml" xmlns:p="http://schemas.openxmlformats.org/presentationml/2006/main" xmlns:c="http://schemas.openxmlformats.org/drawingml/2006/chart" xmlns:dgm="http://schemas.openxmlformats.org/drawingml/2006/diagram" xmlns:o="urn:schemas-microsoft-com:office:office" xmlns:v="urn:schemas-microsoft-com:vml" xmlns:pvml="urn:schemas-microsoft-com:office:powerpoint" xmlns:com="http://schemas.openxmlformats.org/drawingml/2006/compatibility" xmlns:p14="http://schemas.microsoft.com/office/powerpoint/2010/main" xmlns:p15="http://schemas.microsoft.com/office/powerpoint/2012/main" matchingName="One column text">
+<p:sldLayout xmlns:a="http://schemas.openxmlformats.org/drawingml/2006/main" xmlns:r="http://schemas.openxmlformats.org/officeDocument/2006/relationships" xmlns:p="http://schemas.openxmlformats.org/presentationml/2006/main" matchingName="One column text">
   <p:cSld name="ONE_COLUMN_TEXT">
     <p:spTree>
       <p:nvGrpSpPr>
-        <p:cNvPr id="28" name="Shape 28"/>
+        <p:cNvPr id="1" name="Shape 28"/>
         <p:cNvGrpSpPr/>
         <p:nvPr/>
       </p:nvGrpSpPr>
@@ -4025,7 +4156,9 @@
       <p:sp>
         <p:nvSpPr>
           <p:cNvPr id="29" name="Google Shape;29;p7"/>
-          <p:cNvSpPr txBox="1"/>
+          <p:cNvSpPr txBox="1">
+            <a:spLocks noGrp="1"/>
+          </p:cNvSpPr>
           <p:nvPr>
             <p:ph type="title"/>
           </p:nvPr>
@@ -4040,7 +4173,7 @@
           </a:prstGeom>
         </p:spPr>
         <p:txBody>
-          <a:bodyPr anchorCtr="0" anchor="b" bIns="91425" lIns="91425" spcFirstLastPara="1" rIns="91425" wrap="square" tIns="91425">
+          <a:bodyPr spcFirstLastPara="1" wrap="square" lIns="91425" tIns="91425" rIns="91425" bIns="91425" anchor="b" anchorCtr="0">
             <a:noAutofit/>
           </a:bodyPr>
           <a:lstStyle>
@@ -4144,15 +4277,19 @@
               <a:defRPr sz="2400"/>
             </a:lvl9pPr>
           </a:lstStyle>
-          <a:p/>
+          <a:p>
+            <a:endParaRPr/>
+          </a:p>
         </p:txBody>
       </p:sp>
       <p:sp>
         <p:nvSpPr>
           <p:cNvPr id="30" name="Google Shape;30;p7"/>
-          <p:cNvSpPr txBox="1"/>
+          <p:cNvSpPr txBox="1">
+            <a:spLocks noGrp="1"/>
+          </p:cNvSpPr>
           <p:nvPr>
-            <p:ph idx="1" type="body"/>
+            <p:ph type="body" idx="1"/>
           </p:nvPr>
         </p:nvSpPr>
         <p:spPr>
@@ -4165,11 +4302,11 @@
           </a:prstGeom>
         </p:spPr>
         <p:txBody>
-          <a:bodyPr anchorCtr="0" anchor="t" bIns="91425" lIns="91425" spcFirstLastPara="1" rIns="91425" wrap="square" tIns="91425">
+          <a:bodyPr spcFirstLastPara="1" wrap="square" lIns="91425" tIns="91425" rIns="91425" bIns="91425" anchor="t" anchorCtr="0">
             <a:noAutofit/>
           </a:bodyPr>
           <a:lstStyle>
-            <a:lvl1pPr indent="-304800" lvl="0" marL="457200">
+            <a:lvl1pPr marL="457200" lvl="0" indent="-304800">
               <a:spcBef>
                 <a:spcPts val="0"/>
               </a:spcBef>
@@ -4180,7 +4317,7 @@
               <a:buChar char="●"/>
               <a:defRPr sz="1200"/>
             </a:lvl1pPr>
-            <a:lvl2pPr indent="-304800" lvl="1" marL="914400">
+            <a:lvl2pPr marL="914400" lvl="1" indent="-304800">
               <a:spcBef>
                 <a:spcPts val="1600"/>
               </a:spcBef>
@@ -4191,7 +4328,7 @@
               <a:buChar char="○"/>
               <a:defRPr sz="1200"/>
             </a:lvl2pPr>
-            <a:lvl3pPr indent="-304800" lvl="2" marL="1371600">
+            <a:lvl3pPr marL="1371600" lvl="2" indent="-304800">
               <a:spcBef>
                 <a:spcPts val="1600"/>
               </a:spcBef>
@@ -4202,7 +4339,7 @@
               <a:buChar char="■"/>
               <a:defRPr sz="1200"/>
             </a:lvl3pPr>
-            <a:lvl4pPr indent="-304800" lvl="3" marL="1828800">
+            <a:lvl4pPr marL="1828800" lvl="3" indent="-304800">
               <a:spcBef>
                 <a:spcPts val="1600"/>
               </a:spcBef>
@@ -4213,7 +4350,7 @@
               <a:buChar char="●"/>
               <a:defRPr sz="1200"/>
             </a:lvl4pPr>
-            <a:lvl5pPr indent="-304800" lvl="4" marL="2286000">
+            <a:lvl5pPr marL="2286000" lvl="4" indent="-304800">
               <a:spcBef>
                 <a:spcPts val="1600"/>
               </a:spcBef>
@@ -4224,7 +4361,7 @@
               <a:buChar char="○"/>
               <a:defRPr sz="1200"/>
             </a:lvl5pPr>
-            <a:lvl6pPr indent="-304800" lvl="5" marL="2743200">
+            <a:lvl6pPr marL="2743200" lvl="5" indent="-304800">
               <a:spcBef>
                 <a:spcPts val="1600"/>
               </a:spcBef>
@@ -4235,7 +4372,7 @@
               <a:buChar char="■"/>
               <a:defRPr sz="1200"/>
             </a:lvl6pPr>
-            <a:lvl7pPr indent="-304800" lvl="6" marL="3200400">
+            <a:lvl7pPr marL="3200400" lvl="6" indent="-304800">
               <a:spcBef>
                 <a:spcPts val="1600"/>
               </a:spcBef>
@@ -4246,7 +4383,7 @@
               <a:buChar char="●"/>
               <a:defRPr sz="1200"/>
             </a:lvl7pPr>
-            <a:lvl8pPr indent="-304800" lvl="7" marL="3657600">
+            <a:lvl8pPr marL="3657600" lvl="7" indent="-304800">
               <a:spcBef>
                 <a:spcPts val="1600"/>
               </a:spcBef>
@@ -4257,7 +4394,7 @@
               <a:buChar char="○"/>
               <a:defRPr sz="1200"/>
             </a:lvl8pPr>
-            <a:lvl9pPr indent="-304800" lvl="8" marL="4114800">
+            <a:lvl9pPr marL="4114800" lvl="8" indent="-304800">
               <a:spcBef>
                 <a:spcPts val="1600"/>
               </a:spcBef>
@@ -4269,15 +4406,19 @@
               <a:defRPr sz="1200"/>
             </a:lvl9pPr>
           </a:lstStyle>
-          <a:p/>
+          <a:p>
+            <a:endParaRPr/>
+          </a:p>
         </p:txBody>
       </p:sp>
       <p:sp>
         <p:nvSpPr>
           <p:cNvPr id="31" name="Google Shape;31;p7"/>
-          <p:cNvSpPr txBox="1"/>
+          <p:cNvSpPr txBox="1">
+            <a:spLocks noGrp="1"/>
+          </p:cNvSpPr>
           <p:nvPr>
-            <p:ph idx="12" type="sldNum"/>
+            <p:ph type="sldNum" idx="12"/>
           </p:nvPr>
         </p:nvSpPr>
         <p:spPr>
@@ -4290,7 +4431,7 @@
           </a:prstGeom>
         </p:spPr>
         <p:txBody>
-          <a:bodyPr anchorCtr="0" anchor="ctr" bIns="91425" lIns="91425" spcFirstLastPara="1" rIns="91425" wrap="square" tIns="91425">
+          <a:bodyPr spcFirstLastPara="1" wrap="square" lIns="91425" tIns="91425" rIns="91425" bIns="91425" anchor="ctr" anchorCtr="0">
             <a:noAutofit/>
           </a:bodyPr>
           <a:lstStyle>
@@ -4332,7 +4473,7 @@
             </a:lvl9pPr>
           </a:lstStyle>
           <a:p>
-            <a:pPr indent="0" lvl="0" marL="0" rtl="0" algn="r">
+            <a:pPr marL="0" lvl="0" indent="0" algn="r" rtl="0">
               <a:spcBef>
                 <a:spcPts val="0"/>
               </a:spcBef>
@@ -4358,11 +4499,11 @@
 </file>
 
 <file path=ppt/slideLayouts/slideLayout7.xml><?xml version="1.0" encoding="utf-8"?>
-<p:sldLayout xmlns:a="http://schemas.openxmlformats.org/drawingml/2006/main" xmlns:r="http://schemas.openxmlformats.org/officeDocument/2006/relationships" xmlns:mc="http://schemas.openxmlformats.org/markup-compatibility/2006" xmlns:mv="urn:schemas-microsoft-com:mac:vml" xmlns:p="http://schemas.openxmlformats.org/presentationml/2006/main" xmlns:c="http://schemas.openxmlformats.org/drawingml/2006/chart" xmlns:dgm="http://schemas.openxmlformats.org/drawingml/2006/diagram" xmlns:o="urn:schemas-microsoft-com:office:office" xmlns:v="urn:schemas-microsoft-com:vml" xmlns:pvml="urn:schemas-microsoft-com:office:powerpoint" xmlns:com="http://schemas.openxmlformats.org/drawingml/2006/compatibility" xmlns:p14="http://schemas.microsoft.com/office/powerpoint/2010/main" xmlns:p15="http://schemas.microsoft.com/office/powerpoint/2012/main" matchingName="Main point">
+<p:sldLayout xmlns:a="http://schemas.openxmlformats.org/drawingml/2006/main" xmlns:r="http://schemas.openxmlformats.org/officeDocument/2006/relationships" xmlns:p="http://schemas.openxmlformats.org/presentationml/2006/main" matchingName="Main point">
   <p:cSld name="MAIN_POINT">
     <p:spTree>
       <p:nvGrpSpPr>
-        <p:cNvPr id="32" name="Shape 32"/>
+        <p:cNvPr id="1" name="Shape 32"/>
         <p:cNvGrpSpPr/>
         <p:nvPr/>
       </p:nvGrpSpPr>
@@ -4377,7 +4518,9 @@
       <p:sp>
         <p:nvSpPr>
           <p:cNvPr id="33" name="Google Shape;33;p8"/>
-          <p:cNvSpPr txBox="1"/>
+          <p:cNvSpPr txBox="1">
+            <a:spLocks noGrp="1"/>
+          </p:cNvSpPr>
           <p:nvPr>
             <p:ph type="title"/>
           </p:nvPr>
@@ -4392,7 +4535,7 @@
           </a:prstGeom>
         </p:spPr>
         <p:txBody>
-          <a:bodyPr anchorCtr="0" anchor="ctr" bIns="91425" lIns="91425" spcFirstLastPara="1" rIns="91425" wrap="square" tIns="91425">
+          <a:bodyPr spcFirstLastPara="1" wrap="square" lIns="91425" tIns="91425" rIns="91425" bIns="91425" anchor="ctr" anchorCtr="0">
             <a:noAutofit/>
           </a:bodyPr>
           <a:lstStyle>
@@ -4496,15 +4639,19 @@
               <a:defRPr sz="4800"/>
             </a:lvl9pPr>
           </a:lstStyle>
-          <a:p/>
+          <a:p>
+            <a:endParaRPr/>
+          </a:p>
         </p:txBody>
       </p:sp>
       <p:sp>
         <p:nvSpPr>
           <p:cNvPr id="34" name="Google Shape;34;p8"/>
-          <p:cNvSpPr txBox="1"/>
+          <p:cNvSpPr txBox="1">
+            <a:spLocks noGrp="1"/>
+          </p:cNvSpPr>
           <p:nvPr>
-            <p:ph idx="12" type="sldNum"/>
+            <p:ph type="sldNum" idx="12"/>
           </p:nvPr>
         </p:nvSpPr>
         <p:spPr>
@@ -4517,7 +4664,7 @@
           </a:prstGeom>
         </p:spPr>
         <p:txBody>
-          <a:bodyPr anchorCtr="0" anchor="ctr" bIns="91425" lIns="91425" spcFirstLastPara="1" rIns="91425" wrap="square" tIns="91425">
+          <a:bodyPr spcFirstLastPara="1" wrap="square" lIns="91425" tIns="91425" rIns="91425" bIns="91425" anchor="ctr" anchorCtr="0">
             <a:noAutofit/>
           </a:bodyPr>
           <a:lstStyle>
@@ -4559,7 +4706,7 @@
             </a:lvl9pPr>
           </a:lstStyle>
           <a:p>
-            <a:pPr indent="0" lvl="0" marL="0" rtl="0" algn="r">
+            <a:pPr marL="0" lvl="0" indent="0" algn="r" rtl="0">
               <a:spcBef>
                 <a:spcPts val="0"/>
               </a:spcBef>
@@ -4585,11 +4732,11 @@
 </file>
 
 <file path=ppt/slideLayouts/slideLayout8.xml><?xml version="1.0" encoding="utf-8"?>
-<p:sldLayout xmlns:a="http://schemas.openxmlformats.org/drawingml/2006/main" xmlns:r="http://schemas.openxmlformats.org/officeDocument/2006/relationships" xmlns:mc="http://schemas.openxmlformats.org/markup-compatibility/2006" xmlns:mv="urn:schemas-microsoft-com:mac:vml" xmlns:p="http://schemas.openxmlformats.org/presentationml/2006/main" xmlns:c="http://schemas.openxmlformats.org/drawingml/2006/chart" xmlns:dgm="http://schemas.openxmlformats.org/drawingml/2006/diagram" xmlns:o="urn:schemas-microsoft-com:office:office" xmlns:v="urn:schemas-microsoft-com:vml" xmlns:pvml="urn:schemas-microsoft-com:office:powerpoint" xmlns:com="http://schemas.openxmlformats.org/drawingml/2006/compatibility" xmlns:p14="http://schemas.microsoft.com/office/powerpoint/2010/main" xmlns:p15="http://schemas.microsoft.com/office/powerpoint/2012/main" matchingName="Section title and description">
+<p:sldLayout xmlns:a="http://schemas.openxmlformats.org/drawingml/2006/main" xmlns:r="http://schemas.openxmlformats.org/officeDocument/2006/relationships" xmlns:p="http://schemas.openxmlformats.org/presentationml/2006/main" matchingName="Section title and description">
   <p:cSld name="SECTION_TITLE_AND_DESCRIPTION">
     <p:spTree>
       <p:nvGrpSpPr>
-        <p:cNvPr id="35" name="Shape 35"/>
+        <p:cNvPr id="1" name="Shape 35"/>
         <p:cNvGrpSpPr/>
         <p:nvPr/>
       </p:nvGrpSpPr>
@@ -4623,23 +4770,20 @@
           </a:ln>
         </p:spPr>
         <p:txBody>
-          <a:bodyPr anchorCtr="0" anchor="ctr" bIns="91425" lIns="91425" spcFirstLastPara="1" rIns="91425" wrap="square" tIns="91425">
+          <a:bodyPr spcFirstLastPara="1" wrap="square" lIns="91425" tIns="91425" rIns="91425" bIns="91425" anchor="ctr" anchorCtr="0">
             <a:noAutofit/>
           </a:bodyPr>
           <a:lstStyle/>
           <a:p>
-            <a:pPr indent="0" lvl="0" marL="0" rtl="0" algn="l">
-              <a:spcBef>
-                <a:spcPts val="0"/>
-              </a:spcBef>
-              <a:spcAft>
-                <a:spcPts val="0"/>
-              </a:spcAft>
-              <a:buNone/>
-            </a:pPr>
-            <a:r>
-              <a:t/>
-            </a:r>
+            <a:pPr marL="0" lvl="0" indent="0" algn="l" rtl="0">
+              <a:spcBef>
+                <a:spcPts val="0"/>
+              </a:spcBef>
+              <a:spcAft>
+                <a:spcPts val="0"/>
+              </a:spcAft>
+              <a:buNone/>
+            </a:pPr>
             <a:endParaRPr/>
           </a:p>
         </p:txBody>
@@ -4647,7 +4791,9 @@
       <p:sp>
         <p:nvSpPr>
           <p:cNvPr id="37" name="Google Shape;37;p9"/>
-          <p:cNvSpPr txBox="1"/>
+          <p:cNvSpPr txBox="1">
+            <a:spLocks noGrp="1"/>
+          </p:cNvSpPr>
           <p:nvPr>
             <p:ph type="title"/>
           </p:nvPr>
@@ -4662,7 +4808,7 @@
           </a:prstGeom>
         </p:spPr>
         <p:txBody>
-          <a:bodyPr anchorCtr="0" anchor="b" bIns="91425" lIns="91425" spcFirstLastPara="1" rIns="91425" wrap="square" tIns="91425">
+          <a:bodyPr spcFirstLastPara="1" wrap="square" lIns="91425" tIns="91425" rIns="91425" bIns="91425" anchor="b" anchorCtr="0">
             <a:noAutofit/>
           </a:bodyPr>
           <a:lstStyle>
@@ -4766,15 +4912,19 @@
               <a:defRPr sz="4200"/>
             </a:lvl9pPr>
           </a:lstStyle>
-          <a:p/>
+          <a:p>
+            <a:endParaRPr/>
+          </a:p>
         </p:txBody>
       </p:sp>
       <p:sp>
         <p:nvSpPr>
           <p:cNvPr id="38" name="Google Shape;38;p9"/>
-          <p:cNvSpPr txBox="1"/>
+          <p:cNvSpPr txBox="1">
+            <a:spLocks noGrp="1"/>
+          </p:cNvSpPr>
           <p:nvPr>
-            <p:ph idx="1" type="subTitle"/>
+            <p:ph type="subTitle" idx="1"/>
           </p:nvPr>
         </p:nvSpPr>
         <p:spPr>
@@ -4787,7 +4937,7 @@
           </a:prstGeom>
         </p:spPr>
         <p:txBody>
-          <a:bodyPr anchorCtr="0" anchor="t" bIns="91425" lIns="91425" spcFirstLastPara="1" rIns="91425" wrap="square" tIns="91425">
+          <a:bodyPr spcFirstLastPara="1" wrap="square" lIns="91425" tIns="91425" rIns="91425" bIns="91425" anchor="t" anchorCtr="0">
             <a:noAutofit/>
           </a:bodyPr>
           <a:lstStyle>
@@ -4918,15 +5068,19 @@
               <a:defRPr sz="2100"/>
             </a:lvl9pPr>
           </a:lstStyle>
-          <a:p/>
+          <a:p>
+            <a:endParaRPr/>
+          </a:p>
         </p:txBody>
       </p:sp>
       <p:sp>
         <p:nvSpPr>
           <p:cNvPr id="39" name="Google Shape;39;p9"/>
-          <p:cNvSpPr txBox="1"/>
+          <p:cNvSpPr txBox="1">
+            <a:spLocks noGrp="1"/>
+          </p:cNvSpPr>
           <p:nvPr>
-            <p:ph idx="2" type="body"/>
+            <p:ph type="body" idx="2"/>
           </p:nvPr>
         </p:nvSpPr>
         <p:spPr>
@@ -4939,11 +5093,11 @@
           </a:prstGeom>
         </p:spPr>
         <p:txBody>
-          <a:bodyPr anchorCtr="0" anchor="ctr" bIns="91425" lIns="91425" spcFirstLastPara="1" rIns="91425" wrap="square" tIns="91425">
+          <a:bodyPr spcFirstLastPara="1" wrap="square" lIns="91425" tIns="91425" rIns="91425" bIns="91425" anchor="ctr" anchorCtr="0">
             <a:noAutofit/>
           </a:bodyPr>
           <a:lstStyle>
-            <a:lvl1pPr indent="-342900" lvl="0" marL="457200">
+            <a:lvl1pPr marL="457200" lvl="0" indent="-342900">
               <a:spcBef>
                 <a:spcPts val="0"/>
               </a:spcBef>
@@ -4954,7 +5108,7 @@
               <a:buChar char="●"/>
               <a:defRPr/>
             </a:lvl1pPr>
-            <a:lvl2pPr indent="-317500" lvl="1" marL="914400">
+            <a:lvl2pPr marL="914400" lvl="1" indent="-317500">
               <a:spcBef>
                 <a:spcPts val="1600"/>
               </a:spcBef>
@@ -4965,7 +5119,7 @@
               <a:buChar char="○"/>
               <a:defRPr/>
             </a:lvl2pPr>
-            <a:lvl3pPr indent="-317500" lvl="2" marL="1371600">
+            <a:lvl3pPr marL="1371600" lvl="2" indent="-317500">
               <a:spcBef>
                 <a:spcPts val="1600"/>
               </a:spcBef>
@@ -4976,7 +5130,7 @@
               <a:buChar char="■"/>
               <a:defRPr/>
             </a:lvl3pPr>
-            <a:lvl4pPr indent="-317500" lvl="3" marL="1828800">
+            <a:lvl4pPr marL="1828800" lvl="3" indent="-317500">
               <a:spcBef>
                 <a:spcPts val="1600"/>
               </a:spcBef>
@@ -4987,7 +5141,7 @@
               <a:buChar char="●"/>
               <a:defRPr/>
             </a:lvl4pPr>
-            <a:lvl5pPr indent="-317500" lvl="4" marL="2286000">
+            <a:lvl5pPr marL="2286000" lvl="4" indent="-317500">
               <a:spcBef>
                 <a:spcPts val="1600"/>
               </a:spcBef>
@@ -4998,7 +5152,7 @@
               <a:buChar char="○"/>
               <a:defRPr/>
             </a:lvl5pPr>
-            <a:lvl6pPr indent="-317500" lvl="5" marL="2743200">
+            <a:lvl6pPr marL="2743200" lvl="5" indent="-317500">
               <a:spcBef>
                 <a:spcPts val="1600"/>
               </a:spcBef>
@@ -5009,7 +5163,7 @@
               <a:buChar char="■"/>
               <a:defRPr/>
             </a:lvl6pPr>
-            <a:lvl7pPr indent="-317500" lvl="6" marL="3200400">
+            <a:lvl7pPr marL="3200400" lvl="6" indent="-317500">
               <a:spcBef>
                 <a:spcPts val="1600"/>
               </a:spcBef>
@@ -5020,7 +5174,7 @@
               <a:buChar char="●"/>
               <a:defRPr/>
             </a:lvl7pPr>
-            <a:lvl8pPr indent="-317500" lvl="7" marL="3657600">
+            <a:lvl8pPr marL="3657600" lvl="7" indent="-317500">
               <a:spcBef>
                 <a:spcPts val="1600"/>
               </a:spcBef>
@@ -5031,7 +5185,7 @@
               <a:buChar char="○"/>
               <a:defRPr/>
             </a:lvl8pPr>
-            <a:lvl9pPr indent="-317500" lvl="8" marL="4114800">
+            <a:lvl9pPr marL="4114800" lvl="8" indent="-317500">
               <a:spcBef>
                 <a:spcPts val="1600"/>
               </a:spcBef>
@@ -5043,15 +5197,19 @@
               <a:defRPr/>
             </a:lvl9pPr>
           </a:lstStyle>
-          <a:p/>
+          <a:p>
+            <a:endParaRPr/>
+          </a:p>
         </p:txBody>
       </p:sp>
       <p:sp>
         <p:nvSpPr>
           <p:cNvPr id="40" name="Google Shape;40;p9"/>
-          <p:cNvSpPr txBox="1"/>
+          <p:cNvSpPr txBox="1">
+            <a:spLocks noGrp="1"/>
+          </p:cNvSpPr>
           <p:nvPr>
-            <p:ph idx="12" type="sldNum"/>
+            <p:ph type="sldNum" idx="12"/>
           </p:nvPr>
         </p:nvSpPr>
         <p:spPr>
@@ -5064,7 +5222,7 @@
           </a:prstGeom>
         </p:spPr>
         <p:txBody>
-          <a:bodyPr anchorCtr="0" anchor="ctr" bIns="91425" lIns="91425" spcFirstLastPara="1" rIns="91425" wrap="square" tIns="91425">
+          <a:bodyPr spcFirstLastPara="1" wrap="square" lIns="91425" tIns="91425" rIns="91425" bIns="91425" anchor="ctr" anchorCtr="0">
             <a:noAutofit/>
           </a:bodyPr>
           <a:lstStyle>
@@ -5106,7 +5264,7 @@
             </a:lvl9pPr>
           </a:lstStyle>
           <a:p>
-            <a:pPr indent="0" lvl="0" marL="0" rtl="0" algn="r">
+            <a:pPr marL="0" lvl="0" indent="0" algn="r" rtl="0">
               <a:spcBef>
                 <a:spcPts val="0"/>
               </a:spcBef>
@@ -5132,11 +5290,11 @@
 </file>
 
 <file path=ppt/slideLayouts/slideLayout9.xml><?xml version="1.0" encoding="utf-8"?>
-<p:sldLayout xmlns:a="http://schemas.openxmlformats.org/drawingml/2006/main" xmlns:r="http://schemas.openxmlformats.org/officeDocument/2006/relationships" xmlns:mc="http://schemas.openxmlformats.org/markup-compatibility/2006" xmlns:mv="urn:schemas-microsoft-com:mac:vml" xmlns:p="http://schemas.openxmlformats.org/presentationml/2006/main" xmlns:c="http://schemas.openxmlformats.org/drawingml/2006/chart" xmlns:dgm="http://schemas.openxmlformats.org/drawingml/2006/diagram" xmlns:o="urn:schemas-microsoft-com:office:office" xmlns:v="urn:schemas-microsoft-com:vml" xmlns:pvml="urn:schemas-microsoft-com:office:powerpoint" xmlns:com="http://schemas.openxmlformats.org/drawingml/2006/compatibility" xmlns:p14="http://schemas.microsoft.com/office/powerpoint/2010/main" xmlns:p15="http://schemas.microsoft.com/office/powerpoint/2012/main" matchingName="Caption">
+<p:sldLayout xmlns:a="http://schemas.openxmlformats.org/drawingml/2006/main" xmlns:r="http://schemas.openxmlformats.org/officeDocument/2006/relationships" xmlns:p="http://schemas.openxmlformats.org/presentationml/2006/main" matchingName="Caption">
   <p:cSld name="CAPTION_ONLY">
     <p:spTree>
       <p:nvGrpSpPr>
-        <p:cNvPr id="41" name="Shape 41"/>
+        <p:cNvPr id="1" name="Shape 41"/>
         <p:cNvGrpSpPr/>
         <p:nvPr/>
       </p:nvGrpSpPr>
@@ -5151,9 +5309,11 @@
       <p:sp>
         <p:nvSpPr>
           <p:cNvPr id="42" name="Google Shape;42;p10"/>
-          <p:cNvSpPr txBox="1"/>
+          <p:cNvSpPr txBox="1">
+            <a:spLocks noGrp="1"/>
+          </p:cNvSpPr>
           <p:nvPr>
-            <p:ph idx="1" type="body"/>
+            <p:ph type="body" idx="1"/>
           </p:nvPr>
         </p:nvSpPr>
         <p:spPr>
@@ -5166,11 +5326,11 @@
           </a:prstGeom>
         </p:spPr>
         <p:txBody>
-          <a:bodyPr anchorCtr="0" anchor="ctr" bIns="91425" lIns="91425" spcFirstLastPara="1" rIns="91425" wrap="square" tIns="91425">
+          <a:bodyPr spcFirstLastPara="1" wrap="square" lIns="91425" tIns="91425" rIns="91425" bIns="91425" anchor="ctr" anchorCtr="0">
             <a:noAutofit/>
           </a:bodyPr>
           <a:lstStyle>
-            <a:lvl1pPr indent="-228600" lvl="0" marL="457200">
+            <a:lvl1pPr marL="457200" lvl="0" indent="-228600">
               <a:lnSpc>
                 <a:spcPct val="100000"/>
               </a:lnSpc>
@@ -5185,15 +5345,19 @@
               <a:defRPr/>
             </a:lvl1pPr>
           </a:lstStyle>
-          <a:p/>
+          <a:p>
+            <a:endParaRPr/>
+          </a:p>
         </p:txBody>
       </p:sp>
       <p:sp>
         <p:nvSpPr>
           <p:cNvPr id="43" name="Google Shape;43;p10"/>
-          <p:cNvSpPr txBox="1"/>
+          <p:cNvSpPr txBox="1">
+            <a:spLocks noGrp="1"/>
+          </p:cNvSpPr>
           <p:nvPr>
-            <p:ph idx="12" type="sldNum"/>
+            <p:ph type="sldNum" idx="12"/>
           </p:nvPr>
         </p:nvSpPr>
         <p:spPr>
@@ -5206,7 +5370,7 @@
           </a:prstGeom>
         </p:spPr>
         <p:txBody>
-          <a:bodyPr anchorCtr="0" anchor="ctr" bIns="91425" lIns="91425" spcFirstLastPara="1" rIns="91425" wrap="square" tIns="91425">
+          <a:bodyPr spcFirstLastPara="1" wrap="square" lIns="91425" tIns="91425" rIns="91425" bIns="91425" anchor="ctr" anchorCtr="0">
             <a:noAutofit/>
           </a:bodyPr>
           <a:lstStyle>
@@ -5248,7 +5412,7 @@
             </a:lvl9pPr>
           </a:lstStyle>
           <a:p>
-            <a:pPr indent="0" lvl="0" marL="0" rtl="0" algn="r">
+            <a:pPr marL="0" lvl="0" indent="0" algn="r" rtl="0">
               <a:spcBef>
                 <a:spcPts val="0"/>
               </a:spcBef>
@@ -5274,18 +5438,19 @@
 </file>
 
 <file path=ppt/slideMasters/slideMaster1.xml><?xml version="1.0" encoding="utf-8"?>
-<p:sldMaster xmlns:a="http://schemas.openxmlformats.org/drawingml/2006/main" xmlns:r="http://schemas.openxmlformats.org/officeDocument/2006/relationships" xmlns:mc="http://schemas.openxmlformats.org/markup-compatibility/2006" xmlns:mv="urn:schemas-microsoft-com:mac:vml" xmlns:p="http://schemas.openxmlformats.org/presentationml/2006/main" xmlns:c="http://schemas.openxmlformats.org/drawingml/2006/chart" xmlns:dgm="http://schemas.openxmlformats.org/drawingml/2006/diagram" xmlns:o="urn:schemas-microsoft-com:office:office" xmlns:v="urn:schemas-microsoft-com:vml" xmlns:pvml="urn:schemas-microsoft-com:office:powerpoint" xmlns:com="http://schemas.openxmlformats.org/drawingml/2006/compatibility" xmlns:p14="http://schemas.microsoft.com/office/powerpoint/2010/main" xmlns:p15="http://schemas.microsoft.com/office/powerpoint/2012/main">
+<p:sldMaster xmlns:a="http://schemas.openxmlformats.org/drawingml/2006/main" xmlns:r="http://schemas.openxmlformats.org/officeDocument/2006/relationships" xmlns:p="http://schemas.openxmlformats.org/presentationml/2006/main">
   <p:cSld name="simple-light-2">
     <p:bg>
       <p:bgPr>
         <a:solidFill>
           <a:schemeClr val="lt1"/>
         </a:solidFill>
+        <a:effectLst/>
       </p:bgPr>
     </p:bg>
     <p:spTree>
       <p:nvGrpSpPr>
-        <p:cNvPr id="5" name="Shape 5"/>
+        <p:cNvPr id="1" name="Shape 5"/>
         <p:cNvGrpSpPr/>
         <p:nvPr/>
       </p:nvGrpSpPr>
@@ -5300,7 +5465,9 @@
       <p:sp>
         <p:nvSpPr>
           <p:cNvPr id="6" name="Google Shape;6;p1"/>
-          <p:cNvSpPr txBox="1"/>
+          <p:cNvSpPr txBox="1">
+            <a:spLocks noGrp="1"/>
+          </p:cNvSpPr>
           <p:nvPr>
             <p:ph type="title"/>
           </p:nvPr>
@@ -5319,7 +5486,7 @@
           </a:ln>
         </p:spPr>
         <p:txBody>
-          <a:bodyPr anchorCtr="0" anchor="t" bIns="91425" lIns="91425" spcFirstLastPara="1" rIns="91425" wrap="square" tIns="91425">
+          <a:bodyPr spcFirstLastPara="1" wrap="square" lIns="91425" tIns="91425" rIns="91425" bIns="91425" anchor="t" anchorCtr="0">
             <a:noAutofit/>
           </a:bodyPr>
           <a:lstStyle>
@@ -5486,15 +5653,19 @@
               </a:defRPr>
             </a:lvl9pPr>
           </a:lstStyle>
-          <a:p/>
+          <a:p>
+            <a:endParaRPr/>
+          </a:p>
         </p:txBody>
       </p:sp>
       <p:sp>
         <p:nvSpPr>
           <p:cNvPr id="7" name="Google Shape;7;p1"/>
-          <p:cNvSpPr txBox="1"/>
+          <p:cNvSpPr txBox="1">
+            <a:spLocks noGrp="1"/>
+          </p:cNvSpPr>
           <p:nvPr>
-            <p:ph idx="1" type="body"/>
+            <p:ph type="body" idx="1"/>
           </p:nvPr>
         </p:nvSpPr>
         <p:spPr>
@@ -5511,11 +5682,11 @@
           </a:ln>
         </p:spPr>
         <p:txBody>
-          <a:bodyPr anchorCtr="0" anchor="t" bIns="91425" lIns="91425" spcFirstLastPara="1" rIns="91425" wrap="square" tIns="91425">
+          <a:bodyPr spcFirstLastPara="1" wrap="square" lIns="91425" tIns="91425" rIns="91425" bIns="91425" anchor="t" anchorCtr="0">
             <a:noAutofit/>
           </a:bodyPr>
           <a:lstStyle>
-            <a:lvl1pPr indent="-342900" lvl="0" marL="457200">
+            <a:lvl1pPr marL="457200" lvl="0" indent="-342900">
               <a:lnSpc>
                 <a:spcPct val="115000"/>
               </a:lnSpc>
@@ -5536,7 +5707,7 @@
                 </a:solidFill>
               </a:defRPr>
             </a:lvl1pPr>
-            <a:lvl2pPr indent="-317500" lvl="1" marL="914400">
+            <a:lvl2pPr marL="914400" lvl="1" indent="-317500">
               <a:lnSpc>
                 <a:spcPct val="115000"/>
               </a:lnSpc>
@@ -5557,7 +5728,7 @@
                 </a:solidFill>
               </a:defRPr>
             </a:lvl2pPr>
-            <a:lvl3pPr indent="-317500" lvl="2" marL="1371600">
+            <a:lvl3pPr marL="1371600" lvl="2" indent="-317500">
               <a:lnSpc>
                 <a:spcPct val="115000"/>
               </a:lnSpc>
@@ -5578,7 +5749,7 @@
                 </a:solidFill>
               </a:defRPr>
             </a:lvl3pPr>
-            <a:lvl4pPr indent="-317500" lvl="3" marL="1828800">
+            <a:lvl4pPr marL="1828800" lvl="3" indent="-317500">
               <a:lnSpc>
                 <a:spcPct val="115000"/>
               </a:lnSpc>
@@ -5599,7 +5770,7 @@
                 </a:solidFill>
               </a:defRPr>
             </a:lvl4pPr>
-            <a:lvl5pPr indent="-317500" lvl="4" marL="2286000">
+            <a:lvl5pPr marL="2286000" lvl="4" indent="-317500">
               <a:lnSpc>
                 <a:spcPct val="115000"/>
               </a:lnSpc>
@@ -5620,7 +5791,7 @@
                 </a:solidFill>
               </a:defRPr>
             </a:lvl5pPr>
-            <a:lvl6pPr indent="-317500" lvl="5" marL="2743200">
+            <a:lvl6pPr marL="2743200" lvl="5" indent="-317500">
               <a:lnSpc>
                 <a:spcPct val="115000"/>
               </a:lnSpc>
@@ -5641,7 +5812,7 @@
                 </a:solidFill>
               </a:defRPr>
             </a:lvl6pPr>
-            <a:lvl7pPr indent="-317500" lvl="6" marL="3200400">
+            <a:lvl7pPr marL="3200400" lvl="6" indent="-317500">
               <a:lnSpc>
                 <a:spcPct val="115000"/>
               </a:lnSpc>
@@ -5662,7 +5833,7 @@
                 </a:solidFill>
               </a:defRPr>
             </a:lvl7pPr>
-            <a:lvl8pPr indent="-317500" lvl="7" marL="3657600">
+            <a:lvl8pPr marL="3657600" lvl="7" indent="-317500">
               <a:lnSpc>
                 <a:spcPct val="115000"/>
               </a:lnSpc>
@@ -5683,7 +5854,7 @@
                 </a:solidFill>
               </a:defRPr>
             </a:lvl8pPr>
-            <a:lvl9pPr indent="-317500" lvl="8" marL="4114800">
+            <a:lvl9pPr marL="4114800" lvl="8" indent="-317500">
               <a:lnSpc>
                 <a:spcPct val="115000"/>
               </a:lnSpc>
@@ -5705,15 +5876,19 @@
               </a:defRPr>
             </a:lvl9pPr>
           </a:lstStyle>
-          <a:p/>
+          <a:p>
+            <a:endParaRPr/>
+          </a:p>
         </p:txBody>
       </p:sp>
       <p:sp>
         <p:nvSpPr>
           <p:cNvPr id="8" name="Google Shape;8;p1"/>
-          <p:cNvSpPr txBox="1"/>
+          <p:cNvSpPr txBox="1">
+            <a:spLocks noGrp="1"/>
+          </p:cNvSpPr>
           <p:nvPr>
-            <p:ph idx="12" type="sldNum"/>
+            <p:ph type="sldNum" idx="12"/>
           </p:nvPr>
         </p:nvSpPr>
         <p:spPr>
@@ -5730,7 +5905,7 @@
           </a:ln>
         </p:spPr>
         <p:txBody>
-          <a:bodyPr anchorCtr="0" anchor="ctr" bIns="91425" lIns="91425" spcFirstLastPara="1" rIns="91425" wrap="square" tIns="91425">
+          <a:bodyPr spcFirstLastPara="1" wrap="square" lIns="91425" tIns="91425" rIns="91425" bIns="91425" anchor="ctr" anchorCtr="0">
             <a:noAutofit/>
           </a:bodyPr>
           <a:lstStyle>
@@ -5808,7 +5983,7 @@
             </a:lvl9pPr>
           </a:lstStyle>
           <a:p>
-            <a:pPr indent="0" lvl="0" marL="0" rtl="0" algn="r">
+            <a:pPr marL="0" lvl="0" indent="0" algn="r" rtl="0">
               <a:spcBef>
                 <a:spcPts val="0"/>
               </a:spcBef>
@@ -5827,7 +6002,7 @@
       </p:sp>
     </p:spTree>
   </p:cSld>
-  <p:clrMap accent1="accent1" accent2="accent2" accent3="accent3" accent4="accent4" accent5="accent5" accent6="accent6" bg1="lt1" bg2="dk2" tx1="dk1" tx2="lt2" folHlink="folHlink" hlink="hlink"/>
+  <p:clrMap bg1="lt1" tx1="dk1" bg2="dk2" tx2="lt2" accent1="accent1" accent2="accent2" accent3="accent3" accent4="accent4" accent5="accent5" accent6="accent6" hlink="hlink" folHlink="folHlink"/>
   <p:sldLayoutIdLst>
     <p:sldLayoutId id="2147483648" r:id="rId1"/>
     <p:sldLayoutId id="2147483649" r:id="rId2"/>
@@ -5841,10 +6016,10 @@
     <p:sldLayoutId id="2147483657" r:id="rId10"/>
     <p:sldLayoutId id="2147483658" r:id="rId11"/>
   </p:sldLayoutIdLst>
-  <p:hf dt="0" ftr="0" hdr="0" sldNum="0"/>
+  <p:hf sldNum="0" hdr="0" ftr="0" dt="0"/>
   <p:txStyles>
     <p:titleStyle>
-      <a:defPPr lvl="0" marR="0" rtl="0" algn="l">
+      <a:defPPr marR="0" lvl="0" algn="l" rtl="0">
         <a:lnSpc>
           <a:spcPct val="100000"/>
         </a:lnSpc>
@@ -5855,7 +6030,7 @@
           <a:spcPts val="0"/>
         </a:spcAft>
       </a:defPPr>
-      <a:lvl1pPr lvl="0" marR="0" rtl="0" algn="l">
+      <a:lvl1pPr marR="0" lvl="0" algn="l" rtl="0">
         <a:lnSpc>
           <a:spcPct val="100000"/>
         </a:lnSpc>
@@ -5869,7 +6044,7 @@
           <a:srgbClr val="000000"/>
         </a:buClr>
         <a:buFont typeface="Arial"/>
-        <a:defRPr b="0" i="0" sz="1400" u="none" cap="none" strike="noStrike">
+        <a:defRPr sz="1400" b="0" i="0" u="none" strike="noStrike" cap="none">
           <a:solidFill>
             <a:srgbClr val="000000"/>
           </a:solidFill>
@@ -5879,7 +6054,7 @@
           <a:sym typeface="Arial"/>
         </a:defRPr>
       </a:lvl1pPr>
-      <a:lvl2pPr lvl="1" marR="0" rtl="0" algn="l">
+      <a:lvl2pPr marR="0" lvl="1" algn="l" rtl="0">
         <a:lnSpc>
           <a:spcPct val="100000"/>
         </a:lnSpc>
@@ -5893,7 +6068,7 @@
           <a:srgbClr val="000000"/>
         </a:buClr>
         <a:buFont typeface="Arial"/>
-        <a:defRPr b="0" i="0" sz="1400" u="none" cap="none" strike="noStrike">
+        <a:defRPr sz="1400" b="0" i="0" u="none" strike="noStrike" cap="none">
           <a:solidFill>
             <a:srgbClr val="000000"/>
           </a:solidFill>
@@ -5903,7 +6078,7 @@
           <a:sym typeface="Arial"/>
         </a:defRPr>
       </a:lvl2pPr>
-      <a:lvl3pPr lvl="2" marR="0" rtl="0" algn="l">
+      <a:lvl3pPr marR="0" lvl="2" algn="l" rtl="0">
         <a:lnSpc>
           <a:spcPct val="100000"/>
         </a:lnSpc>
@@ -5917,7 +6092,7 @@
           <a:srgbClr val="000000"/>
         </a:buClr>
         <a:buFont typeface="Arial"/>
-        <a:defRPr b="0" i="0" sz="1400" u="none" cap="none" strike="noStrike">
+        <a:defRPr sz="1400" b="0" i="0" u="none" strike="noStrike" cap="none">
           <a:solidFill>
             <a:srgbClr val="000000"/>
           </a:solidFill>
@@ -5927,7 +6102,7 @@
           <a:sym typeface="Arial"/>
         </a:defRPr>
       </a:lvl3pPr>
-      <a:lvl4pPr lvl="3" marR="0" rtl="0" algn="l">
+      <a:lvl4pPr marR="0" lvl="3" algn="l" rtl="0">
         <a:lnSpc>
           <a:spcPct val="100000"/>
         </a:lnSpc>
@@ -5941,7 +6116,7 @@
           <a:srgbClr val="000000"/>
         </a:buClr>
         <a:buFont typeface="Arial"/>
-        <a:defRPr b="0" i="0" sz="1400" u="none" cap="none" strike="noStrike">
+        <a:defRPr sz="1400" b="0" i="0" u="none" strike="noStrike" cap="none">
           <a:solidFill>
             <a:srgbClr val="000000"/>
           </a:solidFill>
@@ -5951,7 +6126,7 @@
           <a:sym typeface="Arial"/>
         </a:defRPr>
       </a:lvl4pPr>
-      <a:lvl5pPr lvl="4" marR="0" rtl="0" algn="l">
+      <a:lvl5pPr marR="0" lvl="4" algn="l" rtl="0">
         <a:lnSpc>
           <a:spcPct val="100000"/>
         </a:lnSpc>
@@ -5965,7 +6140,7 @@
           <a:srgbClr val="000000"/>
         </a:buClr>
         <a:buFont typeface="Arial"/>
-        <a:defRPr b="0" i="0" sz="1400" u="none" cap="none" strike="noStrike">
+        <a:defRPr sz="1400" b="0" i="0" u="none" strike="noStrike" cap="none">
           <a:solidFill>
             <a:srgbClr val="000000"/>
           </a:solidFill>
@@ -5975,7 +6150,7 @@
           <a:sym typeface="Arial"/>
         </a:defRPr>
       </a:lvl5pPr>
-      <a:lvl6pPr lvl="5" marR="0" rtl="0" algn="l">
+      <a:lvl6pPr marR="0" lvl="5" algn="l" rtl="0">
         <a:lnSpc>
           <a:spcPct val="100000"/>
         </a:lnSpc>
@@ -5989,7 +6164,7 @@
           <a:srgbClr val="000000"/>
         </a:buClr>
         <a:buFont typeface="Arial"/>
-        <a:defRPr b="0" i="0" sz="1400" u="none" cap="none" strike="noStrike">
+        <a:defRPr sz="1400" b="0" i="0" u="none" strike="noStrike" cap="none">
           <a:solidFill>
             <a:srgbClr val="000000"/>
           </a:solidFill>
@@ -5999,7 +6174,7 @@
           <a:sym typeface="Arial"/>
         </a:defRPr>
       </a:lvl6pPr>
-      <a:lvl7pPr lvl="6" marR="0" rtl="0" algn="l">
+      <a:lvl7pPr marR="0" lvl="6" algn="l" rtl="0">
         <a:lnSpc>
           <a:spcPct val="100000"/>
         </a:lnSpc>
@@ -6013,7 +6188,7 @@
           <a:srgbClr val="000000"/>
         </a:buClr>
         <a:buFont typeface="Arial"/>
-        <a:defRPr b="0" i="0" sz="1400" u="none" cap="none" strike="noStrike">
+        <a:defRPr sz="1400" b="0" i="0" u="none" strike="noStrike" cap="none">
           <a:solidFill>
             <a:srgbClr val="000000"/>
           </a:solidFill>
@@ -6023,7 +6198,7 @@
           <a:sym typeface="Arial"/>
         </a:defRPr>
       </a:lvl7pPr>
-      <a:lvl8pPr lvl="7" marR="0" rtl="0" algn="l">
+      <a:lvl8pPr marR="0" lvl="7" algn="l" rtl="0">
         <a:lnSpc>
           <a:spcPct val="100000"/>
         </a:lnSpc>
@@ -6037,7 +6212,7 @@
           <a:srgbClr val="000000"/>
         </a:buClr>
         <a:buFont typeface="Arial"/>
-        <a:defRPr b="0" i="0" sz="1400" u="none" cap="none" strike="noStrike">
+        <a:defRPr sz="1400" b="0" i="0" u="none" strike="noStrike" cap="none">
           <a:solidFill>
             <a:srgbClr val="000000"/>
           </a:solidFill>
@@ -6047,7 +6222,7 @@
           <a:sym typeface="Arial"/>
         </a:defRPr>
       </a:lvl8pPr>
-      <a:lvl9pPr lvl="8" marR="0" rtl="0" algn="l">
+      <a:lvl9pPr marR="0" lvl="8" algn="l" rtl="0">
         <a:lnSpc>
           <a:spcPct val="100000"/>
         </a:lnSpc>
@@ -6061,7 +6236,7 @@
           <a:srgbClr val="000000"/>
         </a:buClr>
         <a:buFont typeface="Arial"/>
-        <a:defRPr b="0" i="0" sz="1400" u="none" cap="none" strike="noStrike">
+        <a:defRPr sz="1400" b="0" i="0" u="none" strike="noStrike" cap="none">
           <a:solidFill>
             <a:srgbClr val="000000"/>
           </a:solidFill>
@@ -6073,7 +6248,7 @@
       </a:lvl9pPr>
     </p:titleStyle>
     <p:bodyStyle>
-      <a:defPPr lvl="0" marR="0" rtl="0" algn="l">
+      <a:defPPr marR="0" lvl="0" algn="l" rtl="0">
         <a:lnSpc>
           <a:spcPct val="100000"/>
         </a:lnSpc>
@@ -6084,7 +6259,7 @@
           <a:spcPts val="0"/>
         </a:spcAft>
       </a:defPPr>
-      <a:lvl1pPr lvl="0" marR="0" rtl="0" algn="l">
+      <a:lvl1pPr marR="0" lvl="0" algn="l" rtl="0">
         <a:lnSpc>
           <a:spcPct val="100000"/>
         </a:lnSpc>
@@ -6098,7 +6273,7 @@
           <a:srgbClr val="000000"/>
         </a:buClr>
         <a:buFont typeface="Arial"/>
-        <a:defRPr b="0" i="0" sz="1400" u="none" cap="none" strike="noStrike">
+        <a:defRPr sz="1400" b="0" i="0" u="none" strike="noStrike" cap="none">
           <a:solidFill>
             <a:srgbClr val="000000"/>
           </a:solidFill>
@@ -6108,7 +6283,7 @@
           <a:sym typeface="Arial"/>
         </a:defRPr>
       </a:lvl1pPr>
-      <a:lvl2pPr lvl="1" marR="0" rtl="0" algn="l">
+      <a:lvl2pPr marR="0" lvl="1" algn="l" rtl="0">
         <a:lnSpc>
           <a:spcPct val="100000"/>
         </a:lnSpc>
@@ -6122,7 +6297,7 @@
           <a:srgbClr val="000000"/>
         </a:buClr>
         <a:buFont typeface="Arial"/>
-        <a:defRPr b="0" i="0" sz="1400" u="none" cap="none" strike="noStrike">
+        <a:defRPr sz="1400" b="0" i="0" u="none" strike="noStrike" cap="none">
           <a:solidFill>
             <a:srgbClr val="000000"/>
           </a:solidFill>
@@ -6132,7 +6307,7 @@
           <a:sym typeface="Arial"/>
         </a:defRPr>
       </a:lvl2pPr>
-      <a:lvl3pPr lvl="2" marR="0" rtl="0" algn="l">
+      <a:lvl3pPr marR="0" lvl="2" algn="l" rtl="0">
         <a:lnSpc>
           <a:spcPct val="100000"/>
         </a:lnSpc>
@@ -6146,7 +6321,7 @@
           <a:srgbClr val="000000"/>
         </a:buClr>
         <a:buFont typeface="Arial"/>
-        <a:defRPr b="0" i="0" sz="1400" u="none" cap="none" strike="noStrike">
+        <a:defRPr sz="1400" b="0" i="0" u="none" strike="noStrike" cap="none">
           <a:solidFill>
             <a:srgbClr val="000000"/>
           </a:solidFill>
@@ -6156,7 +6331,7 @@
           <a:sym typeface="Arial"/>
         </a:defRPr>
       </a:lvl3pPr>
-      <a:lvl4pPr lvl="3" marR="0" rtl="0" algn="l">
+      <a:lvl4pPr marR="0" lvl="3" algn="l" rtl="0">
         <a:lnSpc>
           <a:spcPct val="100000"/>
         </a:lnSpc>
@@ -6170,7 +6345,7 @@
           <a:srgbClr val="000000"/>
         </a:buClr>
         <a:buFont typeface="Arial"/>
-        <a:defRPr b="0" i="0" sz="1400" u="none" cap="none" strike="noStrike">
+        <a:defRPr sz="1400" b="0" i="0" u="none" strike="noStrike" cap="none">
           <a:solidFill>
             <a:srgbClr val="000000"/>
           </a:solidFill>
@@ -6180,7 +6355,7 @@
           <a:sym typeface="Arial"/>
         </a:defRPr>
       </a:lvl4pPr>
-      <a:lvl5pPr lvl="4" marR="0" rtl="0" algn="l">
+      <a:lvl5pPr marR="0" lvl="4" algn="l" rtl="0">
         <a:lnSpc>
           <a:spcPct val="100000"/>
         </a:lnSpc>
@@ -6194,7 +6369,7 @@
           <a:srgbClr val="000000"/>
         </a:buClr>
         <a:buFont typeface="Arial"/>
-        <a:defRPr b="0" i="0" sz="1400" u="none" cap="none" strike="noStrike">
+        <a:defRPr sz="1400" b="0" i="0" u="none" strike="noStrike" cap="none">
           <a:solidFill>
             <a:srgbClr val="000000"/>
           </a:solidFill>
@@ -6204,7 +6379,7 @@
           <a:sym typeface="Arial"/>
         </a:defRPr>
       </a:lvl5pPr>
-      <a:lvl6pPr lvl="5" marR="0" rtl="0" algn="l">
+      <a:lvl6pPr marR="0" lvl="5" algn="l" rtl="0">
         <a:lnSpc>
           <a:spcPct val="100000"/>
         </a:lnSpc>
@@ -6218,7 +6393,7 @@
           <a:srgbClr val="000000"/>
         </a:buClr>
         <a:buFont typeface="Arial"/>
-        <a:defRPr b="0" i="0" sz="1400" u="none" cap="none" strike="noStrike">
+        <a:defRPr sz="1400" b="0" i="0" u="none" strike="noStrike" cap="none">
           <a:solidFill>
             <a:srgbClr val="000000"/>
           </a:solidFill>
@@ -6228,7 +6403,7 @@
           <a:sym typeface="Arial"/>
         </a:defRPr>
       </a:lvl6pPr>
-      <a:lvl7pPr lvl="6" marR="0" rtl="0" algn="l">
+      <a:lvl7pPr marR="0" lvl="6" algn="l" rtl="0">
         <a:lnSpc>
           <a:spcPct val="100000"/>
         </a:lnSpc>
@@ -6242,7 +6417,7 @@
           <a:srgbClr val="000000"/>
         </a:buClr>
         <a:buFont typeface="Arial"/>
-        <a:defRPr b="0" i="0" sz="1400" u="none" cap="none" strike="noStrike">
+        <a:defRPr sz="1400" b="0" i="0" u="none" strike="noStrike" cap="none">
           <a:solidFill>
             <a:srgbClr val="000000"/>
           </a:solidFill>
@@ -6252,7 +6427,7 @@
           <a:sym typeface="Arial"/>
         </a:defRPr>
       </a:lvl7pPr>
-      <a:lvl8pPr lvl="7" marR="0" rtl="0" algn="l">
+      <a:lvl8pPr marR="0" lvl="7" algn="l" rtl="0">
         <a:lnSpc>
           <a:spcPct val="100000"/>
         </a:lnSpc>
@@ -6266,7 +6441,7 @@
           <a:srgbClr val="000000"/>
         </a:buClr>
         <a:buFont typeface="Arial"/>
-        <a:defRPr b="0" i="0" sz="1400" u="none" cap="none" strike="noStrike">
+        <a:defRPr sz="1400" b="0" i="0" u="none" strike="noStrike" cap="none">
           <a:solidFill>
             <a:srgbClr val="000000"/>
           </a:solidFill>
@@ -6276,7 +6451,7 @@
           <a:sym typeface="Arial"/>
         </a:defRPr>
       </a:lvl8pPr>
-      <a:lvl9pPr lvl="8" marR="0" rtl="0" algn="l">
+      <a:lvl9pPr marR="0" lvl="8" algn="l" rtl="0">
         <a:lnSpc>
           <a:spcPct val="100000"/>
         </a:lnSpc>
@@ -6290,7 +6465,7 @@
           <a:srgbClr val="000000"/>
         </a:buClr>
         <a:buFont typeface="Arial"/>
-        <a:defRPr b="0" i="0" sz="1400" u="none" cap="none" strike="noStrike">
+        <a:defRPr sz="1400" b="0" i="0" u="none" strike="noStrike" cap="none">
           <a:solidFill>
             <a:srgbClr val="000000"/>
           </a:solidFill>
@@ -6302,7 +6477,7 @@
       </a:lvl9pPr>
     </p:bodyStyle>
     <p:otherStyle>
-      <a:defPPr lvl="0" marR="0" rtl="0" algn="l">
+      <a:defPPr marR="0" lvl="0" algn="l" rtl="0">
         <a:lnSpc>
           <a:spcPct val="100000"/>
         </a:lnSpc>
@@ -6313,7 +6488,7 @@
           <a:spcPts val="0"/>
         </a:spcAft>
       </a:defPPr>
-      <a:lvl1pPr lvl="0" marR="0" rtl="0" algn="l">
+      <a:lvl1pPr marR="0" lvl="0" algn="l" rtl="0">
         <a:lnSpc>
           <a:spcPct val="100000"/>
         </a:lnSpc>
@@ -6327,7 +6502,7 @@
           <a:srgbClr val="000000"/>
         </a:buClr>
         <a:buFont typeface="Arial"/>
-        <a:defRPr b="0" i="0" sz="1400" u="none" cap="none" strike="noStrike">
+        <a:defRPr sz="1400" b="0" i="0" u="none" strike="noStrike" cap="none">
           <a:solidFill>
             <a:srgbClr val="000000"/>
           </a:solidFill>
@@ -6337,7 +6512,7 @@
           <a:sym typeface="Arial"/>
         </a:defRPr>
       </a:lvl1pPr>
-      <a:lvl2pPr lvl="1" marR="0" rtl="0" algn="l">
+      <a:lvl2pPr marR="0" lvl="1" algn="l" rtl="0">
         <a:lnSpc>
           <a:spcPct val="100000"/>
         </a:lnSpc>
@@ -6351,7 +6526,7 @@
           <a:srgbClr val="000000"/>
         </a:buClr>
         <a:buFont typeface="Arial"/>
-        <a:defRPr b="0" i="0" sz="1400" u="none" cap="none" strike="noStrike">
+        <a:defRPr sz="1400" b="0" i="0" u="none" strike="noStrike" cap="none">
           <a:solidFill>
             <a:srgbClr val="000000"/>
           </a:solidFill>
@@ -6361,7 +6536,7 @@
           <a:sym typeface="Arial"/>
         </a:defRPr>
       </a:lvl2pPr>
-      <a:lvl3pPr lvl="2" marR="0" rtl="0" algn="l">
+      <a:lvl3pPr marR="0" lvl="2" algn="l" rtl="0">
         <a:lnSpc>
           <a:spcPct val="100000"/>
         </a:lnSpc>
@@ -6375,7 +6550,7 @@
           <a:srgbClr val="000000"/>
         </a:buClr>
         <a:buFont typeface="Arial"/>
-        <a:defRPr b="0" i="0" sz="1400" u="none" cap="none" strike="noStrike">
+        <a:defRPr sz="1400" b="0" i="0" u="none" strike="noStrike" cap="none">
           <a:solidFill>
             <a:srgbClr val="000000"/>
           </a:solidFill>
@@ -6385,7 +6560,7 @@
           <a:sym typeface="Arial"/>
         </a:defRPr>
       </a:lvl3pPr>
-      <a:lvl4pPr lvl="3" marR="0" rtl="0" algn="l">
+      <a:lvl4pPr marR="0" lvl="3" algn="l" rtl="0">
         <a:lnSpc>
           <a:spcPct val="100000"/>
         </a:lnSpc>
@@ -6399,7 +6574,7 @@
           <a:srgbClr val="000000"/>
         </a:buClr>
         <a:buFont typeface="Arial"/>
-        <a:defRPr b="0" i="0" sz="1400" u="none" cap="none" strike="noStrike">
+        <a:defRPr sz="1400" b="0" i="0" u="none" strike="noStrike" cap="none">
           <a:solidFill>
             <a:srgbClr val="000000"/>
           </a:solidFill>
@@ -6409,7 +6584,7 @@
           <a:sym typeface="Arial"/>
         </a:defRPr>
       </a:lvl4pPr>
-      <a:lvl5pPr lvl="4" marR="0" rtl="0" algn="l">
+      <a:lvl5pPr marR="0" lvl="4" algn="l" rtl="0">
         <a:lnSpc>
           <a:spcPct val="100000"/>
         </a:lnSpc>
@@ -6423,7 +6598,7 @@
           <a:srgbClr val="000000"/>
         </a:buClr>
         <a:buFont typeface="Arial"/>
-        <a:defRPr b="0" i="0" sz="1400" u="none" cap="none" strike="noStrike">
+        <a:defRPr sz="1400" b="0" i="0" u="none" strike="noStrike" cap="none">
           <a:solidFill>
             <a:srgbClr val="000000"/>
           </a:solidFill>
@@ -6433,7 +6608,7 @@
           <a:sym typeface="Arial"/>
         </a:defRPr>
       </a:lvl5pPr>
-      <a:lvl6pPr lvl="5" marR="0" rtl="0" algn="l">
+      <a:lvl6pPr marR="0" lvl="5" algn="l" rtl="0">
         <a:lnSpc>
           <a:spcPct val="100000"/>
         </a:lnSpc>
@@ -6447,7 +6622,7 @@
           <a:srgbClr val="000000"/>
         </a:buClr>
         <a:buFont typeface="Arial"/>
-        <a:defRPr b="0" i="0" sz="1400" u="none" cap="none" strike="noStrike">
+        <a:defRPr sz="1400" b="0" i="0" u="none" strike="noStrike" cap="none">
           <a:solidFill>
             <a:srgbClr val="000000"/>
           </a:solidFill>
@@ -6457,7 +6632,7 @@
           <a:sym typeface="Arial"/>
         </a:defRPr>
       </a:lvl6pPr>
-      <a:lvl7pPr lvl="6" marR="0" rtl="0" algn="l">
+      <a:lvl7pPr marR="0" lvl="6" algn="l" rtl="0">
         <a:lnSpc>
           <a:spcPct val="100000"/>
         </a:lnSpc>
@@ -6471,7 +6646,7 @@
           <a:srgbClr val="000000"/>
         </a:buClr>
         <a:buFont typeface="Arial"/>
-        <a:defRPr b="0" i="0" sz="1400" u="none" cap="none" strike="noStrike">
+        <a:defRPr sz="1400" b="0" i="0" u="none" strike="noStrike" cap="none">
           <a:solidFill>
             <a:srgbClr val="000000"/>
           </a:solidFill>
@@ -6481,7 +6656,7 @@
           <a:sym typeface="Arial"/>
         </a:defRPr>
       </a:lvl7pPr>
-      <a:lvl8pPr lvl="7" marR="0" rtl="0" algn="l">
+      <a:lvl8pPr marR="0" lvl="7" algn="l" rtl="0">
         <a:lnSpc>
           <a:spcPct val="100000"/>
         </a:lnSpc>
@@ -6495,7 +6670,7 @@
           <a:srgbClr val="000000"/>
         </a:buClr>
         <a:buFont typeface="Arial"/>
-        <a:defRPr b="0" i="0" sz="1400" u="none" cap="none" strike="noStrike">
+        <a:defRPr sz="1400" b="0" i="0" u="none" strike="noStrike" cap="none">
           <a:solidFill>
             <a:srgbClr val="000000"/>
           </a:solidFill>
@@ -6505,7 +6680,7 @@
           <a:sym typeface="Arial"/>
         </a:defRPr>
       </a:lvl8pPr>
-      <a:lvl9pPr lvl="8" marR="0" rtl="0" algn="l">
+      <a:lvl9pPr marR="0" lvl="8" algn="l" rtl="0">
         <a:lnSpc>
           <a:spcPct val="100000"/>
         </a:lnSpc>
@@ -6519,7 +6694,7 @@
           <a:srgbClr val="000000"/>
         </a:buClr>
         <a:buFont typeface="Arial"/>
-        <a:defRPr b="0" i="0" sz="1400" u="none" cap="none" strike="noStrike">
+        <a:defRPr sz="1400" b="0" i="0" u="none" strike="noStrike" cap="none">
           <a:solidFill>
             <a:srgbClr val="000000"/>
           </a:solidFill>
@@ -6535,11 +6710,11 @@
 </file>
 
 <file path=ppt/slides/slide1.xml><?xml version="1.0" encoding="utf-8"?>
-<p:sld xmlns:a="http://schemas.openxmlformats.org/drawingml/2006/main" xmlns:r="http://schemas.openxmlformats.org/officeDocument/2006/relationships" xmlns:mc="http://schemas.openxmlformats.org/markup-compatibility/2006" xmlns:mv="urn:schemas-microsoft-com:mac:vml" xmlns:p="http://schemas.openxmlformats.org/presentationml/2006/main" xmlns:c="http://schemas.openxmlformats.org/drawingml/2006/chart" xmlns:dgm="http://schemas.openxmlformats.org/drawingml/2006/diagram" xmlns:o="urn:schemas-microsoft-com:office:office" xmlns:v="urn:schemas-microsoft-com:vml" xmlns:pvml="urn:schemas-microsoft-com:office:powerpoint" xmlns:com="http://schemas.openxmlformats.org/drawingml/2006/compatibility" xmlns:p14="http://schemas.microsoft.com/office/powerpoint/2010/main" xmlns:p15="http://schemas.microsoft.com/office/powerpoint/2012/main">
+<p:sld xmlns:a="http://schemas.openxmlformats.org/drawingml/2006/main" xmlns:r="http://schemas.openxmlformats.org/officeDocument/2006/relationships" xmlns:p="http://schemas.openxmlformats.org/presentationml/2006/main">
   <p:cSld>
     <p:spTree>
       <p:nvGrpSpPr>
-        <p:cNvPr id="53" name="Shape 53"/>
+        <p:cNvPr id="1" name="Shape 53"/>
         <p:cNvGrpSpPr/>
         <p:nvPr/>
       </p:nvGrpSpPr>
@@ -6554,7 +6729,9 @@
       <p:sp>
         <p:nvSpPr>
           <p:cNvPr id="54" name="Google Shape;54;p13"/>
-          <p:cNvSpPr txBox="1"/>
+          <p:cNvSpPr txBox="1">
+            <a:spLocks noGrp="1"/>
+          </p:cNvSpPr>
           <p:nvPr>
             <p:ph type="ctrTitle"/>
           </p:nvPr>
@@ -6569,12 +6746,12 @@
           </a:prstGeom>
         </p:spPr>
         <p:txBody>
-          <a:bodyPr anchorCtr="0" anchor="b" bIns="91425" lIns="91425" spcFirstLastPara="1" rIns="91425" wrap="square" tIns="91425">
+          <a:bodyPr spcFirstLastPara="1" wrap="square" lIns="91425" tIns="91425" rIns="91425" bIns="91425" anchor="b" anchorCtr="0">
             <a:noAutofit/>
           </a:bodyPr>
           <a:lstStyle/>
           <a:p>
-            <a:pPr indent="0" lvl="0" marL="0" rtl="0" algn="ctr">
+            <a:pPr marL="0" lvl="0" indent="0" algn="ctr" rtl="0">
               <a:spcBef>
                 <a:spcPts val="0"/>
               </a:spcBef>
@@ -6594,9 +6771,11 @@
       <p:sp>
         <p:nvSpPr>
           <p:cNvPr id="55" name="Google Shape;55;p13"/>
-          <p:cNvSpPr txBox="1"/>
+          <p:cNvSpPr txBox="1">
+            <a:spLocks noGrp="1"/>
+          </p:cNvSpPr>
           <p:nvPr>
-            <p:ph idx="1" type="subTitle"/>
+            <p:ph type="subTitle" idx="1"/>
           </p:nvPr>
         </p:nvSpPr>
         <p:spPr>
@@ -6609,12 +6788,12 @@
           </a:prstGeom>
         </p:spPr>
         <p:txBody>
-          <a:bodyPr anchorCtr="0" anchor="t" bIns="91425" lIns="91425" spcFirstLastPara="1" rIns="91425" wrap="square" tIns="91425">
+          <a:bodyPr spcFirstLastPara="1" wrap="square" lIns="91425" tIns="91425" rIns="91425" bIns="91425" anchor="t" anchorCtr="0">
             <a:noAutofit/>
           </a:bodyPr>
           <a:lstStyle/>
           <a:p>
-            <a:pPr indent="0" lvl="0" marL="0" rtl="0" algn="ctr">
+            <a:pPr marL="0" lvl="0" indent="0" algn="ctr" rtl="0">
               <a:spcBef>
                 <a:spcPts val="0"/>
               </a:spcBef>
@@ -6624,13 +6803,13 @@
               <a:buNone/>
             </a:pPr>
             <a:r>
-              <a:rPr lang="en"/>
-              <a:t>&lt;name&gt;</a:t>
+              <a:rPr lang="en" dirty="0"/>
+              <a:t>Sebastian</a:t>
             </a:r>
-            <a:endParaRPr/>
-          </a:p>
-          <a:p>
-            <a:pPr indent="0" lvl="0" marL="0" rtl="0" algn="ctr">
+            <a:endParaRPr dirty="0"/>
+          </a:p>
+          <a:p>
+            <a:pPr marL="0" lvl="0" indent="0" algn="ctr" rtl="0">
               <a:spcBef>
                 <a:spcPts val="0"/>
               </a:spcBef>
@@ -6640,13 +6819,13 @@
               <a:buNone/>
             </a:pPr>
             <a:r>
-              <a:rPr lang="en"/>
-              <a:t>&lt;GT email&gt;</a:t>
+              <a:rPr lang="en-US" dirty="0"/>
+              <a:t>seb.Hollister@gatech.edu</a:t>
             </a:r>
-            <a:endParaRPr/>
-          </a:p>
-          <a:p>
-            <a:pPr indent="0" lvl="0" marL="0" rtl="0" algn="ctr">
+            <a:endParaRPr dirty="0"/>
+          </a:p>
+          <a:p>
+            <a:pPr marL="0" lvl="0" indent="0" algn="ctr" rtl="0">
               <a:spcBef>
                 <a:spcPts val="0"/>
               </a:spcBef>
@@ -6656,13 +6835,13 @@
               <a:buNone/>
             </a:pPr>
             <a:r>
-              <a:rPr lang="en"/>
-              <a:t>&lt;GT username&gt;</a:t>
+              <a:rPr lang="en" dirty="0"/>
+              <a:t>shollister7</a:t>
             </a:r>
-            <a:endParaRPr/>
-          </a:p>
-          <a:p>
-            <a:pPr indent="0" lvl="0" marL="0" rtl="0" algn="ctr">
+            <a:endParaRPr dirty="0"/>
+          </a:p>
+          <a:p>
+            <a:pPr marL="0" lvl="0" indent="0" algn="ctr" rtl="0">
               <a:spcBef>
                 <a:spcPts val="0"/>
               </a:spcBef>
@@ -6672,10 +6851,10 @@
               <a:buNone/>
             </a:pPr>
             <a:r>
-              <a:rPr lang="en"/>
-              <a:t>&lt;GTID&gt;</a:t>
+              <a:rPr lang="en" dirty="0"/>
+              <a:t>903304661</a:t>
             </a:r>
-            <a:endParaRPr/>
+            <a:endParaRPr dirty="0"/>
           </a:p>
         </p:txBody>
       </p:sp>
@@ -6688,11 +6867,11 @@
 </file>
 
 <file path=ppt/slides/slide10.xml><?xml version="1.0" encoding="utf-8"?>
-<p:sld xmlns:a="http://schemas.openxmlformats.org/drawingml/2006/main" xmlns:r="http://schemas.openxmlformats.org/officeDocument/2006/relationships" xmlns:mc="http://schemas.openxmlformats.org/markup-compatibility/2006" xmlns:mv="urn:schemas-microsoft-com:mac:vml" xmlns:p="http://schemas.openxmlformats.org/presentationml/2006/main" xmlns:c="http://schemas.openxmlformats.org/drawingml/2006/chart" xmlns:dgm="http://schemas.openxmlformats.org/drawingml/2006/diagram" xmlns:o="urn:schemas-microsoft-com:office:office" xmlns:v="urn:schemas-microsoft-com:vml" xmlns:pvml="urn:schemas-microsoft-com:office:powerpoint" xmlns:com="http://schemas.openxmlformats.org/drawingml/2006/compatibility" xmlns:p14="http://schemas.microsoft.com/office/powerpoint/2010/main" xmlns:p15="http://schemas.microsoft.com/office/powerpoint/2012/main">
+<p:sld xmlns:a="http://schemas.openxmlformats.org/drawingml/2006/main" xmlns:r="http://schemas.openxmlformats.org/officeDocument/2006/relationships" xmlns:p="http://schemas.openxmlformats.org/presentationml/2006/main">
   <p:cSld>
     <p:spTree>
       <p:nvGrpSpPr>
-        <p:cNvPr id="115" name="Shape 115"/>
+        <p:cNvPr id="1" name="Shape 115"/>
         <p:cNvGrpSpPr/>
         <p:nvPr/>
       </p:nvGrpSpPr>
@@ -6707,7 +6886,9 @@
       <p:sp>
         <p:nvSpPr>
           <p:cNvPr id="116" name="Google Shape;116;p22"/>
-          <p:cNvSpPr txBox="1"/>
+          <p:cNvSpPr txBox="1">
+            <a:spLocks noGrp="1"/>
+          </p:cNvSpPr>
           <p:nvPr>
             <p:ph type="title"/>
           </p:nvPr>
@@ -6722,12 +6903,12 @@
           </a:prstGeom>
         </p:spPr>
         <p:txBody>
-          <a:bodyPr anchorCtr="0" anchor="t" bIns="91425" lIns="91425" spcFirstLastPara="1" rIns="91425" wrap="square" tIns="91425">
+          <a:bodyPr spcFirstLastPara="1" wrap="square" lIns="91425" tIns="91425" rIns="91425" bIns="91425" anchor="t" anchorCtr="0">
             <a:noAutofit/>
           </a:bodyPr>
           <a:lstStyle/>
           <a:p>
-            <a:pPr indent="0" lvl="0" marL="0" rtl="0" algn="l">
+            <a:pPr marL="0" lvl="0" indent="0" algn="l" rtl="0">
               <a:spcBef>
                 <a:spcPts val="0"/>
               </a:spcBef>
@@ -6747,9 +6928,11 @@
       <p:sp>
         <p:nvSpPr>
           <p:cNvPr id="117" name="Google Shape;117;p22"/>
-          <p:cNvSpPr txBox="1"/>
+          <p:cNvSpPr txBox="1">
+            <a:spLocks noGrp="1"/>
+          </p:cNvSpPr>
           <p:nvPr>
-            <p:ph idx="1" type="body"/>
+            <p:ph type="body" idx="1"/>
           </p:nvPr>
         </p:nvSpPr>
         <p:spPr>
@@ -6762,12 +6945,12 @@
           </a:prstGeom>
         </p:spPr>
         <p:txBody>
-          <a:bodyPr anchorCtr="0" anchor="t" bIns="91425" lIns="91425" spcFirstLastPara="1" rIns="91425" wrap="square" tIns="91425">
+          <a:bodyPr spcFirstLastPara="1" wrap="square" lIns="91425" tIns="91425" rIns="91425" bIns="91425" anchor="t" anchorCtr="0">
             <a:noAutofit/>
           </a:bodyPr>
           <a:lstStyle/>
           <a:p>
-            <a:pPr indent="0" lvl="0" marL="0" rtl="0" algn="l">
+            <a:pPr marL="0" lvl="0" indent="0" algn="l" rtl="0">
               <a:spcBef>
                 <a:spcPts val="0"/>
               </a:spcBef>
@@ -6782,13 +6965,13 @@
               <a:buNone/>
             </a:pPr>
             <a:r>
-              <a:rPr b="1" lang="en"/>
+              <a:rPr lang="en" b="1"/>
               <a:t>Submarine + Fish</a:t>
             </a:r>
             <a:endParaRPr b="1"/>
           </a:p>
           <a:p>
-            <a:pPr indent="0" lvl="0" marL="0" rtl="0" algn="l">
+            <a:pPr marL="0" lvl="0" indent="0" algn="l" rtl="0">
               <a:spcBef>
                 <a:spcPts val="1600"/>
               </a:spcBef>
@@ -6809,18 +6992,15 @@
             <a:endParaRPr b="1"/>
           </a:p>
           <a:p>
-            <a:pPr indent="0" lvl="0" marL="0" rtl="0" algn="l">
-              <a:spcBef>
-                <a:spcPts val="1600"/>
-              </a:spcBef>
-              <a:spcAft>
-                <a:spcPts val="1600"/>
-              </a:spcAft>
-              <a:buNone/>
-            </a:pPr>
-            <a:r>
-              <a:t/>
-            </a:r>
+            <a:pPr marL="0" lvl="0" indent="0" algn="l" rtl="0">
+              <a:spcBef>
+                <a:spcPts val="1600"/>
+              </a:spcBef>
+              <a:spcAft>
+                <a:spcPts val="1600"/>
+              </a:spcAft>
+              <a:buNone/>
+            </a:pPr>
             <a:endParaRPr/>
           </a:p>
         </p:txBody>
@@ -6828,9 +7008,11 @@
       <p:sp>
         <p:nvSpPr>
           <p:cNvPr id="118" name="Google Shape;118;p22"/>
-          <p:cNvSpPr txBox="1"/>
+          <p:cNvSpPr txBox="1">
+            <a:spLocks noGrp="1"/>
+          </p:cNvSpPr>
           <p:nvPr>
-            <p:ph idx="2" type="body"/>
+            <p:ph type="body" idx="2"/>
           </p:nvPr>
         </p:nvSpPr>
         <p:spPr>
@@ -6843,12 +7025,12 @@
           </a:prstGeom>
         </p:spPr>
         <p:txBody>
-          <a:bodyPr anchorCtr="0" anchor="t" bIns="91425" lIns="91425" spcFirstLastPara="1" rIns="91425" wrap="square" tIns="91425">
+          <a:bodyPr spcFirstLastPara="1" wrap="square" lIns="91425" tIns="91425" rIns="91425" bIns="91425" anchor="t" anchorCtr="0">
             <a:noAutofit/>
           </a:bodyPr>
           <a:lstStyle/>
           <a:p>
-            <a:pPr indent="0" lvl="0" marL="0" rtl="0" algn="l">
+            <a:pPr marL="0" lvl="0" indent="0" algn="l" rtl="0">
               <a:spcBef>
                 <a:spcPts val="0"/>
               </a:spcBef>
@@ -6858,13 +7040,13 @@
               <a:buNone/>
             </a:pPr>
             <a:r>
-              <a:rPr b="1" lang="en"/>
+              <a:rPr lang="en" b="1" dirty="0"/>
               <a:t>Part 1 vs. Part 2</a:t>
             </a:r>
-            <a:endParaRPr/>
-          </a:p>
-          <a:p>
-            <a:pPr indent="0" lvl="0" marL="0" rtl="0" algn="l">
+            <a:endParaRPr dirty="0"/>
+          </a:p>
+          <a:p>
+            <a:pPr marL="0" lvl="0" indent="0" algn="l" rtl="0">
               <a:spcBef>
                 <a:spcPts val="1600"/>
               </a:spcBef>
@@ -6874,13 +7056,101 @@
               <a:buNone/>
             </a:pPr>
             <a:r>
-              <a:rPr lang="en"/>
+              <a:rPr lang="en" dirty="0"/>
               <a:t>&lt;Compare the run-times of Parts 1 and 2 here, as calculated in proj1.ipynb. What can you say about the two methods?&gt;</a:t>
             </a:r>
-            <a:endParaRPr/>
+          </a:p>
+          <a:p>
+            <a:pPr marL="0" lvl="0" indent="0" algn="l" rtl="0">
+              <a:lnSpc>
+                <a:spcPct val="100000"/>
+              </a:lnSpc>
+              <a:spcBef>
+                <a:spcPts val="1600"/>
+              </a:spcBef>
+              <a:spcAft>
+                <a:spcPts val="1600"/>
+              </a:spcAft>
+              <a:buNone/>
+            </a:pPr>
+            <a:r>
+              <a:rPr lang="en" dirty="0"/>
+              <a:t>Part 1 Runtime: 6.87 seconds </a:t>
+            </a:r>
+          </a:p>
+          <a:p>
+            <a:pPr marL="0" lvl="0" indent="0" algn="l" rtl="0">
+              <a:lnSpc>
+                <a:spcPct val="100000"/>
+              </a:lnSpc>
+              <a:spcBef>
+                <a:spcPts val="1600"/>
+              </a:spcBef>
+              <a:spcAft>
+                <a:spcPts val="1600"/>
+              </a:spcAft>
+              <a:buNone/>
+            </a:pPr>
+            <a:r>
+              <a:rPr lang="en" dirty="0"/>
+              <a:t>P</a:t>
+            </a:r>
+            <a:r>
+              <a:rPr lang="en-US" dirty="0"/>
+              <a:t>art 2 Runtime: 0.61 seconds</a:t>
+            </a:r>
+          </a:p>
+          <a:p>
+            <a:pPr marL="0" lvl="0" indent="0" algn="l" rtl="0">
+              <a:lnSpc>
+                <a:spcPct val="100000"/>
+              </a:lnSpc>
+              <a:spcBef>
+                <a:spcPts val="1600"/>
+              </a:spcBef>
+              <a:spcAft>
+                <a:spcPts val="1600"/>
+              </a:spcAft>
+              <a:buNone/>
+            </a:pPr>
+            <a:r>
+              <a:rPr lang="en-US" dirty="0"/>
+              <a:t>Part 2 runtime is much faster, as torch has been optimized and is much more efficient.</a:t>
+            </a:r>
+            <a:endParaRPr lang="en" dirty="0"/>
           </a:p>
         </p:txBody>
       </p:sp>
+      <p:pic>
+        <p:nvPicPr>
+          <p:cNvPr id="3" name="Picture 2" descr="A fish swimming under water&#10;&#10;Description automatically generated">
+            <a:extLst>
+              <a:ext uri="{FF2B5EF4-FFF2-40B4-BE49-F238E27FC236}">
+                <a16:creationId xmlns:a16="http://schemas.microsoft.com/office/drawing/2014/main" id="{CA44F1FA-94A3-41E0-8629-57A654A0B60E}"/>
+              </a:ext>
+            </a:extLst>
+          </p:cNvPr>
+          <p:cNvPicPr>
+            <a:picLocks noChangeAspect="1"/>
+          </p:cNvPicPr>
+          <p:nvPr/>
+        </p:nvPicPr>
+        <p:blipFill>
+          <a:blip r:embed="rId3"/>
+          <a:stretch>
+            <a:fillRect/>
+          </a:stretch>
+        </p:blipFill>
+        <p:spPr>
+          <a:xfrm>
+            <a:off x="504126" y="2348720"/>
+            <a:ext cx="2711916" cy="2220155"/>
+          </a:xfrm>
+          <a:prstGeom prst="rect">
+            <a:avLst/>
+          </a:prstGeom>
+        </p:spPr>
+      </p:pic>
     </p:spTree>
   </p:cSld>
   <p:clrMapOvr>
@@ -6890,11 +7160,11 @@
 </file>
 
 <file path=ppt/slides/slide11.xml><?xml version="1.0" encoding="utf-8"?>
-<p:sld xmlns:a="http://schemas.openxmlformats.org/drawingml/2006/main" xmlns:r="http://schemas.openxmlformats.org/officeDocument/2006/relationships" xmlns:mc="http://schemas.openxmlformats.org/markup-compatibility/2006" xmlns:mv="urn:schemas-microsoft-com:mac:vml" xmlns:p="http://schemas.openxmlformats.org/presentationml/2006/main" xmlns:c="http://schemas.openxmlformats.org/drawingml/2006/chart" xmlns:dgm="http://schemas.openxmlformats.org/drawingml/2006/diagram" xmlns:o="urn:schemas-microsoft-com:office:office" xmlns:v="urn:schemas-microsoft-com:vml" xmlns:pvml="urn:schemas-microsoft-com:office:powerpoint" xmlns:com="http://schemas.openxmlformats.org/drawingml/2006/compatibility" xmlns:p14="http://schemas.microsoft.com/office/powerpoint/2010/main" xmlns:p15="http://schemas.microsoft.com/office/powerpoint/2012/main">
+<p:sld xmlns:a="http://schemas.openxmlformats.org/drawingml/2006/main" xmlns:r="http://schemas.openxmlformats.org/officeDocument/2006/relationships" xmlns:p="http://schemas.openxmlformats.org/presentationml/2006/main">
   <p:cSld>
     <p:spTree>
       <p:nvGrpSpPr>
-        <p:cNvPr id="122" name="Shape 122"/>
+        <p:cNvPr id="1" name="Shape 122"/>
         <p:cNvGrpSpPr/>
         <p:nvPr/>
       </p:nvGrpSpPr>
@@ -6909,7 +7179,9 @@
       <p:sp>
         <p:nvSpPr>
           <p:cNvPr id="123" name="Google Shape;123;p23"/>
-          <p:cNvSpPr txBox="1"/>
+          <p:cNvSpPr txBox="1">
+            <a:spLocks noGrp="1"/>
+          </p:cNvSpPr>
           <p:nvPr>
             <p:ph type="title"/>
           </p:nvPr>
@@ -6924,12 +7196,12 @@
           </a:prstGeom>
         </p:spPr>
         <p:txBody>
-          <a:bodyPr anchorCtr="0" anchor="t" bIns="91425" lIns="91425" spcFirstLastPara="1" rIns="91425" wrap="square" tIns="91425">
+          <a:bodyPr spcFirstLastPara="1" wrap="square" lIns="91425" tIns="91425" rIns="91425" bIns="91425" anchor="t" anchorCtr="0">
             <a:noAutofit/>
           </a:bodyPr>
           <a:lstStyle/>
           <a:p>
-            <a:pPr indent="0" lvl="0" marL="0" rtl="0" algn="l">
+            <a:pPr marL="0" lvl="0" indent="0" algn="l" rtl="0">
               <a:spcBef>
                 <a:spcPts val="0"/>
               </a:spcBef>
@@ -6949,9 +7221,11 @@
       <p:sp>
         <p:nvSpPr>
           <p:cNvPr id="124" name="Google Shape;124;p23"/>
-          <p:cNvSpPr txBox="1"/>
+          <p:cNvSpPr txBox="1">
+            <a:spLocks noGrp="1"/>
+          </p:cNvSpPr>
           <p:nvPr>
-            <p:ph idx="1" type="body"/>
+            <p:ph type="body" idx="1"/>
           </p:nvPr>
         </p:nvSpPr>
         <p:spPr>
@@ -6964,12 +7238,12 @@
           </a:prstGeom>
         </p:spPr>
         <p:txBody>
-          <a:bodyPr anchorCtr="0" anchor="t" bIns="91425" lIns="91425" spcFirstLastPara="1" rIns="91425" wrap="square" tIns="91425">
+          <a:bodyPr spcFirstLastPara="1" wrap="square" lIns="91425" tIns="91425" rIns="91425" bIns="91425" anchor="t" anchorCtr="0">
             <a:noAutofit/>
           </a:bodyPr>
           <a:lstStyle/>
           <a:p>
-            <a:pPr indent="0" lvl="0" marL="0" rtl="0" algn="l">
+            <a:pPr marL="0" lvl="0" indent="0" algn="l" rtl="0">
               <a:spcBef>
                 <a:spcPts val="0"/>
               </a:spcBef>
@@ -6986,6 +7260,36 @@
           </a:p>
         </p:txBody>
       </p:sp>
+      <p:pic>
+        <p:nvPicPr>
+          <p:cNvPr id="3" name="Picture 2" descr="A screenshot of a computer screen&#10;&#10;Description automatically generated">
+            <a:extLst>
+              <a:ext uri="{FF2B5EF4-FFF2-40B4-BE49-F238E27FC236}">
+                <a16:creationId xmlns:a16="http://schemas.microsoft.com/office/drawing/2014/main" id="{1670C7DC-F414-4EF3-88B9-04102BCB5B28}"/>
+              </a:ext>
+            </a:extLst>
+          </p:cNvPr>
+          <p:cNvPicPr>
+            <a:picLocks noChangeAspect="1"/>
+          </p:cNvPicPr>
+          <p:nvPr/>
+        </p:nvPicPr>
+        <p:blipFill>
+          <a:blip r:embed="rId3"/>
+          <a:stretch>
+            <a:fillRect/>
+          </a:stretch>
+        </p:blipFill>
+        <p:spPr>
+          <a:xfrm>
+            <a:off x="2286000" y="2155349"/>
+            <a:ext cx="5224272" cy="2938653"/>
+          </a:xfrm>
+          <a:prstGeom prst="rect">
+            <a:avLst/>
+          </a:prstGeom>
+        </p:spPr>
+      </p:pic>
     </p:spTree>
   </p:cSld>
   <p:clrMapOvr>
@@ -6995,11 +7299,11 @@
 </file>
 
 <file path=ppt/slides/slide12.xml><?xml version="1.0" encoding="utf-8"?>
-<p:sld xmlns:a="http://schemas.openxmlformats.org/drawingml/2006/main" xmlns:r="http://schemas.openxmlformats.org/officeDocument/2006/relationships" xmlns:mc="http://schemas.openxmlformats.org/markup-compatibility/2006" xmlns:mv="urn:schemas-microsoft-com:mac:vml" xmlns:p="http://schemas.openxmlformats.org/presentationml/2006/main" xmlns:c="http://schemas.openxmlformats.org/drawingml/2006/chart" xmlns:dgm="http://schemas.openxmlformats.org/drawingml/2006/diagram" xmlns:o="urn:schemas-microsoft-com:office:office" xmlns:v="urn:schemas-microsoft-com:vml" xmlns:pvml="urn:schemas-microsoft-com:office:powerpoint" xmlns:com="http://schemas.openxmlformats.org/drawingml/2006/compatibility" xmlns:p14="http://schemas.microsoft.com/office/powerpoint/2010/main" xmlns:p15="http://schemas.microsoft.com/office/powerpoint/2012/main">
+<p:sld xmlns:a="http://schemas.openxmlformats.org/drawingml/2006/main" xmlns:r="http://schemas.openxmlformats.org/officeDocument/2006/relationships" xmlns:p="http://schemas.openxmlformats.org/presentationml/2006/main">
   <p:cSld>
     <p:spTree>
       <p:nvGrpSpPr>
-        <p:cNvPr id="128" name="Shape 128"/>
+        <p:cNvPr id="1" name="Shape 128"/>
         <p:cNvGrpSpPr/>
         <p:nvPr/>
       </p:nvGrpSpPr>
@@ -7014,7 +7318,9 @@
       <p:sp>
         <p:nvSpPr>
           <p:cNvPr id="129" name="Google Shape;129;p24"/>
-          <p:cNvSpPr txBox="1"/>
+          <p:cNvSpPr txBox="1">
+            <a:spLocks noGrp="1"/>
+          </p:cNvSpPr>
           <p:nvPr>
             <p:ph type="title"/>
           </p:nvPr>
@@ -7029,12 +7335,12 @@
           </a:prstGeom>
         </p:spPr>
         <p:txBody>
-          <a:bodyPr anchorCtr="0" anchor="t" bIns="91425" lIns="91425" spcFirstLastPara="1" rIns="91425" wrap="square" tIns="91425">
+          <a:bodyPr spcFirstLastPara="1" wrap="square" lIns="91425" tIns="91425" rIns="91425" bIns="91425" anchor="t" anchorCtr="0">
             <a:noAutofit/>
           </a:bodyPr>
           <a:lstStyle/>
           <a:p>
-            <a:pPr indent="0" lvl="0" marL="0" rtl="0" algn="l">
+            <a:pPr marL="0" lvl="0" indent="0" algn="l" rtl="0">
               <a:spcBef>
                 <a:spcPts val="0"/>
               </a:spcBef>
@@ -7054,9 +7360,11 @@
       <p:sp>
         <p:nvSpPr>
           <p:cNvPr id="130" name="Google Shape;130;p24"/>
-          <p:cNvSpPr txBox="1"/>
+          <p:cNvSpPr txBox="1">
+            <a:spLocks noGrp="1"/>
+          </p:cNvSpPr>
           <p:nvPr>
-            <p:ph idx="1" type="body"/>
+            <p:ph type="body" idx="1"/>
           </p:nvPr>
         </p:nvSpPr>
         <p:spPr>
@@ -7069,12 +7377,12 @@
           </a:prstGeom>
         </p:spPr>
         <p:txBody>
-          <a:bodyPr anchorCtr="0" anchor="t" bIns="91425" lIns="91425" spcFirstLastPara="1" rIns="91425" wrap="square" tIns="91425">
+          <a:bodyPr spcFirstLastPara="1" wrap="square" lIns="91425" tIns="91425" rIns="91425" bIns="91425" anchor="t" anchorCtr="0">
             <a:noAutofit/>
           </a:bodyPr>
           <a:lstStyle/>
           <a:p>
-            <a:pPr indent="0" lvl="0" marL="0" rtl="0" algn="l">
+            <a:pPr marL="0" lvl="0" indent="0" algn="l" rtl="0">
               <a:spcBef>
                 <a:spcPts val="0"/>
               </a:spcBef>
@@ -7084,10 +7392,61 @@
               <a:buNone/>
             </a:pPr>
             <a:r>
-              <a:rPr lang="en"/>
+              <a:rPr lang="en" dirty="0"/>
               <a:t>&lt;Describe what you have learned in this project. Consider questions like how varying the cutoff frequency value or swapping images within a pair influences the resulting hybrid image. Feel free to include any challenges you ran into.&gt;</a:t>
             </a:r>
-            <a:endParaRPr/>
+          </a:p>
+          <a:p>
+            <a:pPr marL="0" lvl="0" indent="0" algn="l" rtl="0">
+              <a:spcBef>
+                <a:spcPts val="0"/>
+              </a:spcBef>
+              <a:spcAft>
+                <a:spcPts val="1600"/>
+              </a:spcAft>
+              <a:buNone/>
+            </a:pPr>
+            <a:r>
+              <a:rPr lang="en" dirty="0"/>
+              <a:t>Working on this project taught me a couple things. </a:t>
+            </a:r>
+            <a:r>
+              <a:rPr lang="en-US" dirty="0"/>
+              <a:t>First, it was interesting to see how filters are actually applied to images both with how the kernel “slides” across and the actual linear algebra behind it. Also, this project was the first time I used </a:t>
+            </a:r>
+            <a:r>
+              <a:rPr lang="en-US" dirty="0" err="1"/>
+              <a:t>pytorch</a:t>
+            </a:r>
+            <a:r>
+              <a:rPr lang="en-US" dirty="0"/>
+              <a:t> so I learned a lot about how image manipulation works within an established framework, as well as how much more </a:t>
+            </a:r>
+            <a:r>
+              <a:rPr lang="en-US" dirty="0" err="1"/>
+              <a:t>effecent</a:t>
+            </a:r>
+            <a:r>
+              <a:rPr lang="en-US" dirty="0"/>
+              <a:t> libraries like </a:t>
+            </a:r>
+            <a:r>
+              <a:rPr lang="en-US" dirty="0" err="1"/>
+              <a:t>pytorch</a:t>
+            </a:r>
+            <a:r>
+              <a:rPr lang="en-US" dirty="0"/>
+              <a:t> can make the workflow. I ran into many challenges trying to get </a:t>
+            </a:r>
+            <a:r>
+              <a:rPr lang="en-US" dirty="0" err="1"/>
+              <a:t>jupyter</a:t>
+            </a:r>
+            <a:r>
+              <a:rPr lang="en-US" dirty="0"/>
+              <a:t> notebook to work right.</a:t>
+            </a:r>
+            <a:endParaRPr dirty="0"/>
           </a:p>
         </p:txBody>
       </p:sp>
@@ -7100,11 +7459,11 @@
 </file>
 
 <file path=ppt/slides/slide2.xml><?xml version="1.0" encoding="utf-8"?>
-<p:sld xmlns:a="http://schemas.openxmlformats.org/drawingml/2006/main" xmlns:r="http://schemas.openxmlformats.org/officeDocument/2006/relationships" xmlns:mc="http://schemas.openxmlformats.org/markup-compatibility/2006" xmlns:mv="urn:schemas-microsoft-com:mac:vml" xmlns:p="http://schemas.openxmlformats.org/presentationml/2006/main" xmlns:c="http://schemas.openxmlformats.org/drawingml/2006/chart" xmlns:dgm="http://schemas.openxmlformats.org/drawingml/2006/diagram" xmlns:o="urn:schemas-microsoft-com:office:office" xmlns:v="urn:schemas-microsoft-com:vml" xmlns:pvml="urn:schemas-microsoft-com:office:powerpoint" xmlns:com="http://schemas.openxmlformats.org/drawingml/2006/compatibility" xmlns:p14="http://schemas.microsoft.com/office/powerpoint/2010/main" xmlns:p15="http://schemas.microsoft.com/office/powerpoint/2012/main">
+<p:sld xmlns:a="http://schemas.openxmlformats.org/drawingml/2006/main" xmlns:r="http://schemas.openxmlformats.org/officeDocument/2006/relationships" xmlns:p="http://schemas.openxmlformats.org/presentationml/2006/main">
   <p:cSld>
     <p:spTree>
       <p:nvGrpSpPr>
-        <p:cNvPr id="59" name="Shape 59"/>
+        <p:cNvPr id="1" name="Shape 59"/>
         <p:cNvGrpSpPr/>
         <p:nvPr/>
       </p:nvGrpSpPr>
@@ -7119,7 +7478,9 @@
       <p:sp>
         <p:nvSpPr>
           <p:cNvPr id="60" name="Google Shape;60;p14"/>
-          <p:cNvSpPr txBox="1"/>
+          <p:cNvSpPr txBox="1">
+            <a:spLocks noGrp="1"/>
+          </p:cNvSpPr>
           <p:nvPr>
             <p:ph type="title"/>
           </p:nvPr>
@@ -7134,12 +7495,12 @@
           </a:prstGeom>
         </p:spPr>
         <p:txBody>
-          <a:bodyPr anchorCtr="0" anchor="t" bIns="91425" lIns="91425" spcFirstLastPara="1" rIns="91425" wrap="square" tIns="91425">
+          <a:bodyPr spcFirstLastPara="1" wrap="square" lIns="91425" tIns="91425" rIns="91425" bIns="91425" anchor="t" anchorCtr="0">
             <a:noAutofit/>
           </a:bodyPr>
           <a:lstStyle/>
           <a:p>
-            <a:pPr indent="0" lvl="0" marL="0" rtl="0" algn="l">
+            <a:pPr marL="0" lvl="0" indent="0" algn="l" rtl="0">
               <a:spcBef>
                 <a:spcPts val="0"/>
               </a:spcBef>
@@ -7159,9 +7520,11 @@
       <p:sp>
         <p:nvSpPr>
           <p:cNvPr id="61" name="Google Shape;61;p14"/>
-          <p:cNvSpPr txBox="1"/>
+          <p:cNvSpPr txBox="1">
+            <a:spLocks noGrp="1"/>
+          </p:cNvSpPr>
           <p:nvPr>
-            <p:ph idx="1" type="body"/>
+            <p:ph type="body" idx="1"/>
           </p:nvPr>
         </p:nvSpPr>
         <p:spPr>
@@ -7174,12 +7537,12 @@
           </a:prstGeom>
         </p:spPr>
         <p:txBody>
-          <a:bodyPr anchorCtr="0" anchor="t" bIns="91425" lIns="91425" spcFirstLastPara="1" rIns="91425" wrap="square" tIns="91425">
+          <a:bodyPr spcFirstLastPara="1" wrap="square" lIns="91425" tIns="91425" rIns="91425" bIns="91425" anchor="t" anchorCtr="0">
             <a:noAutofit/>
           </a:bodyPr>
           <a:lstStyle/>
           <a:p>
-            <a:pPr indent="0" lvl="0" marL="0" rtl="0" algn="l">
+            <a:pPr marL="0" lvl="0" indent="0" algn="l" rtl="0">
               <a:spcBef>
                 <a:spcPts val="0"/>
               </a:spcBef>
@@ -7189,37 +7552,50 @@
               <a:buNone/>
             </a:pPr>
             <a:r>
-              <a:rPr lang="en"/>
+              <a:rPr lang="en" dirty="0"/>
               <a:t>&lt;insert visualization of Gaussian kernel from proj1.ipynb here&gt;</a:t>
             </a:r>
-            <a:endParaRPr/>
+          </a:p>
+          <a:p>
+            <a:pPr marL="0" lvl="0" indent="0" algn="l" rtl="0">
+              <a:spcBef>
+                <a:spcPts val="0"/>
+              </a:spcBef>
+              <a:spcAft>
+                <a:spcPts val="1600"/>
+              </a:spcAft>
+              <a:buNone/>
+            </a:pPr>
+            <a:endParaRPr dirty="0"/>
           </a:p>
         </p:txBody>
       </p:sp>
       <p:sp>
         <p:nvSpPr>
           <p:cNvPr id="62" name="Google Shape;62;p14"/>
-          <p:cNvSpPr txBox="1"/>
+          <p:cNvSpPr txBox="1">
+            <a:spLocks noGrp="1"/>
+          </p:cNvSpPr>
           <p:nvPr>
-            <p:ph idx="2" type="body"/>
+            <p:ph type="body" idx="2"/>
           </p:nvPr>
         </p:nvSpPr>
         <p:spPr>
           <a:xfrm>
             <a:off x="4832400" y="1152475"/>
-            <a:ext cx="3999900" cy="3416400"/>
+            <a:ext cx="3999900" cy="3546000"/>
           </a:xfrm>
           <a:prstGeom prst="rect">
             <a:avLst/>
           </a:prstGeom>
         </p:spPr>
         <p:txBody>
-          <a:bodyPr anchorCtr="0" anchor="t" bIns="91425" lIns="91425" spcFirstLastPara="1" rIns="91425" wrap="square" tIns="91425">
+          <a:bodyPr spcFirstLastPara="1" wrap="square" lIns="91425" tIns="91425" rIns="91425" bIns="91425" anchor="t" anchorCtr="0">
             <a:noAutofit/>
           </a:bodyPr>
           <a:lstStyle/>
           <a:p>
-            <a:pPr indent="0" lvl="0" marL="0" rtl="0" algn="l">
+            <a:pPr marL="0" lvl="0" indent="0" algn="l" rtl="0">
               <a:spcBef>
                 <a:spcPts val="0"/>
               </a:spcBef>
@@ -7229,13 +7605,74 @@
               <a:buNone/>
             </a:pPr>
             <a:r>
-              <a:rPr lang="en"/>
+              <a:rPr lang="en" dirty="0"/>
               <a:t>&lt;Describe your implementation of my_imfilter() in words.&gt;</a:t>
             </a:r>
-            <a:endParaRPr/>
+          </a:p>
+          <a:p>
+            <a:pPr marL="0" lvl="0" indent="0" algn="l" rtl="0">
+              <a:spcBef>
+                <a:spcPts val="0"/>
+              </a:spcBef>
+              <a:spcAft>
+                <a:spcPts val="1600"/>
+              </a:spcAft>
+              <a:buNone/>
+            </a:pPr>
+            <a:r>
+              <a:rPr lang="en-US" dirty="0"/>
+              <a:t>The goal of </a:t>
+            </a:r>
+            <a:r>
+              <a:rPr lang="en-US" dirty="0" err="1"/>
+              <a:t>my_imfilter</a:t>
+            </a:r>
+            <a:r>
+              <a:rPr lang="en-US" dirty="0"/>
+              <a:t>() was to apply a filter to an image. The first step was to pad the image, which was padded to ½ the height and width of the filter. Then I looped through the number of channels, and for each channel I looped through the entire image row rise. At each of these </a:t>
+            </a:r>
+            <a:r>
+              <a:rPr lang="en-US" dirty="0" err="1"/>
+              <a:t>indexs</a:t>
+            </a:r>
+            <a:r>
+              <a:rPr lang="en-US" dirty="0"/>
+              <a:t>, I created a window to apply the filter to using slices, and then applied the filter by using np multiply and sum. The resulting value replaced the center of the window for each index.</a:t>
+            </a:r>
+            <a:endParaRPr lang="en" dirty="0"/>
           </a:p>
         </p:txBody>
       </p:sp>
+      <p:pic>
+        <p:nvPicPr>
+          <p:cNvPr id="3" name="Picture 2" descr="A close up of a logo&#10;&#10;Description automatically generated">
+            <a:extLst>
+              <a:ext uri="{FF2B5EF4-FFF2-40B4-BE49-F238E27FC236}">
+                <a16:creationId xmlns:a16="http://schemas.microsoft.com/office/drawing/2014/main" id="{2562CCF3-8A28-4590-A8DA-A4309E9D4530}"/>
+              </a:ext>
+            </a:extLst>
+          </p:cNvPr>
+          <p:cNvPicPr>
+            <a:picLocks noChangeAspect="1"/>
+          </p:cNvPicPr>
+          <p:nvPr/>
+        </p:nvPicPr>
+        <p:blipFill>
+          <a:blip r:embed="rId3"/>
+          <a:stretch>
+            <a:fillRect/>
+          </a:stretch>
+        </p:blipFill>
+        <p:spPr>
+          <a:xfrm>
+            <a:off x="377462" y="1704614"/>
+            <a:ext cx="3188426" cy="3163021"/>
+          </a:xfrm>
+          <a:prstGeom prst="rect">
+            <a:avLst/>
+          </a:prstGeom>
+        </p:spPr>
+      </p:pic>
     </p:spTree>
   </p:cSld>
   <p:clrMapOvr>
@@ -7245,11 +7682,11 @@
 </file>
 
 <file path=ppt/slides/slide3.xml><?xml version="1.0" encoding="utf-8"?>
-<p:sld xmlns:a="http://schemas.openxmlformats.org/drawingml/2006/main" xmlns:r="http://schemas.openxmlformats.org/officeDocument/2006/relationships" xmlns:mc="http://schemas.openxmlformats.org/markup-compatibility/2006" xmlns:mv="urn:schemas-microsoft-com:mac:vml" xmlns:p="http://schemas.openxmlformats.org/presentationml/2006/main" xmlns:c="http://schemas.openxmlformats.org/drawingml/2006/chart" xmlns:dgm="http://schemas.openxmlformats.org/drawingml/2006/diagram" xmlns:o="urn:schemas-microsoft-com:office:office" xmlns:v="urn:schemas-microsoft-com:vml" xmlns:pvml="urn:schemas-microsoft-com:office:powerpoint" xmlns:com="http://schemas.openxmlformats.org/drawingml/2006/compatibility" xmlns:p14="http://schemas.microsoft.com/office/powerpoint/2010/main" xmlns:p15="http://schemas.microsoft.com/office/powerpoint/2012/main">
+<p:sld xmlns:a="http://schemas.openxmlformats.org/drawingml/2006/main" xmlns:r="http://schemas.openxmlformats.org/officeDocument/2006/relationships" xmlns:p="http://schemas.openxmlformats.org/presentationml/2006/main">
   <p:cSld>
     <p:spTree>
       <p:nvGrpSpPr>
-        <p:cNvPr id="66" name="Shape 66"/>
+        <p:cNvPr id="1" name="Shape 66"/>
         <p:cNvGrpSpPr/>
         <p:nvPr/>
       </p:nvGrpSpPr>
@@ -7264,7 +7701,9 @@
       <p:sp>
         <p:nvSpPr>
           <p:cNvPr id="67" name="Google Shape;67;p15"/>
-          <p:cNvSpPr txBox="1"/>
+          <p:cNvSpPr txBox="1">
+            <a:spLocks noGrp="1"/>
+          </p:cNvSpPr>
           <p:nvPr>
             <p:ph type="title"/>
           </p:nvPr>
@@ -7279,12 +7718,12 @@
           </a:prstGeom>
         </p:spPr>
         <p:txBody>
-          <a:bodyPr anchorCtr="0" anchor="t" bIns="91425" lIns="91425" spcFirstLastPara="1" rIns="91425" wrap="square" tIns="91425">
+          <a:bodyPr spcFirstLastPara="1" wrap="square" lIns="91425" tIns="91425" rIns="91425" bIns="91425" anchor="t" anchorCtr="0">
             <a:noAutofit/>
           </a:bodyPr>
           <a:lstStyle/>
           <a:p>
-            <a:pPr indent="0" lvl="0" marL="0" rtl="0" algn="l">
+            <a:pPr marL="0" lvl="0" indent="0" algn="l" rtl="0">
               <a:spcBef>
                 <a:spcPts val="0"/>
               </a:spcBef>
@@ -7304,9 +7743,11 @@
       <p:sp>
         <p:nvSpPr>
           <p:cNvPr id="68" name="Google Shape;68;p15"/>
-          <p:cNvSpPr txBox="1"/>
+          <p:cNvSpPr txBox="1">
+            <a:spLocks noGrp="1"/>
+          </p:cNvSpPr>
           <p:nvPr>
-            <p:ph idx="1" type="body"/>
+            <p:ph type="body" idx="1"/>
           </p:nvPr>
         </p:nvSpPr>
         <p:spPr>
@@ -7319,12 +7760,12 @@
           </a:prstGeom>
         </p:spPr>
         <p:txBody>
-          <a:bodyPr anchorCtr="0" anchor="t" bIns="91425" lIns="91425" spcFirstLastPara="1" rIns="91425" wrap="square" tIns="91425">
+          <a:bodyPr spcFirstLastPara="1" wrap="square" lIns="91425" tIns="91425" rIns="91425" bIns="91425" anchor="t" anchorCtr="0">
             <a:noAutofit/>
           </a:bodyPr>
           <a:lstStyle/>
           <a:p>
-            <a:pPr indent="0" lvl="0" marL="0" rtl="0" algn="l">
+            <a:pPr marL="0" lvl="0" indent="0" algn="l" rtl="0">
               <a:spcBef>
                 <a:spcPts val="0"/>
               </a:spcBef>
@@ -7339,13 +7780,13 @@
               <a:buNone/>
             </a:pPr>
             <a:r>
-              <a:rPr b="1" lang="en"/>
+              <a:rPr lang="en" b="1"/>
               <a:t>Identity filter</a:t>
             </a:r>
             <a:endParaRPr b="1"/>
           </a:p>
           <a:p>
-            <a:pPr indent="0" lvl="0" marL="0" rtl="0" algn="l">
+            <a:pPr marL="0" lvl="0" indent="0" algn="l" rtl="0">
               <a:spcBef>
                 <a:spcPts val="1600"/>
               </a:spcBef>
@@ -7366,7 +7807,7 @@
             <a:endParaRPr b="1"/>
           </a:p>
           <a:p>
-            <a:pPr indent="0" lvl="0" marL="0" rtl="0" algn="l">
+            <a:pPr marL="0" lvl="0" indent="0" algn="l" rtl="0">
               <a:spcBef>
                 <a:spcPts val="1600"/>
               </a:spcBef>
@@ -7380,9 +7821,6 @@
               <a:buFont typeface="Arial"/>
               <a:buNone/>
             </a:pPr>
-            <a:r>
-              <a:t/>
-            </a:r>
             <a:endParaRPr/>
           </a:p>
         </p:txBody>
@@ -7390,9 +7828,11 @@
       <p:sp>
         <p:nvSpPr>
           <p:cNvPr id="69" name="Google Shape;69;p15"/>
-          <p:cNvSpPr txBox="1"/>
+          <p:cNvSpPr txBox="1">
+            <a:spLocks noGrp="1"/>
+          </p:cNvSpPr>
           <p:nvPr>
-            <p:ph idx="2" type="body"/>
+            <p:ph type="body" idx="2"/>
           </p:nvPr>
         </p:nvSpPr>
         <p:spPr>
@@ -7405,12 +7845,12 @@
           </a:prstGeom>
         </p:spPr>
         <p:txBody>
-          <a:bodyPr anchorCtr="0" anchor="t" bIns="91425" lIns="91425" spcFirstLastPara="1" rIns="91425" wrap="square" tIns="91425">
+          <a:bodyPr spcFirstLastPara="1" wrap="square" lIns="91425" tIns="91425" rIns="91425" bIns="91425" anchor="t" anchorCtr="0">
             <a:noAutofit/>
           </a:bodyPr>
           <a:lstStyle/>
           <a:p>
-            <a:pPr indent="0" lvl="0" marL="0" rtl="0" algn="l">
+            <a:pPr marL="0" lvl="0" indent="0" algn="l" rtl="0">
               <a:spcBef>
                 <a:spcPts val="0"/>
               </a:spcBef>
@@ -7425,13 +7865,13 @@
               <a:buNone/>
             </a:pPr>
             <a:r>
-              <a:rPr b="1" lang="en"/>
+              <a:rPr lang="en" b="1" dirty="0"/>
               <a:t>Small blur with a box filter</a:t>
             </a:r>
-            <a:endParaRPr/>
-          </a:p>
-          <a:p>
-            <a:pPr indent="0" lvl="0" marL="0" rtl="0" algn="l">
+            <a:endParaRPr dirty="0"/>
+          </a:p>
+          <a:p>
+            <a:pPr marL="0" lvl="0" indent="0" algn="l" rtl="0">
               <a:spcBef>
                 <a:spcPts val="1600"/>
               </a:spcBef>
@@ -7446,13 +7886,73 @@
               <a:buNone/>
             </a:pPr>
             <a:r>
-              <a:rPr lang="en"/>
+              <a:rPr lang="en" dirty="0"/>
               <a:t>&lt;insert the results from proj1_test_filtering.ipynb using 1b_cat.bmp with the box filter here&gt;</a:t>
             </a:r>
-            <a:endParaRPr b="1"/>
+            <a:endParaRPr b="1" dirty="0"/>
           </a:p>
         </p:txBody>
       </p:sp>
+      <p:pic>
+        <p:nvPicPr>
+          <p:cNvPr id="3" name="Picture 2" descr="A close up of a cat&#10;&#10;Description automatically generated">
+            <a:extLst>
+              <a:ext uri="{FF2B5EF4-FFF2-40B4-BE49-F238E27FC236}">
+                <a16:creationId xmlns:a16="http://schemas.microsoft.com/office/drawing/2014/main" id="{DC3A2180-9E84-44BD-875E-90F6543F4EE9}"/>
+              </a:ext>
+            </a:extLst>
+          </p:cNvPr>
+          <p:cNvPicPr>
+            <a:picLocks noChangeAspect="1"/>
+          </p:cNvPicPr>
+          <p:nvPr/>
+        </p:nvPicPr>
+        <p:blipFill>
+          <a:blip r:embed="rId3"/>
+          <a:stretch>
+            <a:fillRect/>
+          </a:stretch>
+        </p:blipFill>
+        <p:spPr>
+          <a:xfrm>
+            <a:off x="311700" y="2252451"/>
+            <a:ext cx="3018721" cy="2641381"/>
+          </a:xfrm>
+          <a:prstGeom prst="rect">
+            <a:avLst/>
+          </a:prstGeom>
+        </p:spPr>
+      </p:pic>
+      <p:pic>
+        <p:nvPicPr>
+          <p:cNvPr id="5" name="Picture 4" descr="An orange and white cat with its mouth open&#10;&#10;Description automatically generated">
+            <a:extLst>
+              <a:ext uri="{FF2B5EF4-FFF2-40B4-BE49-F238E27FC236}">
+                <a16:creationId xmlns:a16="http://schemas.microsoft.com/office/drawing/2014/main" id="{178B40E1-8BB3-40E2-BD7B-3306B7E96660}"/>
+              </a:ext>
+            </a:extLst>
+          </p:cNvPr>
+          <p:cNvPicPr>
+            <a:picLocks noChangeAspect="1"/>
+          </p:cNvPicPr>
+          <p:nvPr/>
+        </p:nvPicPr>
+        <p:blipFill>
+          <a:blip r:embed="rId4"/>
+          <a:stretch>
+            <a:fillRect/>
+          </a:stretch>
+        </p:blipFill>
+        <p:spPr>
+          <a:xfrm>
+            <a:off x="4954131" y="2252451"/>
+            <a:ext cx="3018722" cy="2641382"/>
+          </a:xfrm>
+          <a:prstGeom prst="rect">
+            <a:avLst/>
+          </a:prstGeom>
+        </p:spPr>
+      </p:pic>
     </p:spTree>
   </p:cSld>
   <p:clrMapOvr>
@@ -7462,11 +7962,11 @@
 </file>
 
 <file path=ppt/slides/slide4.xml><?xml version="1.0" encoding="utf-8"?>
-<p:sld xmlns:a="http://schemas.openxmlformats.org/drawingml/2006/main" xmlns:r="http://schemas.openxmlformats.org/officeDocument/2006/relationships" xmlns:mc="http://schemas.openxmlformats.org/markup-compatibility/2006" xmlns:mv="urn:schemas-microsoft-com:mac:vml" xmlns:p="http://schemas.openxmlformats.org/presentationml/2006/main" xmlns:c="http://schemas.openxmlformats.org/drawingml/2006/chart" xmlns:dgm="http://schemas.openxmlformats.org/drawingml/2006/diagram" xmlns:o="urn:schemas-microsoft-com:office:office" xmlns:v="urn:schemas-microsoft-com:vml" xmlns:pvml="urn:schemas-microsoft-com:office:powerpoint" xmlns:com="http://schemas.openxmlformats.org/drawingml/2006/compatibility" xmlns:p14="http://schemas.microsoft.com/office/powerpoint/2010/main" xmlns:p15="http://schemas.microsoft.com/office/powerpoint/2012/main">
+<p:sld xmlns:a="http://schemas.openxmlformats.org/drawingml/2006/main" xmlns:r="http://schemas.openxmlformats.org/officeDocument/2006/relationships" xmlns:p="http://schemas.openxmlformats.org/presentationml/2006/main">
   <p:cSld>
     <p:spTree>
       <p:nvGrpSpPr>
-        <p:cNvPr id="73" name="Shape 73"/>
+        <p:cNvPr id="1" name="Shape 73"/>
         <p:cNvGrpSpPr/>
         <p:nvPr/>
       </p:nvGrpSpPr>
@@ -7481,7 +7981,9 @@
       <p:sp>
         <p:nvSpPr>
           <p:cNvPr id="74" name="Google Shape;74;p16"/>
-          <p:cNvSpPr txBox="1"/>
+          <p:cNvSpPr txBox="1">
+            <a:spLocks noGrp="1"/>
+          </p:cNvSpPr>
           <p:nvPr>
             <p:ph type="title"/>
           </p:nvPr>
@@ -7496,12 +7998,12 @@
           </a:prstGeom>
         </p:spPr>
         <p:txBody>
-          <a:bodyPr anchorCtr="0" anchor="t" bIns="91425" lIns="91425" spcFirstLastPara="1" rIns="91425" wrap="square" tIns="91425">
+          <a:bodyPr spcFirstLastPara="1" wrap="square" lIns="91425" tIns="91425" rIns="91425" bIns="91425" anchor="t" anchorCtr="0">
             <a:noAutofit/>
           </a:bodyPr>
           <a:lstStyle/>
           <a:p>
-            <a:pPr indent="0" lvl="0" marL="0" rtl="0" algn="l">
+            <a:pPr marL="0" lvl="0" indent="0" algn="l" rtl="0">
               <a:spcBef>
                 <a:spcPts val="0"/>
               </a:spcBef>
@@ -7521,9 +8023,11 @@
       <p:sp>
         <p:nvSpPr>
           <p:cNvPr id="75" name="Google Shape;75;p16"/>
-          <p:cNvSpPr txBox="1"/>
+          <p:cNvSpPr txBox="1">
+            <a:spLocks noGrp="1"/>
+          </p:cNvSpPr>
           <p:nvPr>
-            <p:ph idx="1" type="body"/>
+            <p:ph type="body" idx="1"/>
           </p:nvPr>
         </p:nvSpPr>
         <p:spPr>
@@ -7536,12 +8040,12 @@
           </a:prstGeom>
         </p:spPr>
         <p:txBody>
-          <a:bodyPr anchorCtr="0" anchor="t" bIns="91425" lIns="91425" spcFirstLastPara="1" rIns="91425" wrap="square" tIns="91425">
+          <a:bodyPr spcFirstLastPara="1" wrap="square" lIns="91425" tIns="91425" rIns="91425" bIns="91425" anchor="t" anchorCtr="0">
             <a:noAutofit/>
           </a:bodyPr>
           <a:lstStyle/>
           <a:p>
-            <a:pPr indent="0" lvl="0" marL="0" rtl="0" algn="l">
+            <a:pPr marL="0" lvl="0" indent="0" algn="l" rtl="0">
               <a:spcBef>
                 <a:spcPts val="0"/>
               </a:spcBef>
@@ -7551,13 +8055,13 @@
               <a:buNone/>
             </a:pPr>
             <a:r>
-              <a:rPr b="1" lang="en"/>
+              <a:rPr lang="en" b="1" dirty="0"/>
               <a:t>Sobel filter</a:t>
             </a:r>
-            <a:endParaRPr b="1"/>
-          </a:p>
-          <a:p>
-            <a:pPr indent="0" lvl="0" marL="0" rtl="0" algn="l">
+            <a:endParaRPr b="1" dirty="0"/>
+          </a:p>
+          <a:p>
+            <a:pPr marL="0" lvl="0" indent="0" algn="l" rtl="0">
               <a:spcBef>
                 <a:spcPts val="1600"/>
               </a:spcBef>
@@ -7572,19 +8076,21 @@
               <a:buNone/>
             </a:pPr>
             <a:r>
-              <a:rPr lang="en"/>
+              <a:rPr lang="en" dirty="0"/>
               <a:t>&lt;insert the results from proj1_test_filtering.ipynb using 1b_cat.bmp with the Sobel filter here&gt;</a:t>
             </a:r>
-            <a:endParaRPr b="1"/>
+            <a:endParaRPr b="1" dirty="0"/>
           </a:p>
         </p:txBody>
       </p:sp>
       <p:sp>
         <p:nvSpPr>
           <p:cNvPr id="76" name="Google Shape;76;p16"/>
-          <p:cNvSpPr txBox="1"/>
+          <p:cNvSpPr txBox="1">
+            <a:spLocks noGrp="1"/>
+          </p:cNvSpPr>
           <p:nvPr>
-            <p:ph idx="2" type="body"/>
+            <p:ph type="body" idx="2"/>
           </p:nvPr>
         </p:nvSpPr>
         <p:spPr>
@@ -7597,12 +8103,12 @@
           </a:prstGeom>
         </p:spPr>
         <p:txBody>
-          <a:bodyPr anchorCtr="0" anchor="t" bIns="91425" lIns="91425" spcFirstLastPara="1" rIns="91425" wrap="square" tIns="91425">
+          <a:bodyPr spcFirstLastPara="1" wrap="square" lIns="91425" tIns="91425" rIns="91425" bIns="91425" anchor="t" anchorCtr="0">
             <a:noAutofit/>
           </a:bodyPr>
           <a:lstStyle/>
           <a:p>
-            <a:pPr indent="0" lvl="0" marL="0" rtl="0" algn="l">
+            <a:pPr marL="0" lvl="0" indent="0" algn="l" rtl="0">
               <a:spcBef>
                 <a:spcPts val="0"/>
               </a:spcBef>
@@ -7612,13 +8118,13 @@
               <a:buNone/>
             </a:pPr>
             <a:r>
-              <a:rPr b="1" lang="en"/>
+              <a:rPr lang="en" b="1" dirty="0"/>
               <a:t>Discrete Laplacian filter</a:t>
             </a:r>
-            <a:endParaRPr b="1"/>
-          </a:p>
-          <a:p>
-            <a:pPr indent="0" lvl="0" marL="0" rtl="0" algn="l">
+            <a:endParaRPr b="1" dirty="0"/>
+          </a:p>
+          <a:p>
+            <a:pPr marL="0" lvl="0" indent="0" algn="l" rtl="0">
               <a:spcBef>
                 <a:spcPts val="1600"/>
               </a:spcBef>
@@ -7633,13 +8139,73 @@
               <a:buNone/>
             </a:pPr>
             <a:r>
-              <a:rPr lang="en"/>
+              <a:rPr lang="en" dirty="0"/>
               <a:t>&lt;insert the results from proj1_test_filtering.ipynb using 1b_cat.bmp with the discrete Laplacian filter here&gt;</a:t>
             </a:r>
-            <a:endParaRPr b="1"/>
+            <a:endParaRPr b="1" dirty="0"/>
           </a:p>
         </p:txBody>
       </p:sp>
+      <p:pic>
+        <p:nvPicPr>
+          <p:cNvPr id="3" name="Picture 2" descr="A close up of an animal&#10;&#10;Description automatically generated">
+            <a:extLst>
+              <a:ext uri="{FF2B5EF4-FFF2-40B4-BE49-F238E27FC236}">
+                <a16:creationId xmlns:a16="http://schemas.microsoft.com/office/drawing/2014/main" id="{68A6D65B-8412-44E7-AC79-2A2CE0171B6D}"/>
+              </a:ext>
+            </a:extLst>
+          </p:cNvPr>
+          <p:cNvPicPr>
+            <a:picLocks noChangeAspect="1"/>
+          </p:cNvPicPr>
+          <p:nvPr/>
+        </p:nvPicPr>
+        <p:blipFill>
+          <a:blip r:embed="rId3"/>
+          <a:stretch>
+            <a:fillRect/>
+          </a:stretch>
+        </p:blipFill>
+        <p:spPr>
+          <a:xfrm>
+            <a:off x="520869" y="2571750"/>
+            <a:ext cx="2700754" cy="2363160"/>
+          </a:xfrm>
+          <a:prstGeom prst="rect">
+            <a:avLst/>
+          </a:prstGeom>
+        </p:spPr>
+      </p:pic>
+      <p:pic>
+        <p:nvPicPr>
+          <p:cNvPr id="5" name="Picture 4" descr="A screenshot of a cell phone&#10;&#10;Description automatically generated">
+            <a:extLst>
+              <a:ext uri="{FF2B5EF4-FFF2-40B4-BE49-F238E27FC236}">
+                <a16:creationId xmlns:a16="http://schemas.microsoft.com/office/drawing/2014/main" id="{F2F715B4-E83F-4EAD-8D36-F891CFE306A6}"/>
+              </a:ext>
+            </a:extLst>
+          </p:cNvPr>
+          <p:cNvPicPr>
+            <a:picLocks noChangeAspect="1"/>
+          </p:cNvPicPr>
+          <p:nvPr/>
+        </p:nvPicPr>
+        <p:blipFill>
+          <a:blip r:embed="rId4"/>
+          <a:stretch>
+            <a:fillRect/>
+          </a:stretch>
+        </p:blipFill>
+        <p:spPr>
+          <a:xfrm>
+            <a:off x="5339606" y="2571750"/>
+            <a:ext cx="2700753" cy="2363159"/>
+          </a:xfrm>
+          <a:prstGeom prst="rect">
+            <a:avLst/>
+          </a:prstGeom>
+        </p:spPr>
+      </p:pic>
     </p:spTree>
   </p:cSld>
   <p:clrMapOvr>
@@ -7649,11 +8215,11 @@
 </file>
 
 <file path=ppt/slides/slide5.xml><?xml version="1.0" encoding="utf-8"?>
-<p:sld xmlns:a="http://schemas.openxmlformats.org/drawingml/2006/main" xmlns:r="http://schemas.openxmlformats.org/officeDocument/2006/relationships" xmlns:mc="http://schemas.openxmlformats.org/markup-compatibility/2006" xmlns:mv="urn:schemas-microsoft-com:mac:vml" xmlns:p="http://schemas.openxmlformats.org/presentationml/2006/main" xmlns:c="http://schemas.openxmlformats.org/drawingml/2006/chart" xmlns:dgm="http://schemas.openxmlformats.org/drawingml/2006/diagram" xmlns:o="urn:schemas-microsoft-com:office:office" xmlns:v="urn:schemas-microsoft-com:vml" xmlns:pvml="urn:schemas-microsoft-com:office:powerpoint" xmlns:com="http://schemas.openxmlformats.org/drawingml/2006/compatibility" xmlns:p14="http://schemas.microsoft.com/office/powerpoint/2010/main" xmlns:p15="http://schemas.microsoft.com/office/powerpoint/2012/main">
+<p:sld xmlns:a="http://schemas.openxmlformats.org/drawingml/2006/main" xmlns:r="http://schemas.openxmlformats.org/officeDocument/2006/relationships" xmlns:p="http://schemas.openxmlformats.org/presentationml/2006/main">
   <p:cSld>
     <p:spTree>
       <p:nvGrpSpPr>
-        <p:cNvPr id="80" name="Shape 80"/>
+        <p:cNvPr id="1" name="Shape 80"/>
         <p:cNvGrpSpPr/>
         <p:nvPr/>
       </p:nvGrpSpPr>
@@ -7668,7 +8234,9 @@
       <p:sp>
         <p:nvSpPr>
           <p:cNvPr id="81" name="Google Shape;81;p17"/>
-          <p:cNvSpPr txBox="1"/>
+          <p:cNvSpPr txBox="1">
+            <a:spLocks noGrp="1"/>
+          </p:cNvSpPr>
           <p:nvPr>
             <p:ph type="title"/>
           </p:nvPr>
@@ -7683,12 +8251,12 @@
           </a:prstGeom>
         </p:spPr>
         <p:txBody>
-          <a:bodyPr anchorCtr="0" anchor="t" bIns="91425" lIns="91425" spcFirstLastPara="1" rIns="91425" wrap="square" tIns="91425">
+          <a:bodyPr spcFirstLastPara="1" wrap="square" lIns="91425" tIns="91425" rIns="91425" bIns="91425" anchor="t" anchorCtr="0">
             <a:noAutofit/>
           </a:bodyPr>
           <a:lstStyle/>
           <a:p>
-            <a:pPr indent="0" lvl="0" marL="0" rtl="0" algn="l">
+            <a:pPr marL="0" lvl="0" indent="0" algn="l" rtl="0">
               <a:spcBef>
                 <a:spcPts val="0"/>
               </a:spcBef>
@@ -7708,9 +8276,11 @@
       <p:sp>
         <p:nvSpPr>
           <p:cNvPr id="82" name="Google Shape;82;p17"/>
-          <p:cNvSpPr txBox="1"/>
+          <p:cNvSpPr txBox="1">
+            <a:spLocks noGrp="1"/>
+          </p:cNvSpPr>
           <p:nvPr>
-            <p:ph idx="1" type="body"/>
+            <p:ph type="body" idx="1"/>
           </p:nvPr>
         </p:nvSpPr>
         <p:spPr>
@@ -7723,12 +8293,12 @@
           </a:prstGeom>
         </p:spPr>
         <p:txBody>
-          <a:bodyPr anchorCtr="0" anchor="t" bIns="91425" lIns="91425" spcFirstLastPara="1" rIns="91425" wrap="square" tIns="91425">
+          <a:bodyPr spcFirstLastPara="1" wrap="square" lIns="91425" tIns="91425" rIns="91425" bIns="91425" anchor="t" anchorCtr="0">
             <a:noAutofit/>
           </a:bodyPr>
           <a:lstStyle/>
           <a:p>
-            <a:pPr indent="0" lvl="0" marL="0" rtl="0" algn="l">
+            <a:pPr marL="0" lvl="0" indent="0" algn="l" rtl="0">
               <a:spcBef>
                 <a:spcPts val="0"/>
               </a:spcBef>
@@ -7738,19 +8308,84 @@
               <a:buNone/>
             </a:pPr>
             <a:r>
-              <a:rPr lang="en"/>
+              <a:rPr lang="en" dirty="0"/>
               <a:t>&lt;Describe your implementation of create_hybrid_image() here.&gt;</a:t>
             </a:r>
-            <a:endParaRPr/>
+          </a:p>
+          <a:p>
+            <a:pPr marL="0" lvl="0" indent="0" algn="l" rtl="0">
+              <a:spcBef>
+                <a:spcPts val="0"/>
+              </a:spcBef>
+              <a:spcAft>
+                <a:spcPts val="1600"/>
+              </a:spcAft>
+              <a:buNone/>
+            </a:pPr>
+            <a:r>
+              <a:rPr lang="en-US" dirty="0"/>
+              <a:t>To get the low </a:t>
+            </a:r>
+            <a:r>
+              <a:rPr lang="en-US" dirty="0" err="1"/>
+              <a:t>freq</a:t>
+            </a:r>
+            <a:r>
+              <a:rPr lang="en-US" dirty="0"/>
+              <a:t> image, I use </a:t>
+            </a:r>
+            <a:r>
+              <a:rPr lang="en-US" dirty="0" err="1"/>
+              <a:t>my_imfilter</a:t>
+            </a:r>
+            <a:r>
+              <a:rPr lang="en-US" dirty="0"/>
+              <a:t>() and applied the low </a:t>
+            </a:r>
+            <a:r>
+              <a:rPr lang="en-US" dirty="0" err="1"/>
+              <a:t>freq</a:t>
+            </a:r>
+            <a:r>
+              <a:rPr lang="en-US" dirty="0"/>
+              <a:t> filter to image 1. Then, to get the high </a:t>
+            </a:r>
+            <a:r>
+              <a:rPr lang="en-US" dirty="0" err="1"/>
+              <a:t>freq</a:t>
+            </a:r>
+            <a:r>
+              <a:rPr lang="en-US" dirty="0"/>
+              <a:t> of image2, I subtracted out the result of the low </a:t>
+            </a:r>
+            <a:r>
+              <a:rPr lang="en-US" dirty="0" err="1"/>
+              <a:t>freq</a:t>
+            </a:r>
+            <a:r>
+              <a:rPr lang="en-US" dirty="0"/>
+              <a:t> filter applied on image2 from image 2. To get the hybrid image, I added together the two images (low and high </a:t>
+            </a:r>
+            <a:r>
+              <a:rPr lang="en-US" dirty="0" err="1"/>
+              <a:t>freq</a:t>
+            </a:r>
+            <a:r>
+              <a:rPr lang="en-US" dirty="0"/>
+              <a:t>), and clipped the image to be between 0 and 1.</a:t>
+            </a:r>
+            <a:endParaRPr dirty="0"/>
           </a:p>
         </p:txBody>
       </p:sp>
       <p:sp>
         <p:nvSpPr>
           <p:cNvPr id="83" name="Google Shape;83;p17"/>
-          <p:cNvSpPr txBox="1"/>
+          <p:cNvSpPr txBox="1">
+            <a:spLocks noGrp="1"/>
+          </p:cNvSpPr>
           <p:nvPr>
-            <p:ph idx="2" type="body"/>
+            <p:ph type="body" idx="2"/>
           </p:nvPr>
         </p:nvSpPr>
         <p:spPr>
@@ -7763,12 +8398,12 @@
           </a:prstGeom>
         </p:spPr>
         <p:txBody>
-          <a:bodyPr anchorCtr="0" anchor="t" bIns="91425" lIns="91425" spcFirstLastPara="1" rIns="91425" wrap="square" tIns="91425">
+          <a:bodyPr spcFirstLastPara="1" wrap="square" lIns="91425" tIns="91425" rIns="91425" bIns="91425" anchor="t" anchorCtr="0">
             <a:noAutofit/>
           </a:bodyPr>
           <a:lstStyle/>
           <a:p>
-            <a:pPr indent="0" lvl="0" marL="0" rtl="0" algn="l">
+            <a:pPr marL="0" lvl="0" indent="0" algn="l" rtl="0">
               <a:spcBef>
                 <a:spcPts val="0"/>
               </a:spcBef>
@@ -7783,13 +8418,13 @@
               <a:buNone/>
             </a:pPr>
             <a:r>
-              <a:rPr b="1" lang="en"/>
+              <a:rPr lang="en" b="1" dirty="0"/>
               <a:t>Cat + Dog</a:t>
             </a:r>
-            <a:endParaRPr b="1"/>
-          </a:p>
-          <a:p>
-            <a:pPr indent="0" lvl="0" marL="0" rtl="0" algn="l">
+            <a:endParaRPr b="1" dirty="0"/>
+          </a:p>
+          <a:p>
+            <a:pPr marL="0" lvl="0" indent="0" algn="l" rtl="0">
               <a:spcBef>
                 <a:spcPts val="1600"/>
               </a:spcBef>
@@ -7804,13 +8439,13 @@
               <a:buNone/>
             </a:pPr>
             <a:r>
-              <a:rPr lang="en"/>
+              <a:rPr lang="en" dirty="0"/>
               <a:t>&lt;insert your hybrid image here&gt;</a:t>
             </a:r>
-            <a:endParaRPr/>
-          </a:p>
-          <a:p>
-            <a:pPr indent="0" lvl="0" marL="0" rtl="0" algn="l">
+            <a:endParaRPr dirty="0"/>
+          </a:p>
+          <a:p>
+            <a:pPr marL="0" lvl="0" indent="0" algn="l" rtl="0">
               <a:spcBef>
                 <a:spcPts val="1600"/>
               </a:spcBef>
@@ -7824,13 +8459,10 @@
               <a:buFont typeface="Arial"/>
               <a:buNone/>
             </a:pPr>
-            <a:r>
-              <a:t/>
-            </a:r>
-            <a:endParaRPr/>
-          </a:p>
-          <a:p>
-            <a:pPr indent="0" lvl="0" marL="0" rtl="0" algn="l">
+            <a:endParaRPr dirty="0"/>
+          </a:p>
+          <a:p>
+            <a:pPr marL="0" lvl="0" indent="0" algn="l" rtl="0">
               <a:spcBef>
                 <a:spcPts val="1600"/>
               </a:spcBef>
@@ -7844,13 +8476,10 @@
               <a:buFont typeface="Arial"/>
               <a:buNone/>
             </a:pPr>
-            <a:r>
-              <a:t/>
-            </a:r>
-            <a:endParaRPr/>
-          </a:p>
-          <a:p>
-            <a:pPr indent="0" lvl="0" marL="0" rtl="0" algn="l">
+            <a:endParaRPr dirty="0"/>
+          </a:p>
+          <a:p>
+            <a:pPr marL="0" lvl="0" indent="0" algn="l" rtl="0">
               <a:spcBef>
                 <a:spcPts val="1600"/>
               </a:spcBef>
@@ -7864,13 +8493,10 @@
               <a:buFont typeface="Arial"/>
               <a:buNone/>
             </a:pPr>
-            <a:r>
-              <a:t/>
-            </a:r>
-            <a:endParaRPr/>
-          </a:p>
-          <a:p>
-            <a:pPr indent="0" lvl="0" marL="0" rtl="0" algn="l">
+            <a:endParaRPr dirty="0"/>
+          </a:p>
+          <a:p>
+            <a:pPr marL="0" lvl="0" indent="0" algn="l" rtl="0">
               <a:spcBef>
                 <a:spcPts val="1600"/>
               </a:spcBef>
@@ -7884,29 +8510,59 @@
               <a:buFont typeface="Arial"/>
               <a:buNone/>
             </a:pPr>
+            <a:endParaRPr dirty="0"/>
+          </a:p>
+          <a:p>
+            <a:pPr marL="0" lvl="0" indent="0" algn="l" rtl="0">
+              <a:spcBef>
+                <a:spcPts val="1600"/>
+              </a:spcBef>
+              <a:spcAft>
+                <a:spcPts val="1600"/>
+              </a:spcAft>
+              <a:buNone/>
+            </a:pPr>
             <a:r>
-              <a:t/>
+              <a:rPr lang="en" dirty="0"/>
+              <a:t>Cutoff frequency: &lt;insert the value you used for this image pair&gt; </a:t>
             </a:r>
-            <a:endParaRPr/>
-          </a:p>
-          <a:p>
-            <a:pPr indent="0" lvl="0" marL="0" rtl="0" algn="l">
-              <a:spcBef>
-                <a:spcPts val="1600"/>
-              </a:spcBef>
-              <a:spcAft>
-                <a:spcPts val="1600"/>
-              </a:spcAft>
-              <a:buNone/>
-            </a:pPr>
             <a:r>
-              <a:rPr lang="en"/>
-              <a:t>Cutoff frequency: &lt;insert the value you used for this image pair&gt;</a:t>
+              <a:rPr lang="en" b="1" dirty="0"/>
+              <a:t>7</a:t>
             </a:r>
-            <a:endParaRPr b="1"/>
           </a:p>
         </p:txBody>
       </p:sp>
+      <p:pic>
+        <p:nvPicPr>
+          <p:cNvPr id="5" name="Picture 4" descr="A close up of a cat looking at the camera&#10;&#10;Description automatically generated">
+            <a:extLst>
+              <a:ext uri="{FF2B5EF4-FFF2-40B4-BE49-F238E27FC236}">
+                <a16:creationId xmlns:a16="http://schemas.microsoft.com/office/drawing/2014/main" id="{593414EA-B627-473A-B823-A0F0A08EADF0}"/>
+              </a:ext>
+            </a:extLst>
+          </p:cNvPr>
+          <p:cNvPicPr>
+            <a:picLocks noChangeAspect="1"/>
+          </p:cNvPicPr>
+          <p:nvPr/>
+        </p:nvPicPr>
+        <p:blipFill>
+          <a:blip r:embed="rId3"/>
+          <a:stretch>
+            <a:fillRect/>
+          </a:stretch>
+        </p:blipFill>
+        <p:spPr>
+          <a:xfrm>
+            <a:off x="5277422" y="1968142"/>
+            <a:ext cx="2180654" cy="1920037"/>
+          </a:xfrm>
+          <a:prstGeom prst="rect">
+            <a:avLst/>
+          </a:prstGeom>
+        </p:spPr>
+      </p:pic>
     </p:spTree>
   </p:cSld>
   <p:clrMapOvr>
@@ -7916,11 +8572,11 @@
 </file>
 
 <file path=ppt/slides/slide6.xml><?xml version="1.0" encoding="utf-8"?>
-<p:sld xmlns:a="http://schemas.openxmlformats.org/drawingml/2006/main" xmlns:r="http://schemas.openxmlformats.org/officeDocument/2006/relationships" xmlns:mc="http://schemas.openxmlformats.org/markup-compatibility/2006" xmlns:mv="urn:schemas-microsoft-com:mac:vml" xmlns:p="http://schemas.openxmlformats.org/presentationml/2006/main" xmlns:c="http://schemas.openxmlformats.org/drawingml/2006/chart" xmlns:dgm="http://schemas.openxmlformats.org/drawingml/2006/diagram" xmlns:o="urn:schemas-microsoft-com:office:office" xmlns:v="urn:schemas-microsoft-com:vml" xmlns:pvml="urn:schemas-microsoft-com:office:powerpoint" xmlns:com="http://schemas.openxmlformats.org/drawingml/2006/compatibility" xmlns:p14="http://schemas.microsoft.com/office/powerpoint/2010/main" xmlns:p15="http://schemas.microsoft.com/office/powerpoint/2012/main">
+<p:sld xmlns:a="http://schemas.openxmlformats.org/drawingml/2006/main" xmlns:r="http://schemas.openxmlformats.org/officeDocument/2006/relationships" xmlns:p="http://schemas.openxmlformats.org/presentationml/2006/main">
   <p:cSld>
     <p:spTree>
       <p:nvGrpSpPr>
-        <p:cNvPr id="87" name="Shape 87"/>
+        <p:cNvPr id="1" name="Shape 87"/>
         <p:cNvGrpSpPr/>
         <p:nvPr/>
       </p:nvGrpSpPr>
@@ -7935,7 +8591,9 @@
       <p:sp>
         <p:nvSpPr>
           <p:cNvPr id="88" name="Google Shape;88;p18"/>
-          <p:cNvSpPr txBox="1"/>
+          <p:cNvSpPr txBox="1">
+            <a:spLocks noGrp="1"/>
+          </p:cNvSpPr>
           <p:nvPr>
             <p:ph type="title"/>
           </p:nvPr>
@@ -7950,12 +8608,12 @@
           </a:prstGeom>
         </p:spPr>
         <p:txBody>
-          <a:bodyPr anchorCtr="0" anchor="t" bIns="91425" lIns="91425" spcFirstLastPara="1" rIns="91425" wrap="square" tIns="91425">
+          <a:bodyPr spcFirstLastPara="1" wrap="square" lIns="91425" tIns="91425" rIns="91425" bIns="91425" anchor="t" anchorCtr="0">
             <a:noAutofit/>
           </a:bodyPr>
           <a:lstStyle/>
           <a:p>
-            <a:pPr indent="0" lvl="0" marL="0" rtl="0" algn="l">
+            <a:pPr marL="0" lvl="0" indent="0" algn="l" rtl="0">
               <a:spcBef>
                 <a:spcPts val="0"/>
               </a:spcBef>
@@ -7975,9 +8633,11 @@
       <p:sp>
         <p:nvSpPr>
           <p:cNvPr id="89" name="Google Shape;89;p18"/>
-          <p:cNvSpPr txBox="1"/>
+          <p:cNvSpPr txBox="1">
+            <a:spLocks noGrp="1"/>
+          </p:cNvSpPr>
           <p:nvPr>
-            <p:ph idx="1" type="body"/>
+            <p:ph type="body" idx="1"/>
           </p:nvPr>
         </p:nvSpPr>
         <p:spPr>
@@ -7990,12 +8650,12 @@
           </a:prstGeom>
         </p:spPr>
         <p:txBody>
-          <a:bodyPr anchorCtr="0" anchor="t" bIns="91425" lIns="91425" spcFirstLastPara="1" rIns="91425" wrap="square" tIns="91425">
+          <a:bodyPr spcFirstLastPara="1" wrap="square" lIns="91425" tIns="91425" rIns="91425" bIns="91425" anchor="t" anchorCtr="0">
             <a:noAutofit/>
           </a:bodyPr>
           <a:lstStyle/>
           <a:p>
-            <a:pPr indent="0" lvl="0" marL="0" rtl="0" algn="l">
+            <a:pPr marL="0" lvl="0" indent="0" algn="l" rtl="0">
               <a:spcBef>
                 <a:spcPts val="0"/>
               </a:spcBef>
@@ -8005,13 +8665,13 @@
               <a:buNone/>
             </a:pPr>
             <a:r>
-              <a:rPr b="1" lang="en"/>
+              <a:rPr lang="en" b="1" dirty="0"/>
               <a:t>Motorcycle + Bicycle</a:t>
             </a:r>
-            <a:endParaRPr/>
-          </a:p>
-          <a:p>
-            <a:pPr indent="0" lvl="0" marL="0" rtl="0" algn="l">
+            <a:endParaRPr dirty="0"/>
+          </a:p>
+          <a:p>
+            <a:pPr marL="0" lvl="0" indent="0" algn="l" rtl="0">
               <a:spcBef>
                 <a:spcPts val="1600"/>
               </a:spcBef>
@@ -8021,95 +8681,85 @@
               <a:buNone/>
             </a:pPr>
             <a:r>
-              <a:rPr lang="en"/>
+              <a:rPr lang="en" dirty="0"/>
               <a:t>&lt;insert your hybrid image here&gt;</a:t>
             </a:r>
-            <a:endParaRPr/>
-          </a:p>
-          <a:p>
-            <a:pPr indent="0" lvl="0" marL="0" rtl="0" algn="l">
-              <a:spcBef>
-                <a:spcPts val="1600"/>
-              </a:spcBef>
-              <a:spcAft>
-                <a:spcPts val="0"/>
+            <a:endParaRPr dirty="0"/>
+          </a:p>
+          <a:p>
+            <a:pPr marL="0" lvl="0" indent="0" algn="l" rtl="0">
+              <a:spcBef>
+                <a:spcPts val="1600"/>
+              </a:spcBef>
+              <a:spcAft>
+                <a:spcPts val="0"/>
+              </a:spcAft>
+              <a:buNone/>
+            </a:pPr>
+            <a:endParaRPr dirty="0"/>
+          </a:p>
+          <a:p>
+            <a:pPr marL="0" lvl="0" indent="0" algn="l" rtl="0">
+              <a:spcBef>
+                <a:spcPts val="1600"/>
+              </a:spcBef>
+              <a:spcAft>
+                <a:spcPts val="0"/>
+              </a:spcAft>
+              <a:buNone/>
+            </a:pPr>
+            <a:endParaRPr dirty="0"/>
+          </a:p>
+          <a:p>
+            <a:pPr marL="0" lvl="0" indent="0" algn="l" rtl="0">
+              <a:spcBef>
+                <a:spcPts val="1600"/>
+              </a:spcBef>
+              <a:spcAft>
+                <a:spcPts val="0"/>
+              </a:spcAft>
+              <a:buNone/>
+            </a:pPr>
+            <a:endParaRPr dirty="0"/>
+          </a:p>
+          <a:p>
+            <a:pPr marL="0" lvl="0" indent="0" algn="l" rtl="0">
+              <a:spcBef>
+                <a:spcPts val="1600"/>
+              </a:spcBef>
+              <a:spcAft>
+                <a:spcPts val="0"/>
+              </a:spcAft>
+              <a:buNone/>
+            </a:pPr>
+            <a:endParaRPr dirty="0"/>
+          </a:p>
+          <a:p>
+            <a:pPr marL="0" lvl="0" indent="0" algn="l" rtl="0">
+              <a:spcBef>
+                <a:spcPts val="1600"/>
+              </a:spcBef>
+              <a:spcAft>
+                <a:spcPts val="1600"/>
               </a:spcAft>
               <a:buNone/>
             </a:pPr>
             <a:r>
-              <a:t/>
+              <a:rPr lang="en" dirty="0"/>
+              <a:t>Cutoff frequency: &lt;insert the value you used for this image pair&gt; 7</a:t>
             </a:r>
-            <a:endParaRPr/>
-          </a:p>
-          <a:p>
-            <a:pPr indent="0" lvl="0" marL="0" rtl="0" algn="l">
-              <a:spcBef>
-                <a:spcPts val="1600"/>
-              </a:spcBef>
-              <a:spcAft>
-                <a:spcPts val="0"/>
-              </a:spcAft>
-              <a:buNone/>
-            </a:pPr>
-            <a:r>
-              <a:t/>
-            </a:r>
-            <a:endParaRPr/>
-          </a:p>
-          <a:p>
-            <a:pPr indent="0" lvl="0" marL="0" rtl="0" algn="l">
-              <a:spcBef>
-                <a:spcPts val="1600"/>
-              </a:spcBef>
-              <a:spcAft>
-                <a:spcPts val="0"/>
-              </a:spcAft>
-              <a:buNone/>
-            </a:pPr>
-            <a:r>
-              <a:t/>
-            </a:r>
-            <a:endParaRPr/>
-          </a:p>
-          <a:p>
-            <a:pPr indent="0" lvl="0" marL="0" rtl="0" algn="l">
-              <a:spcBef>
-                <a:spcPts val="1600"/>
-              </a:spcBef>
-              <a:spcAft>
-                <a:spcPts val="0"/>
-              </a:spcAft>
-              <a:buNone/>
-            </a:pPr>
-            <a:r>
-              <a:t/>
-            </a:r>
-            <a:endParaRPr/>
-          </a:p>
-          <a:p>
-            <a:pPr indent="0" lvl="0" marL="0" rtl="0" algn="l">
-              <a:spcBef>
-                <a:spcPts val="1600"/>
-              </a:spcBef>
-              <a:spcAft>
-                <a:spcPts val="1600"/>
-              </a:spcAft>
-              <a:buNone/>
-            </a:pPr>
-            <a:r>
-              <a:rPr lang="en"/>
-              <a:t>Cutoff frequency: &lt;insert the value you used for this image pair&gt;</a:t>
-            </a:r>
-            <a:endParaRPr b="1"/>
+            <a:endParaRPr b="1" dirty="0"/>
           </a:p>
         </p:txBody>
       </p:sp>
       <p:sp>
         <p:nvSpPr>
           <p:cNvPr id="90" name="Google Shape;90;p18"/>
-          <p:cNvSpPr txBox="1"/>
+          <p:cNvSpPr txBox="1">
+            <a:spLocks noGrp="1"/>
+          </p:cNvSpPr>
           <p:nvPr>
-            <p:ph idx="2" type="body"/>
+            <p:ph type="body" idx="2"/>
           </p:nvPr>
         </p:nvSpPr>
         <p:spPr>
@@ -8122,12 +8772,12 @@
           </a:prstGeom>
         </p:spPr>
         <p:txBody>
-          <a:bodyPr anchorCtr="0" anchor="t" bIns="91425" lIns="91425" spcFirstLastPara="1" rIns="91425" wrap="square" tIns="91425">
+          <a:bodyPr spcFirstLastPara="1" wrap="square" lIns="91425" tIns="91425" rIns="91425" bIns="91425" anchor="t" anchorCtr="0">
             <a:noAutofit/>
           </a:bodyPr>
           <a:lstStyle/>
           <a:p>
-            <a:pPr indent="0" lvl="0" marL="0" rtl="0" algn="l">
+            <a:pPr marL="0" lvl="0" indent="0" algn="l" rtl="0">
               <a:spcBef>
                 <a:spcPts val="0"/>
               </a:spcBef>
@@ -8137,13 +8787,13 @@
               <a:buNone/>
             </a:pPr>
             <a:r>
-              <a:rPr b="1" lang="en"/>
+              <a:rPr lang="en" b="1" dirty="0"/>
               <a:t>Plane + Bird</a:t>
             </a:r>
-            <a:endParaRPr/>
-          </a:p>
-          <a:p>
-            <a:pPr indent="0" lvl="0" marL="0" rtl="0" algn="l">
+            <a:endParaRPr dirty="0"/>
+          </a:p>
+          <a:p>
+            <a:pPr marL="0" lvl="0" indent="0" algn="l" rtl="0">
               <a:spcBef>
                 <a:spcPts val="1600"/>
               </a:spcBef>
@@ -8153,89 +8803,137 @@
               <a:buNone/>
             </a:pPr>
             <a:r>
-              <a:rPr lang="en"/>
+              <a:rPr lang="en" dirty="0"/>
               <a:t>&lt;insert your hybrid image here&gt;</a:t>
             </a:r>
-            <a:endParaRPr/>
-          </a:p>
-          <a:p>
-            <a:pPr indent="0" lvl="0" marL="0" rtl="0" algn="l">
-              <a:spcBef>
-                <a:spcPts val="1600"/>
-              </a:spcBef>
-              <a:spcAft>
-                <a:spcPts val="0"/>
+            <a:endParaRPr dirty="0"/>
+          </a:p>
+          <a:p>
+            <a:pPr marL="0" lvl="0" indent="0" algn="l" rtl="0">
+              <a:spcBef>
+                <a:spcPts val="1600"/>
+              </a:spcBef>
+              <a:spcAft>
+                <a:spcPts val="0"/>
+              </a:spcAft>
+              <a:buNone/>
+            </a:pPr>
+            <a:endParaRPr dirty="0"/>
+          </a:p>
+          <a:p>
+            <a:pPr marL="0" lvl="0" indent="0" algn="l" rtl="0">
+              <a:spcBef>
+                <a:spcPts val="1600"/>
+              </a:spcBef>
+              <a:spcAft>
+                <a:spcPts val="0"/>
+              </a:spcAft>
+              <a:buNone/>
+            </a:pPr>
+            <a:endParaRPr dirty="0"/>
+          </a:p>
+          <a:p>
+            <a:pPr marL="0" lvl="0" indent="0" algn="l" rtl="0">
+              <a:spcBef>
+                <a:spcPts val="1600"/>
+              </a:spcBef>
+              <a:spcAft>
+                <a:spcPts val="0"/>
+              </a:spcAft>
+              <a:buNone/>
+            </a:pPr>
+            <a:endParaRPr dirty="0"/>
+          </a:p>
+          <a:p>
+            <a:pPr marL="0" lvl="0" indent="0" algn="l" rtl="0">
+              <a:spcBef>
+                <a:spcPts val="1600"/>
+              </a:spcBef>
+              <a:spcAft>
+                <a:spcPts val="0"/>
+              </a:spcAft>
+              <a:buNone/>
+            </a:pPr>
+            <a:endParaRPr dirty="0"/>
+          </a:p>
+          <a:p>
+            <a:pPr marL="0" lvl="0" indent="0" algn="l" rtl="0">
+              <a:spcBef>
+                <a:spcPts val="1600"/>
+              </a:spcBef>
+              <a:spcAft>
+                <a:spcPts val="1600"/>
               </a:spcAft>
               <a:buNone/>
             </a:pPr>
             <a:r>
-              <a:t/>
+              <a:rPr lang="en" dirty="0"/>
+              <a:t>Cutoff frequency: &lt;insert the value you used for this image pair&gt; 7</a:t>
             </a:r>
-            <a:endParaRPr/>
-          </a:p>
-          <a:p>
-            <a:pPr indent="0" lvl="0" marL="0" rtl="0" algn="l">
-              <a:spcBef>
-                <a:spcPts val="1600"/>
-              </a:spcBef>
-              <a:spcAft>
-                <a:spcPts val="0"/>
-              </a:spcAft>
-              <a:buNone/>
-            </a:pPr>
-            <a:r>
-              <a:t/>
-            </a:r>
-            <a:endParaRPr/>
-          </a:p>
-          <a:p>
-            <a:pPr indent="0" lvl="0" marL="0" rtl="0" algn="l">
-              <a:spcBef>
-                <a:spcPts val="1600"/>
-              </a:spcBef>
-              <a:spcAft>
-                <a:spcPts val="0"/>
-              </a:spcAft>
-              <a:buNone/>
-            </a:pPr>
-            <a:r>
-              <a:t/>
-            </a:r>
-            <a:endParaRPr/>
-          </a:p>
-          <a:p>
-            <a:pPr indent="0" lvl="0" marL="0" rtl="0" algn="l">
-              <a:spcBef>
-                <a:spcPts val="1600"/>
-              </a:spcBef>
-              <a:spcAft>
-                <a:spcPts val="0"/>
-              </a:spcAft>
-              <a:buNone/>
-            </a:pPr>
-            <a:r>
-              <a:t/>
-            </a:r>
-            <a:endParaRPr/>
-          </a:p>
-          <a:p>
-            <a:pPr indent="0" lvl="0" marL="0" rtl="0" algn="l">
-              <a:spcBef>
-                <a:spcPts val="1600"/>
-              </a:spcBef>
-              <a:spcAft>
-                <a:spcPts val="1600"/>
-              </a:spcAft>
-              <a:buNone/>
-            </a:pPr>
-            <a:r>
-              <a:rPr lang="en"/>
-              <a:t>Cutoff frequency: &lt;insert the value you used for this image pair&gt;</a:t>
-            </a:r>
-            <a:endParaRPr b="1"/>
+            <a:endParaRPr b="1" dirty="0"/>
           </a:p>
         </p:txBody>
       </p:sp>
+      <p:pic>
+        <p:nvPicPr>
+          <p:cNvPr id="3" name="Picture 2" descr="A wheel of a bicycle&#10;&#10;Description automatically generated">
+            <a:extLst>
+              <a:ext uri="{FF2B5EF4-FFF2-40B4-BE49-F238E27FC236}">
+                <a16:creationId xmlns:a16="http://schemas.microsoft.com/office/drawing/2014/main" id="{0AB18263-9DB9-40CA-9853-5A96374007F7}"/>
+              </a:ext>
+            </a:extLst>
+          </p:cNvPr>
+          <p:cNvPicPr>
+            <a:picLocks noChangeAspect="1"/>
+          </p:cNvPicPr>
+          <p:nvPr/>
+        </p:nvPicPr>
+        <p:blipFill>
+          <a:blip r:embed="rId3"/>
+          <a:stretch>
+            <a:fillRect/>
+          </a:stretch>
+        </p:blipFill>
+        <p:spPr>
+          <a:xfrm>
+            <a:off x="854012" y="2170353"/>
+            <a:ext cx="2254948" cy="1493343"/>
+          </a:xfrm>
+          <a:prstGeom prst="rect">
+            <a:avLst/>
+          </a:prstGeom>
+        </p:spPr>
+      </p:pic>
+      <p:pic>
+        <p:nvPicPr>
+          <p:cNvPr id="5" name="Picture 4" descr="A bird flying in the sky&#10;&#10;Description automatically generated">
+            <a:extLst>
+              <a:ext uri="{FF2B5EF4-FFF2-40B4-BE49-F238E27FC236}">
+                <a16:creationId xmlns:a16="http://schemas.microsoft.com/office/drawing/2014/main" id="{30F87875-2CCD-4333-97AE-B0BACC155249}"/>
+              </a:ext>
+            </a:extLst>
+          </p:cNvPr>
+          <p:cNvPicPr>
+            <a:picLocks noChangeAspect="1"/>
+          </p:cNvPicPr>
+          <p:nvPr/>
+        </p:nvPicPr>
+        <p:blipFill>
+          <a:blip r:embed="rId4"/>
+          <a:stretch>
+            <a:fillRect/>
+          </a:stretch>
+        </p:blipFill>
+        <p:spPr>
+          <a:xfrm>
+            <a:off x="5468303" y="2060625"/>
+            <a:ext cx="1956626" cy="1727049"/>
+          </a:xfrm>
+          <a:prstGeom prst="rect">
+            <a:avLst/>
+          </a:prstGeom>
+        </p:spPr>
+      </p:pic>
     </p:spTree>
   </p:cSld>
   <p:clrMapOvr>
@@ -8245,11 +8943,11 @@
 </file>
 
 <file path=ppt/slides/slide7.xml><?xml version="1.0" encoding="utf-8"?>
-<p:sld xmlns:a="http://schemas.openxmlformats.org/drawingml/2006/main" xmlns:r="http://schemas.openxmlformats.org/officeDocument/2006/relationships" xmlns:mc="http://schemas.openxmlformats.org/markup-compatibility/2006" xmlns:mv="urn:schemas-microsoft-com:mac:vml" xmlns:p="http://schemas.openxmlformats.org/presentationml/2006/main" xmlns:c="http://schemas.openxmlformats.org/drawingml/2006/chart" xmlns:dgm="http://schemas.openxmlformats.org/drawingml/2006/diagram" xmlns:o="urn:schemas-microsoft-com:office:office" xmlns:v="urn:schemas-microsoft-com:vml" xmlns:pvml="urn:schemas-microsoft-com:office:powerpoint" xmlns:com="http://schemas.openxmlformats.org/drawingml/2006/compatibility" xmlns:p14="http://schemas.microsoft.com/office/powerpoint/2010/main" xmlns:p15="http://schemas.microsoft.com/office/powerpoint/2012/main">
+<p:sld xmlns:a="http://schemas.openxmlformats.org/drawingml/2006/main" xmlns:r="http://schemas.openxmlformats.org/officeDocument/2006/relationships" xmlns:p="http://schemas.openxmlformats.org/presentationml/2006/main">
   <p:cSld>
     <p:spTree>
       <p:nvGrpSpPr>
-        <p:cNvPr id="94" name="Shape 94"/>
+        <p:cNvPr id="1" name="Shape 94"/>
         <p:cNvGrpSpPr/>
         <p:nvPr/>
       </p:nvGrpSpPr>
@@ -8264,7 +8962,9 @@
       <p:sp>
         <p:nvSpPr>
           <p:cNvPr id="95" name="Google Shape;95;p19"/>
-          <p:cNvSpPr txBox="1"/>
+          <p:cNvSpPr txBox="1">
+            <a:spLocks noGrp="1"/>
+          </p:cNvSpPr>
           <p:nvPr>
             <p:ph type="title"/>
           </p:nvPr>
@@ -8279,12 +8979,12 @@
           </a:prstGeom>
         </p:spPr>
         <p:txBody>
-          <a:bodyPr anchorCtr="0" anchor="t" bIns="91425" lIns="91425" spcFirstLastPara="1" rIns="91425" wrap="square" tIns="91425">
+          <a:bodyPr spcFirstLastPara="1" wrap="square" lIns="91425" tIns="91425" rIns="91425" bIns="91425" anchor="t" anchorCtr="0">
             <a:noAutofit/>
           </a:bodyPr>
           <a:lstStyle/>
           <a:p>
-            <a:pPr indent="0" lvl="0" marL="0" rtl="0" algn="l">
+            <a:pPr marL="0" lvl="0" indent="0" algn="l" rtl="0">
               <a:spcBef>
                 <a:spcPts val="0"/>
               </a:spcBef>
@@ -8304,9 +9004,11 @@
       <p:sp>
         <p:nvSpPr>
           <p:cNvPr id="96" name="Google Shape;96;p19"/>
-          <p:cNvSpPr txBox="1"/>
+          <p:cNvSpPr txBox="1">
+            <a:spLocks noGrp="1"/>
+          </p:cNvSpPr>
           <p:nvPr>
-            <p:ph idx="1" type="body"/>
+            <p:ph type="body" idx="1"/>
           </p:nvPr>
         </p:nvSpPr>
         <p:spPr>
@@ -8319,12 +9021,12 @@
           </a:prstGeom>
         </p:spPr>
         <p:txBody>
-          <a:bodyPr anchorCtr="0" anchor="t" bIns="91425" lIns="91425" spcFirstLastPara="1" rIns="91425" wrap="square" tIns="91425">
+          <a:bodyPr spcFirstLastPara="1" wrap="square" lIns="91425" tIns="91425" rIns="91425" bIns="91425" anchor="t" anchorCtr="0">
             <a:noAutofit/>
           </a:bodyPr>
           <a:lstStyle/>
           <a:p>
-            <a:pPr indent="0" lvl="0" marL="0" rtl="0" algn="l">
+            <a:pPr marL="0" lvl="0" indent="0" algn="l" rtl="0">
               <a:spcBef>
                 <a:spcPts val="0"/>
               </a:spcBef>
@@ -8339,13 +9041,13 @@
               <a:buNone/>
             </a:pPr>
             <a:r>
-              <a:rPr b="1" lang="en"/>
+              <a:rPr lang="en" b="1" dirty="0"/>
               <a:t>Einstein + Marilyn</a:t>
             </a:r>
-            <a:endParaRPr b="1"/>
-          </a:p>
-          <a:p>
-            <a:pPr indent="0" lvl="0" marL="0" rtl="0" algn="l">
+            <a:endParaRPr b="1" dirty="0"/>
+          </a:p>
+          <a:p>
+            <a:pPr marL="0" lvl="0" indent="0" algn="l" rtl="0">
               <a:spcBef>
                 <a:spcPts val="1600"/>
               </a:spcBef>
@@ -8360,13 +9062,13 @@
               <a:buNone/>
             </a:pPr>
             <a:r>
-              <a:rPr lang="en"/>
+              <a:rPr lang="en" dirty="0"/>
               <a:t>&lt;insert your hybrid image here&gt;</a:t>
             </a:r>
-            <a:endParaRPr/>
-          </a:p>
-          <a:p>
-            <a:pPr indent="0" lvl="0" marL="0" rtl="0" algn="l">
+            <a:endParaRPr dirty="0"/>
+          </a:p>
+          <a:p>
+            <a:pPr marL="0" lvl="0" indent="0" algn="l" rtl="0">
               <a:spcBef>
                 <a:spcPts val="1600"/>
               </a:spcBef>
@@ -8380,13 +9082,10 @@
               <a:buFont typeface="Arial"/>
               <a:buNone/>
             </a:pPr>
-            <a:r>
-              <a:t/>
-            </a:r>
-            <a:endParaRPr/>
-          </a:p>
-          <a:p>
-            <a:pPr indent="0" lvl="0" marL="0" rtl="0" algn="l">
+            <a:endParaRPr dirty="0"/>
+          </a:p>
+          <a:p>
+            <a:pPr marL="0" lvl="0" indent="0" algn="l" rtl="0">
               <a:spcBef>
                 <a:spcPts val="1600"/>
               </a:spcBef>
@@ -8400,13 +9099,10 @@
               <a:buFont typeface="Arial"/>
               <a:buNone/>
             </a:pPr>
-            <a:r>
-              <a:t/>
-            </a:r>
-            <a:endParaRPr/>
-          </a:p>
-          <a:p>
-            <a:pPr indent="0" lvl="0" marL="0" rtl="0" algn="l">
+            <a:endParaRPr dirty="0"/>
+          </a:p>
+          <a:p>
+            <a:pPr marL="0" lvl="0" indent="0" algn="l" rtl="0">
               <a:spcBef>
                 <a:spcPts val="1600"/>
               </a:spcBef>
@@ -8420,13 +9116,10 @@
               <a:buFont typeface="Arial"/>
               <a:buNone/>
             </a:pPr>
-            <a:r>
-              <a:t/>
-            </a:r>
-            <a:endParaRPr/>
-          </a:p>
-          <a:p>
-            <a:pPr indent="0" lvl="0" marL="0" rtl="0" algn="l">
+            <a:endParaRPr dirty="0"/>
+          </a:p>
+          <a:p>
+            <a:pPr marL="0" lvl="0" indent="0" algn="l" rtl="0">
               <a:spcBef>
                 <a:spcPts val="1600"/>
               </a:spcBef>
@@ -8440,35 +9133,34 @@
               <a:buFont typeface="Arial"/>
               <a:buNone/>
             </a:pPr>
+            <a:endParaRPr dirty="0"/>
+          </a:p>
+          <a:p>
+            <a:pPr marL="0" lvl="0" indent="0" algn="l" rtl="0">
+              <a:spcBef>
+                <a:spcPts val="1600"/>
+              </a:spcBef>
+              <a:spcAft>
+                <a:spcPts val="1600"/>
+              </a:spcAft>
+              <a:buNone/>
+            </a:pPr>
             <a:r>
-              <a:t/>
+              <a:rPr lang="en" dirty="0"/>
+              <a:t>Cutoff frequency: &lt;insert the value you used for this image pair&gt; 7</a:t>
             </a:r>
-            <a:endParaRPr/>
-          </a:p>
-          <a:p>
-            <a:pPr indent="0" lvl="0" marL="0" rtl="0" algn="l">
-              <a:spcBef>
-                <a:spcPts val="1600"/>
-              </a:spcBef>
-              <a:spcAft>
-                <a:spcPts val="1600"/>
-              </a:spcAft>
-              <a:buNone/>
-            </a:pPr>
-            <a:r>
-              <a:rPr lang="en"/>
-              <a:t>Cutoff frequency: &lt;insert the value you used for this image pair&gt;</a:t>
-            </a:r>
-            <a:endParaRPr/>
+            <a:endParaRPr dirty="0"/>
           </a:p>
         </p:txBody>
       </p:sp>
       <p:sp>
         <p:nvSpPr>
           <p:cNvPr id="97" name="Google Shape;97;p19"/>
-          <p:cNvSpPr txBox="1"/>
+          <p:cNvSpPr txBox="1">
+            <a:spLocks noGrp="1"/>
+          </p:cNvSpPr>
           <p:nvPr>
-            <p:ph idx="2" type="body"/>
+            <p:ph type="body" idx="2"/>
           </p:nvPr>
         </p:nvSpPr>
         <p:spPr>
@@ -8481,12 +9173,12 @@
           </a:prstGeom>
         </p:spPr>
         <p:txBody>
-          <a:bodyPr anchorCtr="0" anchor="t" bIns="91425" lIns="91425" spcFirstLastPara="1" rIns="91425" wrap="square" tIns="91425">
+          <a:bodyPr spcFirstLastPara="1" wrap="square" lIns="91425" tIns="91425" rIns="91425" bIns="91425" anchor="t" anchorCtr="0">
             <a:noAutofit/>
           </a:bodyPr>
           <a:lstStyle/>
           <a:p>
-            <a:pPr indent="0" lvl="0" marL="0" rtl="0" algn="l">
+            <a:pPr marL="0" lvl="0" indent="0" algn="l" rtl="0">
               <a:spcBef>
                 <a:spcPts val="0"/>
               </a:spcBef>
@@ -8496,13 +9188,13 @@
               <a:buNone/>
             </a:pPr>
             <a:r>
-              <a:rPr b="1" lang="en"/>
+              <a:rPr lang="en" b="1" dirty="0"/>
               <a:t>Submarine + Fish</a:t>
             </a:r>
-            <a:endParaRPr b="1"/>
-          </a:p>
-          <a:p>
-            <a:pPr indent="0" lvl="0" marL="0" rtl="0" algn="l">
+            <a:endParaRPr b="1" dirty="0"/>
+          </a:p>
+          <a:p>
+            <a:pPr marL="0" lvl="0" indent="0" algn="l" rtl="0">
               <a:spcBef>
                 <a:spcPts val="1600"/>
               </a:spcBef>
@@ -8517,17 +9209,13 @@
               <a:buNone/>
             </a:pPr>
             <a:r>
-              <a:rPr lang="en"/>
-              <a:t>&lt;</a:t>
+              <a:rPr lang="en" dirty="0"/>
+              <a:t>&lt;insert your hybrid image here&gt;</a:t>
             </a:r>
-            <a:r>
-              <a:rPr lang="en"/>
-              <a:t>insert your hybrid image here&gt;</a:t>
-            </a:r>
-            <a:endParaRPr/>
-          </a:p>
-          <a:p>
-            <a:pPr indent="0" lvl="0" marL="0" rtl="0" algn="l">
+            <a:endParaRPr dirty="0"/>
+          </a:p>
+          <a:p>
+            <a:pPr marL="0" lvl="0" indent="0" algn="l" rtl="0">
               <a:spcBef>
                 <a:spcPts val="1600"/>
               </a:spcBef>
@@ -8541,13 +9229,10 @@
               <a:buFont typeface="Arial"/>
               <a:buNone/>
             </a:pPr>
-            <a:r>
-              <a:t/>
-            </a:r>
-            <a:endParaRPr/>
-          </a:p>
-          <a:p>
-            <a:pPr indent="0" lvl="0" marL="0" rtl="0" algn="l">
+            <a:endParaRPr dirty="0"/>
+          </a:p>
+          <a:p>
+            <a:pPr marL="0" lvl="0" indent="0" algn="l" rtl="0">
               <a:spcBef>
                 <a:spcPts val="1600"/>
               </a:spcBef>
@@ -8561,13 +9246,10 @@
               <a:buFont typeface="Arial"/>
               <a:buNone/>
             </a:pPr>
-            <a:r>
-              <a:t/>
-            </a:r>
-            <a:endParaRPr/>
-          </a:p>
-          <a:p>
-            <a:pPr indent="0" lvl="0" marL="0" rtl="0" algn="l">
+            <a:endParaRPr dirty="0"/>
+          </a:p>
+          <a:p>
+            <a:pPr marL="0" lvl="0" indent="0" algn="l" rtl="0">
               <a:spcBef>
                 <a:spcPts val="1600"/>
               </a:spcBef>
@@ -8581,13 +9263,10 @@
               <a:buFont typeface="Arial"/>
               <a:buNone/>
             </a:pPr>
-            <a:r>
-              <a:t/>
-            </a:r>
-            <a:endParaRPr/>
-          </a:p>
-          <a:p>
-            <a:pPr indent="0" lvl="0" marL="0" rtl="0" algn="l">
+            <a:endParaRPr dirty="0"/>
+          </a:p>
+          <a:p>
+            <a:pPr marL="0" lvl="0" indent="0" algn="l" rtl="0">
               <a:spcBef>
                 <a:spcPts val="1600"/>
               </a:spcBef>
@@ -8601,13 +9280,10 @@
               <a:buFont typeface="Arial"/>
               <a:buNone/>
             </a:pPr>
-            <a:r>
-              <a:t/>
-            </a:r>
-            <a:endParaRPr/>
-          </a:p>
-          <a:p>
-            <a:pPr indent="0" lvl="0" marL="0" rtl="0" algn="l">
+            <a:endParaRPr dirty="0"/>
+          </a:p>
+          <a:p>
+            <a:pPr marL="0" lvl="0" indent="0" algn="l" rtl="0">
               <a:spcBef>
                 <a:spcPts val="1600"/>
               </a:spcBef>
@@ -8622,13 +9298,73 @@
               <a:buNone/>
             </a:pPr>
             <a:r>
-              <a:rPr lang="en"/>
-              <a:t>Cutoff frequency: &lt;insert the value you used for this image pair&gt;</a:t>
+              <a:rPr lang="en" dirty="0"/>
+              <a:t>Cutoff frequency: &lt;insert the value you used for this image pair&gt; 7</a:t>
             </a:r>
-            <a:endParaRPr b="1"/>
+            <a:endParaRPr b="1" dirty="0"/>
           </a:p>
         </p:txBody>
       </p:sp>
+      <p:pic>
+        <p:nvPicPr>
+          <p:cNvPr id="3" name="Picture 2" descr="A person posing for the camera&#10;&#10;Description automatically generated">
+            <a:extLst>
+              <a:ext uri="{FF2B5EF4-FFF2-40B4-BE49-F238E27FC236}">
+                <a16:creationId xmlns:a16="http://schemas.microsoft.com/office/drawing/2014/main" id="{D87185AC-97E7-4F31-9733-47C62DE88D86}"/>
+              </a:ext>
+            </a:extLst>
+          </p:cNvPr>
+          <p:cNvPicPr>
+            <a:picLocks noChangeAspect="1"/>
+          </p:cNvPicPr>
+          <p:nvPr/>
+        </p:nvPicPr>
+        <p:blipFill>
+          <a:blip r:embed="rId3"/>
+          <a:stretch>
+            <a:fillRect/>
+          </a:stretch>
+        </p:blipFill>
+        <p:spPr>
+          <a:xfrm>
+            <a:off x="1645668" y="2076297"/>
+            <a:ext cx="1331963" cy="1568756"/>
+          </a:xfrm>
+          <a:prstGeom prst="rect">
+            <a:avLst/>
+          </a:prstGeom>
+        </p:spPr>
+      </p:pic>
+      <p:pic>
+        <p:nvPicPr>
+          <p:cNvPr id="5" name="Picture 4" descr="A fish swimming under water&#10;&#10;Description automatically generated">
+            <a:extLst>
+              <a:ext uri="{FF2B5EF4-FFF2-40B4-BE49-F238E27FC236}">
+                <a16:creationId xmlns:a16="http://schemas.microsoft.com/office/drawing/2014/main" id="{94FCB313-D7FA-4EA3-8532-3660823B13E6}"/>
+              </a:ext>
+            </a:extLst>
+          </p:cNvPr>
+          <p:cNvPicPr>
+            <a:picLocks noChangeAspect="1"/>
+          </p:cNvPicPr>
+          <p:nvPr/>
+        </p:nvPicPr>
+        <p:blipFill>
+          <a:blip r:embed="rId4"/>
+          <a:stretch>
+            <a:fillRect/>
+          </a:stretch>
+        </p:blipFill>
+        <p:spPr>
+          <a:xfrm>
+            <a:off x="5679274" y="2076297"/>
+            <a:ext cx="1920049" cy="1571878"/>
+          </a:xfrm>
+          <a:prstGeom prst="rect">
+            <a:avLst/>
+          </a:prstGeom>
+        </p:spPr>
+      </p:pic>
     </p:spTree>
   </p:cSld>
   <p:clrMapOvr>
@@ -8638,11 +9374,11 @@
 </file>
 
 <file path=ppt/slides/slide8.xml><?xml version="1.0" encoding="utf-8"?>
-<p:sld xmlns:a="http://schemas.openxmlformats.org/drawingml/2006/main" xmlns:r="http://schemas.openxmlformats.org/officeDocument/2006/relationships" xmlns:mc="http://schemas.openxmlformats.org/markup-compatibility/2006" xmlns:mv="urn:schemas-microsoft-com:mac:vml" xmlns:p="http://schemas.openxmlformats.org/presentationml/2006/main" xmlns:c="http://schemas.openxmlformats.org/drawingml/2006/chart" xmlns:dgm="http://schemas.openxmlformats.org/drawingml/2006/diagram" xmlns:o="urn:schemas-microsoft-com:office:office" xmlns:v="urn:schemas-microsoft-com:vml" xmlns:pvml="urn:schemas-microsoft-com:office:powerpoint" xmlns:com="http://schemas.openxmlformats.org/drawingml/2006/compatibility" xmlns:p14="http://schemas.microsoft.com/office/powerpoint/2010/main" xmlns:p15="http://schemas.microsoft.com/office/powerpoint/2012/main">
+<p:sld xmlns:a="http://schemas.openxmlformats.org/drawingml/2006/main" xmlns:r="http://schemas.openxmlformats.org/officeDocument/2006/relationships" xmlns:p="http://schemas.openxmlformats.org/presentationml/2006/main">
   <p:cSld>
     <p:spTree>
       <p:nvGrpSpPr>
-        <p:cNvPr id="101" name="Shape 101"/>
+        <p:cNvPr id="1" name="Shape 101"/>
         <p:cNvGrpSpPr/>
         <p:nvPr/>
       </p:nvGrpSpPr>
@@ -8657,7 +9393,9 @@
       <p:sp>
         <p:nvSpPr>
           <p:cNvPr id="102" name="Google Shape;102;p20"/>
-          <p:cNvSpPr txBox="1"/>
+          <p:cNvSpPr txBox="1">
+            <a:spLocks noGrp="1"/>
+          </p:cNvSpPr>
           <p:nvPr>
             <p:ph type="title"/>
           </p:nvPr>
@@ -8672,12 +9410,12 @@
           </a:prstGeom>
         </p:spPr>
         <p:txBody>
-          <a:bodyPr anchorCtr="0" anchor="t" bIns="91425" lIns="91425" spcFirstLastPara="1" rIns="91425" wrap="square" tIns="91425">
+          <a:bodyPr spcFirstLastPara="1" wrap="square" lIns="91425" tIns="91425" rIns="91425" bIns="91425" anchor="t" anchorCtr="0">
             <a:noAutofit/>
           </a:bodyPr>
           <a:lstStyle/>
           <a:p>
-            <a:pPr indent="0" lvl="0" marL="0" rtl="0" algn="l">
+            <a:pPr marL="0" lvl="0" indent="0" algn="l" rtl="0">
               <a:spcBef>
                 <a:spcPts val="0"/>
               </a:spcBef>
@@ -8697,9 +9435,11 @@
       <p:sp>
         <p:nvSpPr>
           <p:cNvPr id="103" name="Google Shape;103;p20"/>
-          <p:cNvSpPr txBox="1"/>
+          <p:cNvSpPr txBox="1">
+            <a:spLocks noGrp="1"/>
+          </p:cNvSpPr>
           <p:nvPr>
-            <p:ph idx="1" type="body"/>
+            <p:ph type="body" idx="1"/>
           </p:nvPr>
         </p:nvSpPr>
         <p:spPr>
@@ -8712,12 +9452,12 @@
           </a:prstGeom>
         </p:spPr>
         <p:txBody>
-          <a:bodyPr anchorCtr="0" anchor="t" bIns="91425" lIns="91425" spcFirstLastPara="1" rIns="91425" wrap="square" tIns="91425">
+          <a:bodyPr spcFirstLastPara="1" wrap="square" lIns="91425" tIns="91425" rIns="91425" bIns="91425" anchor="t" anchorCtr="0">
             <a:noAutofit/>
           </a:bodyPr>
           <a:lstStyle/>
           <a:p>
-            <a:pPr indent="0" lvl="0" marL="0" rtl="0" algn="l">
+            <a:pPr marL="0" lvl="0" indent="0" algn="l" rtl="0">
               <a:spcBef>
                 <a:spcPts val="0"/>
               </a:spcBef>
@@ -8732,13 +9472,13 @@
               <a:buNone/>
             </a:pPr>
             <a:r>
-              <a:rPr b="1" lang="en"/>
+              <a:rPr lang="en" b="1"/>
               <a:t>Cat + Dog</a:t>
             </a:r>
             <a:endParaRPr b="1"/>
           </a:p>
           <a:p>
-            <a:pPr indent="0" lvl="0" marL="0" rtl="0" algn="l">
+            <a:pPr marL="0" lvl="0" indent="0" algn="l" rtl="0">
               <a:spcBef>
                 <a:spcPts val="1600"/>
               </a:spcBef>
@@ -8758,9 +9498,11 @@
       <p:sp>
         <p:nvSpPr>
           <p:cNvPr id="104" name="Google Shape;104;p20"/>
-          <p:cNvSpPr txBox="1"/>
+          <p:cNvSpPr txBox="1">
+            <a:spLocks noGrp="1"/>
+          </p:cNvSpPr>
           <p:nvPr>
-            <p:ph idx="2" type="body"/>
+            <p:ph type="body" idx="2"/>
           </p:nvPr>
         </p:nvSpPr>
         <p:spPr>
@@ -8773,12 +9515,12 @@
           </a:prstGeom>
         </p:spPr>
         <p:txBody>
-          <a:bodyPr anchorCtr="0" anchor="t" bIns="91425" lIns="91425" spcFirstLastPara="1" rIns="91425" wrap="square" tIns="91425">
+          <a:bodyPr spcFirstLastPara="1" wrap="square" lIns="91425" tIns="91425" rIns="91425" bIns="91425" anchor="t" anchorCtr="0">
             <a:noAutofit/>
           </a:bodyPr>
           <a:lstStyle/>
           <a:p>
-            <a:pPr indent="0" lvl="0" marL="0" rtl="0" algn="l">
+            <a:pPr marL="0" lvl="0" indent="0" algn="l" rtl="0">
               <a:spcBef>
                 <a:spcPts val="0"/>
               </a:spcBef>
@@ -8793,13 +9535,13 @@
               <a:buNone/>
             </a:pPr>
             <a:r>
-              <a:rPr b="1" lang="en"/>
+              <a:rPr lang="en" b="1"/>
               <a:t>Motorcycle + Bicycle</a:t>
             </a:r>
             <a:endParaRPr/>
           </a:p>
           <a:p>
-            <a:pPr indent="0" lvl="0" marL="0" rtl="0" algn="l">
+            <a:pPr marL="0" lvl="0" indent="0" algn="l" rtl="0">
               <a:spcBef>
                 <a:spcPts val="1600"/>
               </a:spcBef>
@@ -8816,6 +9558,66 @@
           </a:p>
         </p:txBody>
       </p:sp>
+      <p:pic>
+        <p:nvPicPr>
+          <p:cNvPr id="3" name="Picture 2" descr="A close up of a cat looking at the camera&#10;&#10;Description automatically generated">
+            <a:extLst>
+              <a:ext uri="{FF2B5EF4-FFF2-40B4-BE49-F238E27FC236}">
+                <a16:creationId xmlns:a16="http://schemas.microsoft.com/office/drawing/2014/main" id="{6654790D-2F06-4508-A7E8-BC1D09F3977E}"/>
+              </a:ext>
+            </a:extLst>
+          </p:cNvPr>
+          <p:cNvPicPr>
+            <a:picLocks noChangeAspect="1"/>
+          </p:cNvPicPr>
+          <p:nvPr/>
+        </p:nvPicPr>
+        <p:blipFill>
+          <a:blip r:embed="rId3"/>
+          <a:stretch>
+            <a:fillRect/>
+          </a:stretch>
+        </p:blipFill>
+        <p:spPr>
+          <a:xfrm>
+            <a:off x="728663" y="2312867"/>
+            <a:ext cx="2562225" cy="2256008"/>
+          </a:xfrm>
+          <a:prstGeom prst="rect">
+            <a:avLst/>
+          </a:prstGeom>
+        </p:spPr>
+      </p:pic>
+      <p:pic>
+        <p:nvPicPr>
+          <p:cNvPr id="5" name="Picture 4" descr="A wheel of a bicycle&#10;&#10;Description automatically generated">
+            <a:extLst>
+              <a:ext uri="{FF2B5EF4-FFF2-40B4-BE49-F238E27FC236}">
+                <a16:creationId xmlns:a16="http://schemas.microsoft.com/office/drawing/2014/main" id="{534701F1-C9BC-44BC-8E3A-B64C8A40054B}"/>
+              </a:ext>
+            </a:extLst>
+          </p:cNvPr>
+          <p:cNvPicPr>
+            <a:picLocks noChangeAspect="1"/>
+          </p:cNvPicPr>
+          <p:nvPr/>
+        </p:nvPicPr>
+        <p:blipFill>
+          <a:blip r:embed="rId4"/>
+          <a:stretch>
+            <a:fillRect/>
+          </a:stretch>
+        </p:blipFill>
+        <p:spPr>
+          <a:xfrm>
+            <a:off x="5352859" y="2571750"/>
+            <a:ext cx="2693861" cy="1784014"/>
+          </a:xfrm>
+          <a:prstGeom prst="rect">
+            <a:avLst/>
+          </a:prstGeom>
+        </p:spPr>
+      </p:pic>
     </p:spTree>
   </p:cSld>
   <p:clrMapOvr>
@@ -8825,11 +9627,11 @@
 </file>
 
 <file path=ppt/slides/slide9.xml><?xml version="1.0" encoding="utf-8"?>
-<p:sld xmlns:a="http://schemas.openxmlformats.org/drawingml/2006/main" xmlns:r="http://schemas.openxmlformats.org/officeDocument/2006/relationships" xmlns:mc="http://schemas.openxmlformats.org/markup-compatibility/2006" xmlns:mv="urn:schemas-microsoft-com:mac:vml" xmlns:p="http://schemas.openxmlformats.org/presentationml/2006/main" xmlns:c="http://schemas.openxmlformats.org/drawingml/2006/chart" xmlns:dgm="http://schemas.openxmlformats.org/drawingml/2006/diagram" xmlns:o="urn:schemas-microsoft-com:office:office" xmlns:v="urn:schemas-microsoft-com:vml" xmlns:pvml="urn:schemas-microsoft-com:office:powerpoint" xmlns:com="http://schemas.openxmlformats.org/drawingml/2006/compatibility" xmlns:p14="http://schemas.microsoft.com/office/powerpoint/2010/main" xmlns:p15="http://schemas.microsoft.com/office/powerpoint/2012/main">
+<p:sld xmlns:a="http://schemas.openxmlformats.org/drawingml/2006/main" xmlns:r="http://schemas.openxmlformats.org/officeDocument/2006/relationships" xmlns:p="http://schemas.openxmlformats.org/presentationml/2006/main">
   <p:cSld>
     <p:spTree>
       <p:nvGrpSpPr>
-        <p:cNvPr id="108" name="Shape 108"/>
+        <p:cNvPr id="1" name="Shape 108"/>
         <p:cNvGrpSpPr/>
         <p:nvPr/>
       </p:nvGrpSpPr>
@@ -8844,7 +9646,9 @@
       <p:sp>
         <p:nvSpPr>
           <p:cNvPr id="109" name="Google Shape;109;p21"/>
-          <p:cNvSpPr txBox="1"/>
+          <p:cNvSpPr txBox="1">
+            <a:spLocks noGrp="1"/>
+          </p:cNvSpPr>
           <p:nvPr>
             <p:ph type="title"/>
           </p:nvPr>
@@ -8859,12 +9663,12 @@
           </a:prstGeom>
         </p:spPr>
         <p:txBody>
-          <a:bodyPr anchorCtr="0" anchor="t" bIns="91425" lIns="91425" spcFirstLastPara="1" rIns="91425" wrap="square" tIns="91425">
+          <a:bodyPr spcFirstLastPara="1" wrap="square" lIns="91425" tIns="91425" rIns="91425" bIns="91425" anchor="t" anchorCtr="0">
             <a:noAutofit/>
           </a:bodyPr>
           <a:lstStyle/>
           <a:p>
-            <a:pPr indent="0" lvl="0" marL="0" rtl="0" algn="l">
+            <a:pPr marL="0" lvl="0" indent="0" algn="l" rtl="0">
               <a:spcBef>
                 <a:spcPts val="0"/>
               </a:spcBef>
@@ -8884,9 +9688,11 @@
       <p:sp>
         <p:nvSpPr>
           <p:cNvPr id="110" name="Google Shape;110;p21"/>
-          <p:cNvSpPr txBox="1"/>
+          <p:cNvSpPr txBox="1">
+            <a:spLocks noGrp="1"/>
+          </p:cNvSpPr>
           <p:nvPr>
-            <p:ph idx="1" type="body"/>
+            <p:ph type="body" idx="1"/>
           </p:nvPr>
         </p:nvSpPr>
         <p:spPr>
@@ -8899,12 +9705,12 @@
           </a:prstGeom>
         </p:spPr>
         <p:txBody>
-          <a:bodyPr anchorCtr="0" anchor="t" bIns="91425" lIns="91425" spcFirstLastPara="1" rIns="91425" wrap="square" tIns="91425">
+          <a:bodyPr spcFirstLastPara="1" wrap="square" lIns="91425" tIns="91425" rIns="91425" bIns="91425" anchor="t" anchorCtr="0">
             <a:noAutofit/>
           </a:bodyPr>
           <a:lstStyle/>
           <a:p>
-            <a:pPr indent="0" lvl="0" marL="0" rtl="0" algn="l">
+            <a:pPr marL="0" lvl="0" indent="0" algn="l" rtl="0">
               <a:spcBef>
                 <a:spcPts val="0"/>
               </a:spcBef>
@@ -8919,13 +9725,13 @@
               <a:buNone/>
             </a:pPr>
             <a:r>
-              <a:rPr b="1" lang="en"/>
+              <a:rPr lang="en" b="1"/>
               <a:t>Plane + Bird</a:t>
             </a:r>
             <a:endParaRPr/>
           </a:p>
           <a:p>
-            <a:pPr indent="0" lvl="0" marL="0" rtl="0" algn="l">
+            <a:pPr marL="0" lvl="0" indent="0" algn="l" rtl="0">
               <a:spcBef>
                 <a:spcPts val="1600"/>
               </a:spcBef>
@@ -8945,9 +9751,11 @@
       <p:sp>
         <p:nvSpPr>
           <p:cNvPr id="111" name="Google Shape;111;p21"/>
-          <p:cNvSpPr txBox="1"/>
+          <p:cNvSpPr txBox="1">
+            <a:spLocks noGrp="1"/>
+          </p:cNvSpPr>
           <p:nvPr>
-            <p:ph idx="2" type="body"/>
+            <p:ph type="body" idx="2"/>
           </p:nvPr>
         </p:nvSpPr>
         <p:spPr>
@@ -8960,12 +9768,12 @@
           </a:prstGeom>
         </p:spPr>
         <p:txBody>
-          <a:bodyPr anchorCtr="0" anchor="t" bIns="91425" lIns="91425" spcFirstLastPara="1" rIns="91425" wrap="square" tIns="91425">
+          <a:bodyPr spcFirstLastPara="1" wrap="square" lIns="91425" tIns="91425" rIns="91425" bIns="91425" anchor="t" anchorCtr="0">
             <a:noAutofit/>
           </a:bodyPr>
           <a:lstStyle/>
           <a:p>
-            <a:pPr indent="0" lvl="0" marL="0" rtl="0" algn="l">
+            <a:pPr marL="0" lvl="0" indent="0" algn="l" rtl="0">
               <a:spcBef>
                 <a:spcPts val="0"/>
               </a:spcBef>
@@ -8975,13 +9783,13 @@
               <a:buNone/>
             </a:pPr>
             <a:r>
-              <a:rPr b="1" lang="en"/>
+              <a:rPr lang="en" b="1"/>
               <a:t>Einstein + Marilyn</a:t>
             </a:r>
             <a:endParaRPr b="1"/>
           </a:p>
           <a:p>
-            <a:pPr indent="0" lvl="0" marL="0" rtl="0" algn="l">
+            <a:pPr marL="0" lvl="0" indent="0" algn="l" rtl="0">
               <a:spcBef>
                 <a:spcPts val="1600"/>
               </a:spcBef>
@@ -8998,6 +9806,66 @@
           </a:p>
         </p:txBody>
       </p:sp>
+      <p:pic>
+        <p:nvPicPr>
+          <p:cNvPr id="3" name="Picture 2" descr="A bird flying in the sky&#10;&#10;Description automatically generated">
+            <a:extLst>
+              <a:ext uri="{FF2B5EF4-FFF2-40B4-BE49-F238E27FC236}">
+                <a16:creationId xmlns:a16="http://schemas.microsoft.com/office/drawing/2014/main" id="{BC3C3983-C463-46A2-B44B-28EFDE81E43F}"/>
+              </a:ext>
+            </a:extLst>
+          </p:cNvPr>
+          <p:cNvPicPr>
+            <a:picLocks noChangeAspect="1"/>
+          </p:cNvPicPr>
+          <p:nvPr/>
+        </p:nvPicPr>
+        <p:blipFill>
+          <a:blip r:embed="rId3"/>
+          <a:stretch>
+            <a:fillRect/>
+          </a:stretch>
+        </p:blipFill>
+        <p:spPr>
+          <a:xfrm>
+            <a:off x="525713" y="2493658"/>
+            <a:ext cx="2497904" cy="2204817"/>
+          </a:xfrm>
+          <a:prstGeom prst="rect">
+            <a:avLst/>
+          </a:prstGeom>
+        </p:spPr>
+      </p:pic>
+      <p:pic>
+        <p:nvPicPr>
+          <p:cNvPr id="5" name="Picture 4" descr="A person posing for the camera&#10;&#10;Description automatically generated">
+            <a:extLst>
+              <a:ext uri="{FF2B5EF4-FFF2-40B4-BE49-F238E27FC236}">
+                <a16:creationId xmlns:a16="http://schemas.microsoft.com/office/drawing/2014/main" id="{F662668B-C0AA-485C-A2DA-31F5E3BF5D37}"/>
+              </a:ext>
+            </a:extLst>
+          </p:cNvPr>
+          <p:cNvPicPr>
+            <a:picLocks noChangeAspect="1"/>
+          </p:cNvPicPr>
+          <p:nvPr/>
+        </p:nvPicPr>
+        <p:blipFill>
+          <a:blip r:embed="rId4"/>
+          <a:stretch>
+            <a:fillRect/>
+          </a:stretch>
+        </p:blipFill>
+        <p:spPr>
+          <a:xfrm>
+            <a:off x="5438965" y="2373812"/>
+            <a:ext cx="1973771" cy="2324663"/>
+          </a:xfrm>
+          <a:prstGeom prst="rect">
+            <a:avLst/>
+          </a:prstGeom>
+        </p:spPr>
+      </p:pic>
     </p:spTree>
   </p:cSld>
   <p:clrMapOvr>
@@ -9007,7 +9875,7 @@
 </file>
 
 <file path=ppt/theme/theme1.xml><?xml version="1.0" encoding="utf-8"?>
-<a:theme xmlns:a="http://schemas.openxmlformats.org/drawingml/2006/main" xmlns:r="http://schemas.openxmlformats.org/officeDocument/2006/relationships" name="Simple Light">
+<a:theme xmlns:a="http://schemas.openxmlformats.org/drawingml/2006/main" name="Simple Light">
   <a:themeElements>
     <a:clrScheme name="Simple Light">
       <a:dk1>
@@ -9282,11 +10150,13 @@
       </a:bgFillStyleLst>
     </a:fmtScheme>
   </a:themeElements>
+  <a:objectDefaults/>
+  <a:extraClrSchemeLst/>
 </a:theme>
 </file>
 
 <file path=ppt/theme/theme2.xml><?xml version="1.0" encoding="utf-8"?>
-<a:theme xmlns:a="http://schemas.openxmlformats.org/drawingml/2006/main" xmlns:r="http://schemas.openxmlformats.org/officeDocument/2006/relationships">
+<a:theme xmlns:a="http://schemas.openxmlformats.org/drawingml/2006/main">
   <a:themeElements>
     <a:clrScheme name="Default">
       <a:dk1>
@@ -9561,5 +10431,7 @@
       </a:bgFillStyleLst>
     </a:fmtScheme>
   </a:themeElements>
+  <a:objectDefaults/>
+  <a:extraClrSchemeLst/>
 </a:theme>
 </file>